--- a/课程ppt/第12讲 复习总结.pptx
+++ b/课程ppt/第12讲 复习总结.pptx
@@ -9,35 +9,34 @@
     <p:sldMasterId id="2147483691" r:id="rId5"/>
   </p:sldMasterIdLst>
   <p:notesMasterIdLst>
-    <p:notesMasterId r:id="rId24"/>
+    <p:notesMasterId r:id="rId23"/>
   </p:notesMasterIdLst>
   <p:handoutMasterIdLst>
-    <p:handoutMasterId r:id="rId25"/>
+    <p:handoutMasterId r:id="rId24"/>
   </p:handoutMasterIdLst>
   <p:sldIdLst>
     <p:sldId id="257" r:id="rId6"/>
     <p:sldId id="446" r:id="rId7"/>
-    <p:sldId id="454" r:id="rId8"/>
-    <p:sldId id="451" r:id="rId9"/>
-    <p:sldId id="481" r:id="rId10"/>
-    <p:sldId id="482" r:id="rId11"/>
-    <p:sldId id="466" r:id="rId12"/>
-    <p:sldId id="460" r:id="rId13"/>
-    <p:sldId id="456" r:id="rId14"/>
-    <p:sldId id="480" r:id="rId15"/>
-    <p:sldId id="439" r:id="rId16"/>
-    <p:sldId id="440" r:id="rId17"/>
-    <p:sldId id="452" r:id="rId18"/>
-    <p:sldId id="487" r:id="rId19"/>
-    <p:sldId id="435" r:id="rId20"/>
-    <p:sldId id="486" r:id="rId21"/>
-    <p:sldId id="485" r:id="rId22"/>
-    <p:sldId id="311" r:id="rId23"/>
+    <p:sldId id="451" r:id="rId8"/>
+    <p:sldId id="481" r:id="rId9"/>
+    <p:sldId id="482" r:id="rId10"/>
+    <p:sldId id="466" r:id="rId11"/>
+    <p:sldId id="460" r:id="rId12"/>
+    <p:sldId id="456" r:id="rId13"/>
+    <p:sldId id="480" r:id="rId14"/>
+    <p:sldId id="439" r:id="rId15"/>
+    <p:sldId id="440" r:id="rId16"/>
+    <p:sldId id="452" r:id="rId17"/>
+    <p:sldId id="487" r:id="rId18"/>
+    <p:sldId id="435" r:id="rId19"/>
+    <p:sldId id="486" r:id="rId20"/>
+    <p:sldId id="485" r:id="rId21"/>
+    <p:sldId id="311" r:id="rId22"/>
   </p:sldIdLst>
   <p:sldSz cx="12192000" cy="6858000"/>
   <p:notesSz cx="6858000" cy="9144000"/>
   <p:custDataLst>
-    <p:tags r:id="rId26"/>
+    <p:tags r:id="rId25"/>
   </p:custDataLst>
   <p:defaultTextStyle>
     <a:defPPr>
@@ -268,7 +267,7 @@
           <a:p>
             <a:fld id="{2B71C804-97F5-4B36-A7AC-EEEC7F44F6C2}" type="datetimeFigureOut">
               <a:rPr lang="zh-CN" altLang="en-US" smtClean="0"/>
-              <a:t>2017/9/1</a:t>
+              <a:t>2017/9/5</a:t>
             </a:fld>
             <a:endParaRPr lang="zh-CN" altLang="en-US"/>
           </a:p>
@@ -434,7 +433,7 @@
           <a:p>
             <a:fld id="{0568D9C6-D8DC-4CC3-8480-E0C4DBA1CC07}" type="datetimeFigureOut">
               <a:rPr lang="zh-CN" altLang="en-US" smtClean="0"/>
-              <a:t>2017/9/1</a:t>
+              <a:t>2017/9/5</a:t>
             </a:fld>
             <a:endParaRPr lang="zh-CN" altLang="en-US"/>
           </a:p>
@@ -945,7 +944,7 @@
                 <a:ea typeface="宋体" charset="-122"/>
               </a:rPr>
               <a:pPr algn="r" eaLnBrk="1" hangingPunct="1"/>
-              <a:t>18</a:t>
+              <a:t>17</a:t>
             </a:fld>
             <a:endParaRPr lang="zh-CN" altLang="en-US" sz="1200">
               <a:latin typeface="Calibri" pitchFamily="34" charset="0"/>
@@ -1047,7 +1046,7 @@
           <a:p>
             <a:fld id="{DB9D664F-4C68-42D2-B189-678958EFAFDA}" type="datetime1">
               <a:rPr lang="zh-CN" altLang="en-US" smtClean="0"/>
-              <a:t>2017/9/1</a:t>
+              <a:t>2017/9/5</a:t>
             </a:fld>
             <a:endParaRPr lang="zh-CN" altLang="en-US"/>
           </a:p>
@@ -2029,7 +2028,7 @@
           <a:p>
             <a:fld id="{ED5513C8-E3A4-4D78-B249-887659A958FF}" type="datetime1">
               <a:rPr lang="en-US" altLang="zh-CN" smtClean="0"/>
-              <a:t>9/1/2017</a:t>
+              <a:t>9/5/2017</a:t>
             </a:fld>
             <a:endParaRPr lang="en-US"/>
           </a:p>
@@ -2207,7 +2206,7 @@
           <a:p>
             <a:fld id="{EBEDA52C-3EEE-4289-818C-901C0A7814FE}" type="datetime1">
               <a:rPr lang="en-US" altLang="zh-CN" smtClean="0"/>
-              <a:t>9/1/2017</a:t>
+              <a:t>9/5/2017</a:t>
             </a:fld>
             <a:endParaRPr lang="en-US"/>
           </a:p>
@@ -2461,7 +2460,7 @@
           <a:p>
             <a:fld id="{09EF5D7F-EA15-485C-85DD-8FDC010A62D4}" type="datetime1">
               <a:rPr lang="en-US" altLang="zh-CN" smtClean="0"/>
-              <a:t>9/1/2017</a:t>
+              <a:t>9/5/2017</a:t>
             </a:fld>
             <a:endParaRPr lang="en-US"/>
           </a:p>
@@ -2701,7 +2700,7 @@
           <a:p>
             <a:fld id="{9541C2B2-0BAB-4CD4-83EE-25F1A7138896}" type="datetime1">
               <a:rPr lang="en-US" altLang="zh-CN" smtClean="0"/>
-              <a:t>9/1/2017</a:t>
+              <a:t>9/5/2017</a:t>
             </a:fld>
             <a:endParaRPr lang="en-US"/>
           </a:p>
@@ -3076,7 +3075,7 @@
           <a:p>
             <a:fld id="{7DEA23E7-D0FC-41DC-8745-BE6FC447B182}" type="datetime1">
               <a:rPr lang="en-US" altLang="zh-CN" smtClean="0"/>
-              <a:t>9/1/2017</a:t>
+              <a:t>9/5/2017</a:t>
             </a:fld>
             <a:endParaRPr lang="en-US"/>
           </a:p>
@@ -3861,7 +3860,7 @@
           <a:p>
             <a:fld id="{5DEA8378-5F33-490B-8120-8DE6B7EE2781}" type="datetime1">
               <a:rPr lang="en-US" altLang="zh-CN" smtClean="0"/>
-              <a:t>9/1/2017</a:t>
+              <a:t>9/5/2017</a:t>
             </a:fld>
             <a:endParaRPr lang="en-US"/>
           </a:p>
@@ -4115,7 +4114,7 @@
           <a:p>
             <a:fld id="{38DD30CF-78A7-4C73-91B4-38D3E3317745}" type="datetime1">
               <a:rPr lang="en-US" altLang="zh-CN" smtClean="0"/>
-              <a:t>9/1/2017</a:t>
+              <a:t>9/5/2017</a:t>
             </a:fld>
             <a:endParaRPr lang="en-US"/>
           </a:p>
@@ -4218,7 +4217,7 @@
           <a:p>
             <a:fld id="{A1BE0A72-8501-4974-A7B7-5BD248ABBAFC}" type="datetime1">
               <a:rPr lang="zh-CN" altLang="en-US" smtClean="0"/>
-              <a:t>2017/9/1</a:t>
+              <a:t>2017/9/5</a:t>
             </a:fld>
             <a:endParaRPr lang="zh-CN" altLang="en-US"/>
           </a:p>
@@ -4479,7 +4478,7 @@
           <a:p>
             <a:fld id="{0B7E01DD-16D0-4DBA-9C1A-51468BA0B73A}" type="datetime1">
               <a:rPr lang="en-US" altLang="zh-CN" smtClean="0"/>
-              <a:t>9/1/2017</a:t>
+              <a:t>9/5/2017</a:t>
             </a:fld>
             <a:endParaRPr lang="en-US"/>
           </a:p>
@@ -4657,7 +4656,7 @@
           <a:p>
             <a:fld id="{B587E63F-0E62-4A50-901F-E071D77F7634}" type="datetime1">
               <a:rPr lang="en-US" altLang="zh-CN" smtClean="0"/>
-              <a:t>9/1/2017</a:t>
+              <a:t>9/5/2017</a:t>
             </a:fld>
             <a:endParaRPr lang="en-US"/>
           </a:p>
@@ -4845,7 +4844,7 @@
           <a:p>
             <a:fld id="{BD8521E8-9297-400B-AD8C-0A4D05699D33}" type="datetime1">
               <a:rPr lang="en-US" altLang="zh-CN" smtClean="0"/>
-              <a:t>9/1/2017</a:t>
+              <a:t>9/5/2017</a:t>
             </a:fld>
             <a:endParaRPr lang="en-US"/>
           </a:p>
@@ -5076,7 +5075,7 @@
           <a:p>
             <a:fld id="{ED5513C8-E3A4-4D78-B249-887659A958FF}" type="datetime1">
               <a:rPr lang="en-US" altLang="zh-CN" smtClean="0"/>
-              <a:t>9/1/2017</a:t>
+              <a:t>9/5/2017</a:t>
             </a:fld>
             <a:endParaRPr lang="en-US"/>
           </a:p>
@@ -5254,7 +5253,7 @@
           <a:p>
             <a:fld id="{EBEDA52C-3EEE-4289-818C-901C0A7814FE}" type="datetime1">
               <a:rPr lang="en-US" altLang="zh-CN" smtClean="0"/>
-              <a:t>9/1/2017</a:t>
+              <a:t>9/5/2017</a:t>
             </a:fld>
             <a:endParaRPr lang="en-US"/>
           </a:p>
@@ -5508,7 +5507,7 @@
           <a:p>
             <a:fld id="{09EF5D7F-EA15-485C-85DD-8FDC010A62D4}" type="datetime1">
               <a:rPr lang="en-US" altLang="zh-CN" smtClean="0"/>
-              <a:t>9/1/2017</a:t>
+              <a:t>9/5/2017</a:t>
             </a:fld>
             <a:endParaRPr lang="en-US"/>
           </a:p>
@@ -5748,7 +5747,7 @@
           <a:p>
             <a:fld id="{9541C2B2-0BAB-4CD4-83EE-25F1A7138896}" type="datetime1">
               <a:rPr lang="en-US" altLang="zh-CN" smtClean="0"/>
-              <a:t>9/1/2017</a:t>
+              <a:t>9/5/2017</a:t>
             </a:fld>
             <a:endParaRPr lang="en-US"/>
           </a:p>
@@ -6123,7 +6122,7 @@
           <a:p>
             <a:fld id="{7DEA23E7-D0FC-41DC-8745-BE6FC447B182}" type="datetime1">
               <a:rPr lang="en-US" altLang="zh-CN" smtClean="0"/>
-              <a:t>9/1/2017</a:t>
+              <a:t>9/5/2017</a:t>
             </a:fld>
             <a:endParaRPr lang="en-US"/>
           </a:p>
@@ -6908,7 +6907,7 @@
           <a:p>
             <a:fld id="{A1BE0A72-8501-4974-A7B7-5BD248ABBAFC}" type="datetime1">
               <a:rPr lang="zh-CN" altLang="en-US" smtClean="0"/>
-              <a:t>2017/9/1</a:t>
+              <a:t>2017/9/5</a:t>
             </a:fld>
             <a:endParaRPr lang="zh-CN" altLang="en-US"/>
           </a:p>
@@ -6961,7 +6960,7 @@
           <a:p>
             <a:fld id="{5DEA8378-5F33-490B-8120-8DE6B7EE2781}" type="datetime1">
               <a:rPr lang="en-US" altLang="zh-CN" smtClean="0"/>
-              <a:t>9/1/2017</a:t>
+              <a:t>9/5/2017</a:t>
             </a:fld>
             <a:endParaRPr lang="en-US"/>
           </a:p>
@@ -7215,7 +7214,7 @@
           <a:p>
             <a:fld id="{38DD30CF-78A7-4C73-91B4-38D3E3317745}" type="datetime1">
               <a:rPr lang="en-US" altLang="zh-CN" smtClean="0"/>
-              <a:t>9/1/2017</a:t>
+              <a:t>9/5/2017</a:t>
             </a:fld>
             <a:endParaRPr lang="en-US"/>
           </a:p>
@@ -7480,7 +7479,7 @@
           <a:p>
             <a:fld id="{0B7E01DD-16D0-4DBA-9C1A-51468BA0B73A}" type="datetime1">
               <a:rPr lang="en-US" altLang="zh-CN" smtClean="0"/>
-              <a:t>9/1/2017</a:t>
+              <a:t>9/5/2017</a:t>
             </a:fld>
             <a:endParaRPr lang="en-US"/>
           </a:p>
@@ -7658,7 +7657,7 @@
           <a:p>
             <a:fld id="{B587E63F-0E62-4A50-901F-E071D77F7634}" type="datetime1">
               <a:rPr lang="en-US" altLang="zh-CN" smtClean="0"/>
-              <a:t>9/1/2017</a:t>
+              <a:t>9/5/2017</a:t>
             </a:fld>
             <a:endParaRPr lang="en-US"/>
           </a:p>
@@ -7846,7 +7845,7 @@
           <a:p>
             <a:fld id="{BD8521E8-9297-400B-AD8C-0A4D05699D33}" type="datetime1">
               <a:rPr lang="en-US" altLang="zh-CN" smtClean="0"/>
-              <a:t>9/1/2017</a:t>
+              <a:t>9/5/2017</a:t>
             </a:fld>
             <a:endParaRPr lang="en-US"/>
           </a:p>
@@ -7949,7 +7948,7 @@
           <a:p>
             <a:fld id="{EF452D9C-F9EB-4417-9C3A-C876C2AF9415}" type="datetime1">
               <a:rPr lang="zh-CN" altLang="en-US" smtClean="0"/>
-              <a:t>2017/9/1</a:t>
+              <a:t>2017/9/5</a:t>
             </a:fld>
             <a:endParaRPr lang="zh-CN" altLang="en-US"/>
           </a:p>
@@ -8135,7 +8134,7 @@
           <a:p>
             <a:fld id="{2F2E9289-9B4C-49AE-BDDA-70D6EDC89D17}" type="datetime1">
               <a:rPr lang="zh-CN" altLang="en-US" smtClean="0"/>
-              <a:t>2017/9/1</a:t>
+              <a:t>2017/9/5</a:t>
             </a:fld>
             <a:endParaRPr lang="zh-CN" altLang="en-US"/>
           </a:p>
@@ -8305,7 +8304,7 @@
           <a:p>
             <a:fld id="{2F2E9289-9B4C-49AE-BDDA-70D6EDC89D17}" type="datetime1">
               <a:rPr lang="zh-CN" altLang="en-US" smtClean="0"/>
-              <a:t>2017/9/1</a:t>
+              <a:t>2017/9/5</a:t>
             </a:fld>
             <a:endParaRPr lang="zh-CN" altLang="en-US"/>
           </a:p>
@@ -8541,7 +8540,7 @@
           <a:p>
             <a:fld id="{8C5BA751-A251-47D6-8494-C134D9EBED5F}" type="datetime1">
               <a:rPr lang="zh-CN" altLang="en-US" smtClean="0"/>
-              <a:t>2017/9/1</a:t>
+              <a:t>2017/9/5</a:t>
             </a:fld>
             <a:endParaRPr lang="zh-CN" altLang="en-US"/>
           </a:p>
@@ -8897,7 +8896,7 @@
           <a:p>
             <a:fld id="{C46E2078-F302-4651-A2A2-2FC6C4E1A3F1}" type="datetime1">
               <a:rPr lang="zh-CN" altLang="en-US" smtClean="0"/>
-              <a:t>2017/9/1</a:t>
+              <a:t>2017/9/5</a:t>
             </a:fld>
             <a:endParaRPr lang="zh-CN" altLang="en-US"/>
           </a:p>
@@ -9019,7 +9018,7 @@
               <a:pPr>
                 <a:defRPr/>
               </a:pPr>
-              <a:t>2017/9/1</a:t>
+              <a:t>2017/9/5</a:t>
             </a:fld>
             <a:endParaRPr lang="zh-CN" altLang="en-US"/>
           </a:p>
@@ -9167,7 +9166,7 @@
           <a:p>
             <a:fld id="{A1BE0A72-8501-4974-A7B7-5BD248ABBAFC}" type="datetime1">
               <a:rPr lang="zh-CN" altLang="en-US" smtClean="0"/>
-              <a:t>2017/9/1</a:t>
+              <a:t>2017/9/5</a:t>
             </a:fld>
             <a:endParaRPr lang="zh-CN" altLang="en-US"/>
           </a:p>
@@ -9681,7 +9680,7 @@
           <a:p>
             <a:fld id="{A1BE0A72-8501-4974-A7B7-5BD248ABBAFC}" type="datetime1">
               <a:rPr lang="zh-CN" altLang="en-US" smtClean="0"/>
-              <a:t>2017/9/1</a:t>
+              <a:t>2017/9/5</a:t>
             </a:fld>
             <a:endParaRPr lang="zh-CN" altLang="en-US"/>
           </a:p>
@@ -10287,7 +10286,7 @@
           <a:p>
             <a:fld id="{7A78726F-0AD2-4A20-BC72-263D2D3F3A2F}" type="datetime1">
               <a:rPr lang="en-US" altLang="zh-CN" smtClean="0"/>
-              <a:t>9/1/2017</a:t>
+              <a:t>9/5/2017</a:t>
             </a:fld>
             <a:endParaRPr lang="en-US"/>
           </a:p>
@@ -11268,7 +11267,7 @@
           <a:p>
             <a:fld id="{A1BE0A72-8501-4974-A7B7-5BD248ABBAFC}" type="datetime1">
               <a:rPr lang="zh-CN" altLang="en-US" smtClean="0"/>
-              <a:t>2017/9/1</a:t>
+              <a:t>2017/9/5</a:t>
             </a:fld>
             <a:endParaRPr lang="zh-CN" altLang="en-US"/>
           </a:p>
@@ -11874,7 +11873,7 @@
           <a:p>
             <a:fld id="{7A78726F-0AD2-4A20-BC72-263D2D3F3A2F}" type="datetime1">
               <a:rPr lang="en-US" altLang="zh-CN" smtClean="0"/>
-              <a:t>9/1/2017</a:t>
+              <a:t>9/5/2017</a:t>
             </a:fld>
             <a:endParaRPr lang="en-US"/>
           </a:p>
@@ -12830,22 +12829,27 @@
       </p:grpSpPr>
       <p:sp>
         <p:nvSpPr>
-          <p:cNvPr id="2" name="内容占位符 1"/>
-          <p:cNvSpPr>
-            <a:spLocks noGrp="1"/>
-          </p:cNvSpPr>
-          <p:nvPr>
-            <p:ph sz="quarter" idx="13"/>
-          </p:nvPr>
-        </p:nvSpPr>
-        <p:spPr/>
+          <p:cNvPr id="3" name="内容占位符 2"/>
+          <p:cNvSpPr>
+            <a:spLocks noGrp="1"/>
+          </p:cNvSpPr>
+          <p:nvPr>
+            <p:ph sz="quarter" idx="15"/>
+          </p:nvPr>
+        </p:nvSpPr>
+        <p:spPr>
+          <a:xfrm>
+            <a:off x="917621" y="516340"/>
+            <a:ext cx="7011941" cy="685800"/>
+          </a:xfrm>
+        </p:spPr>
         <p:txBody>
           <a:bodyPr/>
           <a:lstStyle/>
           <a:p>
             <a:r>
               <a:rPr lang="en-US" altLang="zh-CN" b="0" dirty="0"/>
-              <a:t>CURL</a:t>
+              <a:t>JS-SDK</a:t>
             </a:r>
             <a:r>
               <a:rPr lang="zh-CN" altLang="en-US" b="0" dirty="0"/>
@@ -12857,7 +12861,7 @@
     </p:spTree>
     <p:extLst>
       <p:ext uri="{BB962C8B-B14F-4D97-AF65-F5344CB8AC3E}">
-        <p14:creationId xmlns:p14="http://schemas.microsoft.com/office/powerpoint/2010/main" val="2699412093"/>
+        <p14:creationId xmlns:p14="http://schemas.microsoft.com/office/powerpoint/2010/main" val="3481064266"/>
       </p:ext>
     </p:extLst>
   </p:cSld>
@@ -12886,18 +12890,18 @@
       </p:grpSpPr>
       <p:sp>
         <p:nvSpPr>
-          <p:cNvPr id="3" name="内容占位符 2"/>
-          <p:cNvSpPr>
-            <a:spLocks noGrp="1"/>
-          </p:cNvSpPr>
-          <p:nvPr>
-            <p:ph sz="quarter" idx="15"/>
+          <p:cNvPr id="2" name="内容占位符 1"/>
+          <p:cNvSpPr>
+            <a:spLocks noGrp="1"/>
+          </p:cNvSpPr>
+          <p:nvPr>
+            <p:ph sz="quarter" idx="13"/>
           </p:nvPr>
         </p:nvSpPr>
         <p:spPr>
           <a:xfrm>
-            <a:off x="917621" y="516340"/>
-            <a:ext cx="7011941" cy="685800"/>
+            <a:off x="1054099" y="543636"/>
+            <a:ext cx="7032626" cy="685800"/>
           </a:xfrm>
         </p:spPr>
         <p:txBody>
@@ -12905,12 +12909,8 @@
           <a:lstStyle/>
           <a:p>
             <a:r>
-              <a:rPr lang="en-US" altLang="zh-CN" b="0" dirty="0"/>
-              <a:t>JS-SDK</a:t>
-            </a:r>
-            <a:r>
               <a:rPr lang="zh-CN" altLang="en-US" b="0" dirty="0"/>
-              <a:t>重点</a:t>
+              <a:t>服务器的配置</a:t>
             </a:r>
           </a:p>
         </p:txBody>
@@ -12918,7 +12918,7 @@
     </p:spTree>
     <p:extLst>
       <p:ext uri="{BB962C8B-B14F-4D97-AF65-F5344CB8AC3E}">
-        <p14:creationId xmlns:p14="http://schemas.microsoft.com/office/powerpoint/2010/main" val="3481064266"/>
+        <p14:creationId xmlns:p14="http://schemas.microsoft.com/office/powerpoint/2010/main" val="3020456092"/>
       </p:ext>
     </p:extLst>
   </p:cSld>
@@ -12957,8 +12957,8 @@
         </p:nvSpPr>
         <p:spPr>
           <a:xfrm>
-            <a:off x="1054099" y="543636"/>
-            <a:ext cx="7032626" cy="685800"/>
+            <a:off x="1054100" y="543636"/>
+            <a:ext cx="7304088" cy="685800"/>
           </a:xfrm>
         </p:spPr>
         <p:txBody>
@@ -12967,15 +12967,138 @@
           <a:p>
             <a:r>
               <a:rPr lang="zh-CN" altLang="en-US" b="0" dirty="0"/>
-              <a:t>服务器的配置</a:t>
-            </a:r>
+              <a:t>第三讲</a:t>
+            </a:r>
+          </a:p>
+        </p:txBody>
+      </p:sp>
+      <p:sp>
+        <p:nvSpPr>
+          <p:cNvPr id="4" name="文本框 3">
+            <a:extLst>
+              <a:ext uri="{FF2B5EF4-FFF2-40B4-BE49-F238E27FC236}">
+                <a16:creationId xmlns:a16="http://schemas.microsoft.com/office/drawing/2014/main" id="{881044DB-5DAA-45FE-B324-1F8A47186361}"/>
+              </a:ext>
+            </a:extLst>
+          </p:cNvPr>
+          <p:cNvSpPr txBox="1"/>
+          <p:nvPr/>
+        </p:nvSpPr>
+        <p:spPr>
+          <a:xfrm>
+            <a:off x="4058444" y="2343152"/>
+            <a:ext cx="5385594" cy="2062103"/>
+          </a:xfrm>
+          <a:prstGeom prst="rect">
+            <a:avLst/>
+          </a:prstGeom>
+          <a:noFill/>
+        </p:spPr>
+        <p:txBody>
+          <a:bodyPr wrap="square" rtlCol="0">
+            <a:spAutoFit/>
+          </a:bodyPr>
+          <a:lstStyle/>
+          <a:p>
+            <a:pPr marL="514350" indent="-514350">
+              <a:lnSpc>
+                <a:spcPct val="200000"/>
+              </a:lnSpc>
+              <a:buFont typeface="+mj-ea"/>
+              <a:buAutoNum type="ea1JpnChsDbPeriod"/>
+            </a:pPr>
+            <a:r>
+              <a:rPr lang="zh-CN" altLang="en-US" sz="2000" dirty="0">
+                <a:solidFill>
+                  <a:schemeClr val="tx1">
+                    <a:lumMod val="65000"/>
+                    <a:lumOff val="35000"/>
+                  </a:schemeClr>
+                </a:solidFill>
+                <a:latin typeface="微软雅黑" panose="020B0503020204020204" pitchFamily="34" charset="-122"/>
+                <a:ea typeface="微软雅黑" panose="020B0503020204020204" pitchFamily="34" charset="-122"/>
+              </a:rPr>
+              <a:t>整体脉络</a:t>
+            </a:r>
+            <a:endParaRPr lang="en-US" altLang="zh-CN" sz="2000" dirty="0">
+              <a:solidFill>
+                <a:schemeClr val="tx1">
+                  <a:lumMod val="65000"/>
+                  <a:lumOff val="35000"/>
+                </a:schemeClr>
+              </a:solidFill>
+              <a:latin typeface="微软雅黑" panose="020B0503020204020204" pitchFamily="34" charset="-122"/>
+              <a:ea typeface="微软雅黑" panose="020B0503020204020204" pitchFamily="34" charset="-122"/>
+            </a:endParaRPr>
+          </a:p>
+          <a:p>
+            <a:pPr marL="514350" indent="-514350">
+              <a:lnSpc>
+                <a:spcPct val="200000"/>
+              </a:lnSpc>
+              <a:buFont typeface="+mj-ea"/>
+              <a:buAutoNum type="ea1JpnChsDbPeriod"/>
+            </a:pPr>
+            <a:r>
+              <a:rPr lang="zh-CN" altLang="en-US" sz="2000" dirty="0">
+                <a:solidFill>
+                  <a:schemeClr val="tx1">
+                    <a:lumMod val="65000"/>
+                    <a:lumOff val="35000"/>
+                  </a:schemeClr>
+                </a:solidFill>
+                <a:latin typeface="微软雅黑" panose="020B0503020204020204" pitchFamily="34" charset="-122"/>
+                <a:ea typeface="微软雅黑" panose="020B0503020204020204" pitchFamily="34" charset="-122"/>
+              </a:rPr>
+              <a:t>重点回顾</a:t>
+            </a:r>
+            <a:endParaRPr lang="en-US" altLang="zh-CN" sz="2000" dirty="0">
+              <a:solidFill>
+                <a:schemeClr val="tx1">
+                  <a:lumMod val="65000"/>
+                  <a:lumOff val="35000"/>
+                </a:schemeClr>
+              </a:solidFill>
+              <a:latin typeface="微软雅黑" panose="020B0503020204020204" pitchFamily="34" charset="-122"/>
+              <a:ea typeface="微软雅黑" panose="020B0503020204020204" pitchFamily="34" charset="-122"/>
+            </a:endParaRPr>
+          </a:p>
+          <a:p>
+            <a:pPr marL="514350" indent="-514350">
+              <a:lnSpc>
+                <a:spcPct val="200000"/>
+              </a:lnSpc>
+              <a:buFont typeface="+mj-ea"/>
+              <a:buAutoNum type="ea1JpnChsDbPeriod"/>
+            </a:pPr>
+            <a:r>
+              <a:rPr lang="zh-CN" altLang="en-US" sz="2400" dirty="0">
+                <a:solidFill>
+                  <a:schemeClr val="accent6">
+                    <a:lumMod val="75000"/>
+                  </a:schemeClr>
+                </a:solidFill>
+                <a:latin typeface="微软雅黑" panose="020B0503020204020204" pitchFamily="34" charset="-122"/>
+                <a:ea typeface="微软雅黑" panose="020B0503020204020204" pitchFamily="34" charset="-122"/>
+              </a:rPr>
+              <a:t>思考总结</a:t>
+            </a:r>
+            <a:endParaRPr lang="en-US" altLang="zh-CN" sz="2400" dirty="0">
+              <a:solidFill>
+                <a:schemeClr val="accent6">
+                  <a:lumMod val="75000"/>
+                </a:schemeClr>
+              </a:solidFill>
+              <a:latin typeface="微软雅黑" panose="020B0503020204020204" pitchFamily="34" charset="-122"/>
+              <a:ea typeface="微软雅黑" panose="020B0503020204020204" pitchFamily="34" charset="-122"/>
+            </a:endParaRPr>
           </a:p>
         </p:txBody>
       </p:sp>
     </p:spTree>
     <p:extLst>
       <p:ext uri="{BB962C8B-B14F-4D97-AF65-F5344CB8AC3E}">
-        <p14:creationId xmlns:p14="http://schemas.microsoft.com/office/powerpoint/2010/main" val="3020456092"/>
+        <p14:creationId xmlns:p14="http://schemas.microsoft.com/office/powerpoint/2010/main" val="1928010297"/>
       </p:ext>
     </p:extLst>
   </p:cSld>
@@ -13004,18 +13127,18 @@
       </p:grpSpPr>
       <p:sp>
         <p:nvSpPr>
-          <p:cNvPr id="2" name="内容占位符 1"/>
-          <p:cNvSpPr>
-            <a:spLocks noGrp="1"/>
-          </p:cNvSpPr>
-          <p:nvPr>
-            <p:ph sz="quarter" idx="13"/>
+          <p:cNvPr id="3" name="内容占位符 2"/>
+          <p:cNvSpPr>
+            <a:spLocks noGrp="1"/>
+          </p:cNvSpPr>
+          <p:nvPr>
+            <p:ph sz="quarter" idx="15"/>
           </p:nvPr>
         </p:nvSpPr>
         <p:spPr>
           <a:xfrm>
-            <a:off x="1054100" y="543636"/>
-            <a:ext cx="7304088" cy="685800"/>
+            <a:off x="917622" y="516340"/>
+            <a:ext cx="7705268" cy="685800"/>
           </a:xfrm>
         </p:spPr>
         <p:txBody>
@@ -13024,138 +13147,15 @@
           <a:p>
             <a:r>
               <a:rPr lang="zh-CN" altLang="en-US" b="0" dirty="0"/>
-              <a:t>第三讲</a:t>
-            </a:r>
-          </a:p>
-        </p:txBody>
-      </p:sp>
-      <p:sp>
-        <p:nvSpPr>
-          <p:cNvPr id="4" name="文本框 3">
-            <a:extLst>
-              <a:ext uri="{FF2B5EF4-FFF2-40B4-BE49-F238E27FC236}">
-                <a16:creationId xmlns:a16="http://schemas.microsoft.com/office/drawing/2014/main" id="{881044DB-5DAA-45FE-B324-1F8A47186361}"/>
-              </a:ext>
-            </a:extLst>
-          </p:cNvPr>
-          <p:cNvSpPr txBox="1"/>
-          <p:nvPr/>
-        </p:nvSpPr>
-        <p:spPr>
-          <a:xfrm>
-            <a:off x="4058444" y="2343152"/>
-            <a:ext cx="5385594" cy="2062103"/>
-          </a:xfrm>
-          <a:prstGeom prst="rect">
-            <a:avLst/>
-          </a:prstGeom>
-          <a:noFill/>
-        </p:spPr>
-        <p:txBody>
-          <a:bodyPr wrap="square" rtlCol="0">
-            <a:spAutoFit/>
-          </a:bodyPr>
-          <a:lstStyle/>
-          <a:p>
-            <a:pPr marL="514350" indent="-514350">
-              <a:lnSpc>
-                <a:spcPct val="200000"/>
-              </a:lnSpc>
-              <a:buFont typeface="+mj-ea"/>
-              <a:buAutoNum type="ea1JpnChsDbPeriod"/>
-            </a:pPr>
-            <a:r>
-              <a:rPr lang="zh-CN" altLang="en-US" sz="2000" dirty="0">
-                <a:solidFill>
-                  <a:schemeClr val="tx1">
-                    <a:lumMod val="65000"/>
-                    <a:lumOff val="35000"/>
-                  </a:schemeClr>
-                </a:solidFill>
-                <a:latin typeface="微软雅黑" panose="020B0503020204020204" pitchFamily="34" charset="-122"/>
-                <a:ea typeface="微软雅黑" panose="020B0503020204020204" pitchFamily="34" charset="-122"/>
-              </a:rPr>
-              <a:t>整体脉络</a:t>
-            </a:r>
-            <a:endParaRPr lang="en-US" altLang="zh-CN" sz="2000" dirty="0">
-              <a:solidFill>
-                <a:schemeClr val="tx1">
-                  <a:lumMod val="65000"/>
-                  <a:lumOff val="35000"/>
-                </a:schemeClr>
-              </a:solidFill>
-              <a:latin typeface="微软雅黑" panose="020B0503020204020204" pitchFamily="34" charset="-122"/>
-              <a:ea typeface="微软雅黑" panose="020B0503020204020204" pitchFamily="34" charset="-122"/>
-            </a:endParaRPr>
-          </a:p>
-          <a:p>
-            <a:pPr marL="514350" indent="-514350">
-              <a:lnSpc>
-                <a:spcPct val="200000"/>
-              </a:lnSpc>
-              <a:buFont typeface="+mj-ea"/>
-              <a:buAutoNum type="ea1JpnChsDbPeriod"/>
-            </a:pPr>
-            <a:r>
-              <a:rPr lang="zh-CN" altLang="en-US" sz="2000" dirty="0">
-                <a:solidFill>
-                  <a:schemeClr val="tx1">
-                    <a:lumMod val="65000"/>
-                    <a:lumOff val="35000"/>
-                  </a:schemeClr>
-                </a:solidFill>
-                <a:latin typeface="微软雅黑" panose="020B0503020204020204" pitchFamily="34" charset="-122"/>
-                <a:ea typeface="微软雅黑" panose="020B0503020204020204" pitchFamily="34" charset="-122"/>
-              </a:rPr>
-              <a:t>重点回顾</a:t>
-            </a:r>
-            <a:endParaRPr lang="en-US" altLang="zh-CN" sz="2000" dirty="0">
-              <a:solidFill>
-                <a:schemeClr val="tx1">
-                  <a:lumMod val="65000"/>
-                  <a:lumOff val="35000"/>
-                </a:schemeClr>
-              </a:solidFill>
-              <a:latin typeface="微软雅黑" panose="020B0503020204020204" pitchFamily="34" charset="-122"/>
-              <a:ea typeface="微软雅黑" panose="020B0503020204020204" pitchFamily="34" charset="-122"/>
-            </a:endParaRPr>
-          </a:p>
-          <a:p>
-            <a:pPr marL="514350" indent="-514350">
-              <a:lnSpc>
-                <a:spcPct val="200000"/>
-              </a:lnSpc>
-              <a:buFont typeface="+mj-ea"/>
-              <a:buAutoNum type="ea1JpnChsDbPeriod"/>
-            </a:pPr>
-            <a:r>
-              <a:rPr lang="zh-CN" altLang="en-US" sz="2400" dirty="0">
-                <a:solidFill>
-                  <a:schemeClr val="accent6">
-                    <a:lumMod val="75000"/>
-                  </a:schemeClr>
-                </a:solidFill>
-                <a:latin typeface="微软雅黑" panose="020B0503020204020204" pitchFamily="34" charset="-122"/>
-                <a:ea typeface="微软雅黑" panose="020B0503020204020204" pitchFamily="34" charset="-122"/>
-              </a:rPr>
-              <a:t>思考总结</a:t>
-            </a:r>
-            <a:endParaRPr lang="en-US" altLang="zh-CN" sz="2400" dirty="0">
-              <a:solidFill>
-                <a:schemeClr val="accent6">
-                  <a:lumMod val="75000"/>
-                </a:schemeClr>
-              </a:solidFill>
-              <a:latin typeface="微软雅黑" panose="020B0503020204020204" pitchFamily="34" charset="-122"/>
-              <a:ea typeface="微软雅黑" panose="020B0503020204020204" pitchFamily="34" charset="-122"/>
-            </a:endParaRPr>
+              <a:t>对微信平台的一点思考</a:t>
+            </a:r>
           </a:p>
         </p:txBody>
       </p:sp>
     </p:spTree>
     <p:extLst>
       <p:ext uri="{BB962C8B-B14F-4D97-AF65-F5344CB8AC3E}">
-        <p14:creationId xmlns:p14="http://schemas.microsoft.com/office/powerpoint/2010/main" val="1928010297"/>
+        <p14:creationId xmlns:p14="http://schemas.microsoft.com/office/powerpoint/2010/main" val="1443497594"/>
       </p:ext>
     </p:extLst>
   </p:cSld>
@@ -13204,7 +13204,7 @@
           <a:p>
             <a:r>
               <a:rPr lang="zh-CN" altLang="en-US" b="0" dirty="0"/>
-              <a:t>对微信平台的一点思考</a:t>
+              <a:t>实际业务的需求</a:t>
             </a:r>
           </a:p>
         </p:txBody>
@@ -13212,7 +13212,7 @@
     </p:spTree>
     <p:extLst>
       <p:ext uri="{BB962C8B-B14F-4D97-AF65-F5344CB8AC3E}">
-        <p14:creationId xmlns:p14="http://schemas.microsoft.com/office/powerpoint/2010/main" val="1443497594"/>
+        <p14:creationId xmlns:p14="http://schemas.microsoft.com/office/powerpoint/2010/main" val="2026224558"/>
       </p:ext>
     </p:extLst>
   </p:cSld>
@@ -13252,7 +13252,7 @@
         <p:spPr>
           <a:xfrm>
             <a:off x="917622" y="516340"/>
-            <a:ext cx="7705268" cy="685800"/>
+            <a:ext cx="8236210" cy="685800"/>
           </a:xfrm>
         </p:spPr>
         <p:txBody>
@@ -13261,7 +13261,7 @@
           <a:p>
             <a:r>
               <a:rPr lang="zh-CN" altLang="en-US" b="0" dirty="0"/>
-              <a:t>实际业务的需求</a:t>
+              <a:t>公众号管理后台对比接口管理</a:t>
             </a:r>
           </a:p>
         </p:txBody>
@@ -13269,7 +13269,7 @@
     </p:spTree>
     <p:extLst>
       <p:ext uri="{BB962C8B-B14F-4D97-AF65-F5344CB8AC3E}">
-        <p14:creationId xmlns:p14="http://schemas.microsoft.com/office/powerpoint/2010/main" val="2026224558"/>
+        <p14:creationId xmlns:p14="http://schemas.microsoft.com/office/powerpoint/2010/main" val="247829176"/>
       </p:ext>
     </p:extLst>
   </p:cSld>
@@ -13309,63 +13309,6 @@
         <p:spPr>
           <a:xfrm>
             <a:off x="917622" y="516340"/>
-            <a:ext cx="8236210" cy="685800"/>
-          </a:xfrm>
-        </p:spPr>
-        <p:txBody>
-          <a:bodyPr/>
-          <a:lstStyle/>
-          <a:p>
-            <a:r>
-              <a:rPr lang="zh-CN" altLang="en-US" b="0" dirty="0"/>
-              <a:t>公众号管理后台对比接口管理</a:t>
-            </a:r>
-          </a:p>
-        </p:txBody>
-      </p:sp>
-    </p:spTree>
-    <p:extLst>
-      <p:ext uri="{BB962C8B-B14F-4D97-AF65-F5344CB8AC3E}">
-        <p14:creationId xmlns:p14="http://schemas.microsoft.com/office/powerpoint/2010/main" val="247829176"/>
-      </p:ext>
-    </p:extLst>
-  </p:cSld>
-  <p:clrMapOvr>
-    <a:masterClrMapping/>
-  </p:clrMapOvr>
-</p:sld>
-</file>
-
-<file path=ppt/slides/slide17.xml><?xml version="1.0" encoding="utf-8"?>
-<p:sld xmlns:a="http://schemas.openxmlformats.org/drawingml/2006/main" xmlns:r="http://schemas.openxmlformats.org/officeDocument/2006/relationships" xmlns:p="http://schemas.openxmlformats.org/presentationml/2006/main">
-  <p:cSld>
-    <p:spTree>
-      <p:nvGrpSpPr>
-        <p:cNvPr id="1" name=""/>
-        <p:cNvGrpSpPr/>
-        <p:nvPr/>
-      </p:nvGrpSpPr>
-      <p:grpSpPr>
-        <a:xfrm>
-          <a:off x="0" y="0"/>
-          <a:ext cx="0" cy="0"/>
-          <a:chOff x="0" y="0"/>
-          <a:chExt cx="0" cy="0"/>
-        </a:xfrm>
-      </p:grpSpPr>
-      <p:sp>
-        <p:nvSpPr>
-          <p:cNvPr id="3" name="内容占位符 2"/>
-          <p:cNvSpPr>
-            <a:spLocks noGrp="1"/>
-          </p:cNvSpPr>
-          <p:nvPr>
-            <p:ph sz="quarter" idx="15"/>
-          </p:nvPr>
-        </p:nvSpPr>
-        <p:spPr>
-          <a:xfrm>
-            <a:off x="917622" y="516340"/>
             <a:ext cx="6840030" cy="685800"/>
           </a:xfrm>
         </p:spPr>
@@ -13393,7 +13336,7 @@
 </p:sld>
 </file>
 
-<file path=ppt/slides/slide18.xml><?xml version="1.0" encoding="utf-8"?>
+<file path=ppt/slides/slide17.xml><?xml version="1.0" encoding="utf-8"?>
 <p:sld xmlns:a="http://schemas.openxmlformats.org/drawingml/2006/main" xmlns:r="http://schemas.openxmlformats.org/officeDocument/2006/relationships" xmlns:p="http://schemas.openxmlformats.org/presentationml/2006/main">
   <p:cSld>
     <p:spTree>
@@ -14292,22 +14235,150 @@
             <p:ph sz="quarter" idx="13"/>
           </p:nvPr>
         </p:nvSpPr>
-        <p:spPr/>
+        <p:spPr>
+          <a:xfrm>
+            <a:off x="1054099" y="543636"/>
+            <a:ext cx="6418263" cy="685800"/>
+          </a:xfrm>
+        </p:spPr>
         <p:txBody>
           <a:bodyPr/>
           <a:lstStyle/>
           <a:p>
             <a:r>
               <a:rPr lang="zh-CN" altLang="en-US" b="0" dirty="0"/>
-              <a:t>课程概要</a:t>
-            </a:r>
+              <a:t>第一节</a:t>
+            </a:r>
+          </a:p>
+        </p:txBody>
+      </p:sp>
+      <p:sp>
+        <p:nvSpPr>
+          <p:cNvPr id="4" name="文本框 3">
+            <a:extLst>
+              <a:ext uri="{FF2B5EF4-FFF2-40B4-BE49-F238E27FC236}">
+                <a16:creationId xmlns:a16="http://schemas.microsoft.com/office/drawing/2014/main" id="{3D9D4789-303D-467C-AFCF-1F756CE1802A}"/>
+              </a:ext>
+            </a:extLst>
+          </p:cNvPr>
+          <p:cNvSpPr txBox="1"/>
+          <p:nvPr/>
+        </p:nvSpPr>
+        <p:spPr>
+          <a:xfrm>
+            <a:off x="4058444" y="2343152"/>
+            <a:ext cx="5385594" cy="2062103"/>
+          </a:xfrm>
+          <a:prstGeom prst="rect">
+            <a:avLst/>
+          </a:prstGeom>
+          <a:noFill/>
+        </p:spPr>
+        <p:txBody>
+          <a:bodyPr wrap="square" rtlCol="0">
+            <a:spAutoFit/>
+          </a:bodyPr>
+          <a:lstStyle/>
+          <a:p>
+            <a:pPr marL="514350" indent="-514350">
+              <a:lnSpc>
+                <a:spcPct val="200000"/>
+              </a:lnSpc>
+              <a:buFont typeface="+mj-ea"/>
+              <a:buAutoNum type="ea1JpnChsDbPeriod"/>
+            </a:pPr>
+            <a:r>
+              <a:rPr lang="zh-CN" altLang="en-US" sz="2400" dirty="0">
+                <a:solidFill>
+                  <a:schemeClr val="accent6">
+                    <a:lumMod val="75000"/>
+                  </a:schemeClr>
+                </a:solidFill>
+                <a:latin typeface="微软雅黑" panose="020B0503020204020204" pitchFamily="34" charset="-122"/>
+                <a:ea typeface="微软雅黑" panose="020B0503020204020204" pitchFamily="34" charset="-122"/>
+              </a:rPr>
+              <a:t>整体脉络</a:t>
+            </a:r>
+            <a:endParaRPr lang="en-US" altLang="zh-CN" sz="2400" dirty="0">
+              <a:solidFill>
+                <a:schemeClr val="accent6">
+                  <a:lumMod val="75000"/>
+                </a:schemeClr>
+              </a:solidFill>
+              <a:latin typeface="微软雅黑" panose="020B0503020204020204" pitchFamily="34" charset="-122"/>
+              <a:ea typeface="微软雅黑" panose="020B0503020204020204" pitchFamily="34" charset="-122"/>
+            </a:endParaRPr>
+          </a:p>
+          <a:p>
+            <a:pPr marL="514350" indent="-514350">
+              <a:lnSpc>
+                <a:spcPct val="200000"/>
+              </a:lnSpc>
+              <a:buFont typeface="+mj-ea"/>
+              <a:buAutoNum type="ea1JpnChsDbPeriod"/>
+            </a:pPr>
+            <a:r>
+              <a:rPr lang="zh-CN" altLang="en-US" sz="2000" dirty="0">
+                <a:solidFill>
+                  <a:schemeClr val="tx1">
+                    <a:lumMod val="65000"/>
+                    <a:lumOff val="35000"/>
+                  </a:schemeClr>
+                </a:solidFill>
+                <a:latin typeface="微软雅黑" panose="020B0503020204020204" pitchFamily="34" charset="-122"/>
+                <a:ea typeface="微软雅黑" panose="020B0503020204020204" pitchFamily="34" charset="-122"/>
+              </a:rPr>
+              <a:t>重点回顾</a:t>
+            </a:r>
+            <a:endParaRPr lang="en-US" altLang="zh-CN" sz="2000" dirty="0">
+              <a:solidFill>
+                <a:schemeClr val="tx1">
+                  <a:lumMod val="65000"/>
+                  <a:lumOff val="35000"/>
+                </a:schemeClr>
+              </a:solidFill>
+              <a:latin typeface="微软雅黑" panose="020B0503020204020204" pitchFamily="34" charset="-122"/>
+              <a:ea typeface="微软雅黑" panose="020B0503020204020204" pitchFamily="34" charset="-122"/>
+            </a:endParaRPr>
+          </a:p>
+          <a:p>
+            <a:pPr marL="514350" indent="-514350">
+              <a:lnSpc>
+                <a:spcPct val="200000"/>
+              </a:lnSpc>
+              <a:buFont typeface="+mj-ea"/>
+              <a:buAutoNum type="ea1JpnChsDbPeriod"/>
+            </a:pPr>
+            <a:r>
+              <a:rPr lang="zh-CN" altLang="en-US" sz="2000" dirty="0">
+                <a:solidFill>
+                  <a:schemeClr val="tx1">
+                    <a:lumMod val="65000"/>
+                    <a:lumOff val="35000"/>
+                  </a:schemeClr>
+                </a:solidFill>
+                <a:latin typeface="微软雅黑" panose="020B0503020204020204" pitchFamily="34" charset="-122"/>
+                <a:ea typeface="微软雅黑" panose="020B0503020204020204" pitchFamily="34" charset="-122"/>
+              </a:rPr>
+              <a:t>思考总结</a:t>
+            </a:r>
+            <a:endParaRPr lang="en-US" altLang="zh-CN" sz="2000" dirty="0">
+              <a:solidFill>
+                <a:schemeClr val="tx1">
+                  <a:lumMod val="65000"/>
+                  <a:lumOff val="35000"/>
+                </a:schemeClr>
+              </a:solidFill>
+              <a:latin typeface="微软雅黑" panose="020B0503020204020204" pitchFamily="34" charset="-122"/>
+              <a:ea typeface="微软雅黑" panose="020B0503020204020204" pitchFamily="34" charset="-122"/>
+            </a:endParaRPr>
           </a:p>
         </p:txBody>
       </p:sp>
     </p:spTree>
     <p:extLst>
       <p:ext uri="{BB962C8B-B14F-4D97-AF65-F5344CB8AC3E}">
-        <p14:creationId xmlns:p14="http://schemas.microsoft.com/office/powerpoint/2010/main" val="947354603"/>
+        <p14:creationId xmlns:p14="http://schemas.microsoft.com/office/powerpoint/2010/main" val="2268354123"/>
       </p:ext>
     </p:extLst>
   </p:cSld>
@@ -14344,29 +14415,24 @@
             <p:ph sz="quarter" idx="13"/>
           </p:nvPr>
         </p:nvSpPr>
-        <p:spPr>
-          <a:xfrm>
-            <a:off x="1054099" y="543636"/>
-            <a:ext cx="6418263" cy="685800"/>
-          </a:xfrm>
-        </p:spPr>
+        <p:spPr/>
         <p:txBody>
           <a:bodyPr/>
           <a:lstStyle/>
           <a:p>
             <a:r>
               <a:rPr lang="zh-CN" altLang="en-US" b="0" dirty="0"/>
-              <a:t>第一节</a:t>
-            </a:r>
-          </a:p>
-        </p:txBody>
-      </p:sp>
-      <p:sp>
-        <p:nvSpPr>
-          <p:cNvPr id="4" name="文本框 3">
+              <a:t>整体梳理</a:t>
+            </a:r>
+          </a:p>
+        </p:txBody>
+      </p:sp>
+      <p:sp>
+        <p:nvSpPr>
+          <p:cNvPr id="3" name="文本框 2">
             <a:extLst>
               <a:ext uri="{FF2B5EF4-FFF2-40B4-BE49-F238E27FC236}">
-                <a16:creationId xmlns:a16="http://schemas.microsoft.com/office/drawing/2014/main" id="{3D9D4789-303D-467C-AFCF-1F756CE1802A}"/>
+                <a16:creationId xmlns:a16="http://schemas.microsoft.com/office/drawing/2014/main" id="{2AE4CADF-D9FF-4E88-9876-447A15F07A1A}"/>
               </a:ext>
             </a:extLst>
           </p:cNvPr>
@@ -14375,8 +14441,8 @@
         </p:nvSpPr>
         <p:spPr>
           <a:xfrm>
-            <a:off x="4058444" y="2343152"/>
-            <a:ext cx="5385594" cy="2062103"/>
+            <a:off x="1327355" y="1769806"/>
+            <a:ext cx="9733935" cy="3598229"/>
           </a:xfrm>
           <a:prstGeom prst="rect">
             <a:avLst/>
@@ -14389,105 +14455,183 @@
           </a:bodyPr>
           <a:lstStyle/>
           <a:p>
-            <a:pPr marL="514350" indent="-514350">
+            <a:pPr marL="285750" indent="-285750">
               <a:lnSpc>
-                <a:spcPct val="200000"/>
+                <a:spcPct val="150000"/>
               </a:lnSpc>
-              <a:buFont typeface="+mj-ea"/>
-              <a:buAutoNum type="ea1JpnChsDbPeriod"/>
+              <a:buFont typeface="Arial" panose="020B0604020202020204" pitchFamily="34" charset="0"/>
+              <a:buChar char="•"/>
             </a:pPr>
             <a:r>
-              <a:rPr lang="zh-CN" altLang="en-US" sz="2400" dirty="0">
-                <a:solidFill>
-                  <a:schemeClr val="accent6">
-                    <a:lumMod val="75000"/>
-                  </a:schemeClr>
-                </a:solidFill>
+              <a:rPr lang="zh-CN" altLang="en-US" dirty="0">
                 <a:latin typeface="微软雅黑" panose="020B0503020204020204" pitchFamily="34" charset="-122"/>
                 <a:ea typeface="微软雅黑" panose="020B0503020204020204" pitchFamily="34" charset="-122"/>
               </a:rPr>
-              <a:t>整体脉络</a:t>
-            </a:r>
-            <a:endParaRPr lang="en-US" altLang="zh-CN" sz="2400" dirty="0">
-              <a:solidFill>
-                <a:schemeClr val="accent6">
-                  <a:lumMod val="75000"/>
-                </a:schemeClr>
-              </a:solidFill>
+              <a:t>本课程可分为三大部分：公众号基础与配置接入服务器；微信消息处理；微信接口调用。</a:t>
+            </a:r>
+            <a:endParaRPr lang="en-US" altLang="zh-CN" dirty="0">
               <a:latin typeface="微软雅黑" panose="020B0503020204020204" pitchFamily="34" charset="-122"/>
               <a:ea typeface="微软雅黑" panose="020B0503020204020204" pitchFamily="34" charset="-122"/>
             </a:endParaRPr>
           </a:p>
           <a:p>
-            <a:pPr marL="514350" indent="-514350">
+            <a:pPr marL="742950" lvl="1" indent="-285750">
               <a:lnSpc>
-                <a:spcPct val="200000"/>
+                <a:spcPct val="150000"/>
               </a:lnSpc>
-              <a:buFont typeface="+mj-ea"/>
-              <a:buAutoNum type="ea1JpnChsDbPeriod"/>
+              <a:buFont typeface="Wingdings" panose="05000000000000000000" pitchFamily="2" charset="2"/>
+              <a:buChar char="Ø"/>
             </a:pPr>
             <a:r>
-              <a:rPr lang="zh-CN" altLang="en-US" sz="2000" dirty="0">
-                <a:solidFill>
-                  <a:schemeClr val="tx1">
-                    <a:lumMod val="65000"/>
-                    <a:lumOff val="35000"/>
-                  </a:schemeClr>
-                </a:solidFill>
+              <a:rPr lang="zh-CN" altLang="en-US" sz="1600" dirty="0">
                 <a:latin typeface="微软雅黑" panose="020B0503020204020204" pitchFamily="34" charset="-122"/>
                 <a:ea typeface="微软雅黑" panose="020B0503020204020204" pitchFamily="34" charset="-122"/>
               </a:rPr>
-              <a:t>重点回顾</a:t>
-            </a:r>
-            <a:endParaRPr lang="en-US" altLang="zh-CN" sz="2000" dirty="0">
-              <a:solidFill>
-                <a:schemeClr val="tx1">
-                  <a:lumMod val="65000"/>
-                  <a:lumOff val="35000"/>
-                </a:schemeClr>
-              </a:solidFill>
+              <a:t>消息处理是微信客户端发送消息到公众号后，微信服务器会把消息转发到开发者服务器，开发者服务器对此做出相应回复。</a:t>
+            </a:r>
+            <a:endParaRPr lang="en-US" altLang="zh-CN" sz="1600" dirty="0">
               <a:latin typeface="微软雅黑" panose="020B0503020204020204" pitchFamily="34" charset="-122"/>
               <a:ea typeface="微软雅黑" panose="020B0503020204020204" pitchFamily="34" charset="-122"/>
             </a:endParaRPr>
           </a:p>
           <a:p>
-            <a:pPr marL="514350" indent="-514350">
+            <a:pPr marL="742950" lvl="1" indent="-285750">
               <a:lnSpc>
-                <a:spcPct val="200000"/>
+                <a:spcPct val="150000"/>
               </a:lnSpc>
-              <a:buFont typeface="+mj-ea"/>
-              <a:buAutoNum type="ea1JpnChsDbPeriod"/>
+              <a:buFont typeface="Wingdings" panose="05000000000000000000" pitchFamily="2" charset="2"/>
+              <a:buChar char="Ø"/>
             </a:pPr>
             <a:r>
-              <a:rPr lang="zh-CN" altLang="en-US" sz="2000" dirty="0">
-                <a:solidFill>
-                  <a:schemeClr val="tx1">
-                    <a:lumMod val="65000"/>
-                    <a:lumOff val="35000"/>
-                  </a:schemeClr>
-                </a:solidFill>
+              <a:rPr lang="zh-CN" altLang="en-US" sz="1600" dirty="0">
                 <a:latin typeface="微软雅黑" panose="020B0503020204020204" pitchFamily="34" charset="-122"/>
                 <a:ea typeface="微软雅黑" panose="020B0503020204020204" pitchFamily="34" charset="-122"/>
               </a:rPr>
-              <a:t>思考总结</a:t>
-            </a:r>
-            <a:endParaRPr lang="en-US" altLang="zh-CN" sz="2000" dirty="0">
-              <a:solidFill>
-                <a:schemeClr val="tx1">
-                  <a:lumMod val="65000"/>
-                  <a:lumOff val="35000"/>
-                </a:schemeClr>
-              </a:solidFill>
+              <a:t>接口调用是开发者主动发起请求到微信服务器，并根据返回的结果做处理。</a:t>
+            </a:r>
+            <a:r>
+              <a:rPr lang="en-US" altLang="zh-CN" sz="1600" dirty="0">
+                <a:latin typeface="微软雅黑" panose="020B0503020204020204" pitchFamily="34" charset="-122"/>
+                <a:ea typeface="微软雅黑" panose="020B0503020204020204" pitchFamily="34" charset="-122"/>
+              </a:rPr>
+              <a:t>PHP</a:t>
+            </a:r>
+            <a:r>
+              <a:rPr lang="zh-CN" altLang="en-US" sz="1600" dirty="0">
+                <a:latin typeface="微软雅黑" panose="020B0503020204020204" pitchFamily="34" charset="-122"/>
+                <a:ea typeface="微软雅黑" panose="020B0503020204020204" pitchFamily="34" charset="-122"/>
+              </a:rPr>
+              <a:t>使用</a:t>
+            </a:r>
+            <a:r>
+              <a:rPr lang="en-US" altLang="zh-CN" sz="1600" dirty="0">
+                <a:latin typeface="微软雅黑" panose="020B0503020204020204" pitchFamily="34" charset="-122"/>
+                <a:ea typeface="微软雅黑" panose="020B0503020204020204" pitchFamily="34" charset="-122"/>
+              </a:rPr>
+              <a:t>CURL</a:t>
+            </a:r>
+            <a:r>
+              <a:rPr lang="zh-CN" altLang="en-US" sz="1600" dirty="0">
+                <a:latin typeface="微软雅黑" panose="020B0503020204020204" pitchFamily="34" charset="-122"/>
+                <a:ea typeface="微软雅黑" panose="020B0503020204020204" pitchFamily="34" charset="-122"/>
+              </a:rPr>
+              <a:t>扩展或者是第三方扩展处理请求。</a:t>
+            </a:r>
+            <a:endParaRPr lang="en-US" altLang="zh-CN" sz="1600" dirty="0">
               <a:latin typeface="微软雅黑" panose="020B0503020204020204" pitchFamily="34" charset="-122"/>
               <a:ea typeface="微软雅黑" panose="020B0503020204020204" pitchFamily="34" charset="-122"/>
             </a:endParaRPr>
           </a:p>
+          <a:p>
+            <a:pPr marL="285750" indent="-285750">
+              <a:lnSpc>
+                <a:spcPct val="150000"/>
+              </a:lnSpc>
+              <a:buFont typeface="Arial" panose="020B0604020202020204" pitchFamily="34" charset="0"/>
+              <a:buChar char="•"/>
+            </a:pPr>
+            <a:r>
+              <a:rPr lang="zh-CN" altLang="en-US" dirty="0">
+                <a:latin typeface="微软雅黑" panose="020B0503020204020204" pitchFamily="34" charset="-122"/>
+                <a:ea typeface="微软雅黑" panose="020B0503020204020204" pitchFamily="34" charset="-122"/>
+              </a:rPr>
+              <a:t>在整个过程中讲解了</a:t>
+            </a:r>
+            <a:r>
+              <a:rPr lang="en-US" altLang="zh-CN" dirty="0" err="1">
+                <a:latin typeface="微软雅黑" panose="020B0503020204020204" pitchFamily="34" charset="-122"/>
+                <a:ea typeface="微软雅黑" panose="020B0503020204020204" pitchFamily="34" charset="-122"/>
+              </a:rPr>
+              <a:t>WeUI</a:t>
+            </a:r>
+            <a:r>
+              <a:rPr lang="zh-CN" altLang="en-US" dirty="0">
+                <a:latin typeface="微软雅黑" panose="020B0503020204020204" pitchFamily="34" charset="-122"/>
+                <a:ea typeface="微软雅黑" panose="020B0503020204020204" pitchFamily="34" charset="-122"/>
+              </a:rPr>
+              <a:t>与</a:t>
+            </a:r>
+            <a:r>
+              <a:rPr lang="en-US" altLang="zh-CN" dirty="0">
+                <a:latin typeface="微软雅黑" panose="020B0503020204020204" pitchFamily="34" charset="-122"/>
+                <a:ea typeface="微软雅黑" panose="020B0503020204020204" pitchFamily="34" charset="-122"/>
+              </a:rPr>
+              <a:t>JS-SDK</a:t>
+            </a:r>
+            <a:r>
+              <a:rPr lang="zh-CN" altLang="en-US" dirty="0">
+                <a:latin typeface="微软雅黑" panose="020B0503020204020204" pitchFamily="34" charset="-122"/>
+                <a:ea typeface="微软雅黑" panose="020B0503020204020204" pitchFamily="34" charset="-122"/>
+              </a:rPr>
+              <a:t>，这些都是微信为了方便开发者而提供的前端工具。</a:t>
+            </a:r>
+            <a:endParaRPr lang="en-US" altLang="zh-CN" dirty="0">
+              <a:latin typeface="微软雅黑" panose="020B0503020204020204" pitchFamily="34" charset="-122"/>
+              <a:ea typeface="微软雅黑" panose="020B0503020204020204" pitchFamily="34" charset="-122"/>
+            </a:endParaRPr>
+          </a:p>
+          <a:p>
+            <a:pPr marL="285750" indent="-285750">
+              <a:lnSpc>
+                <a:spcPct val="150000"/>
+              </a:lnSpc>
+              <a:buFont typeface="Arial" panose="020B0604020202020204" pitchFamily="34" charset="0"/>
+              <a:buChar char="•"/>
+            </a:pPr>
+            <a:r>
+              <a:rPr lang="zh-CN" altLang="en-US" dirty="0">
+                <a:latin typeface="微软雅黑" panose="020B0503020204020204" pitchFamily="34" charset="-122"/>
+                <a:ea typeface="微软雅黑" panose="020B0503020204020204" pitchFamily="34" charset="-122"/>
+              </a:rPr>
+              <a:t>实际上，微信支付并没有在微信开发者文档说明，而是独立的一个模块，在微信支付文档里有详细说明，但是和微信开发联系是很紧密的，实际的工作往往会涉及到微信支付的接口。</a:t>
+            </a:r>
+            <a:endParaRPr lang="en-US" altLang="zh-CN" dirty="0">
+              <a:latin typeface="微软雅黑" panose="020B0503020204020204" pitchFamily="34" charset="-122"/>
+              <a:ea typeface="微软雅黑" panose="020B0503020204020204" pitchFamily="34" charset="-122"/>
+            </a:endParaRPr>
+          </a:p>
+          <a:p>
+            <a:pPr marL="285750" indent="-285750">
+              <a:lnSpc>
+                <a:spcPct val="150000"/>
+              </a:lnSpc>
+              <a:buFont typeface="Arial" panose="020B0604020202020204" pitchFamily="34" charset="0"/>
+              <a:buChar char="•"/>
+            </a:pPr>
+            <a:r>
+              <a:rPr lang="zh-CN" altLang="en-US" dirty="0">
+                <a:latin typeface="微软雅黑" panose="020B0503020204020204" pitchFamily="34" charset="-122"/>
+                <a:ea typeface="微软雅黑" panose="020B0503020204020204" pitchFamily="34" charset="-122"/>
+              </a:rPr>
+              <a:t>网页授权可以用作第三方登录。</a:t>
+            </a:r>
+          </a:p>
         </p:txBody>
       </p:sp>
     </p:spTree>
     <p:extLst>
       <p:ext uri="{BB962C8B-B14F-4D97-AF65-F5344CB8AC3E}">
-        <p14:creationId xmlns:p14="http://schemas.microsoft.com/office/powerpoint/2010/main" val="2268354123"/>
+        <p14:creationId xmlns:p14="http://schemas.microsoft.com/office/powerpoint/2010/main" val="3493166946"/>
       </p:ext>
     </p:extLst>
   </p:cSld>
@@ -14524,14 +14668,19 @@
             <p:ph sz="quarter" idx="13"/>
           </p:nvPr>
         </p:nvSpPr>
-        <p:spPr/>
+        <p:spPr>
+          <a:xfrm>
+            <a:off x="1054100" y="543636"/>
+            <a:ext cx="5818188" cy="685800"/>
+          </a:xfrm>
+        </p:spPr>
         <p:txBody>
           <a:bodyPr/>
           <a:lstStyle/>
           <a:p>
             <a:r>
               <a:rPr lang="zh-CN" altLang="en-US" b="0" dirty="0"/>
-              <a:t>整体架构</a:t>
+              <a:t>模块划分</a:t>
             </a:r>
           </a:p>
         </p:txBody>
@@ -14539,7 +14688,7 @@
     </p:spTree>
     <p:extLst>
       <p:ext uri="{BB962C8B-B14F-4D97-AF65-F5344CB8AC3E}">
-        <p14:creationId xmlns:p14="http://schemas.microsoft.com/office/powerpoint/2010/main" val="3493166946"/>
+        <p14:creationId xmlns:p14="http://schemas.microsoft.com/office/powerpoint/2010/main" val="2865911590"/>
       </p:ext>
     </p:extLst>
   </p:cSld>
@@ -14576,19 +14725,14 @@
             <p:ph sz="quarter" idx="13"/>
           </p:nvPr>
         </p:nvSpPr>
-        <p:spPr>
-          <a:xfrm>
-            <a:off x="1054100" y="543636"/>
-            <a:ext cx="5818188" cy="685800"/>
-          </a:xfrm>
-        </p:spPr>
+        <p:spPr/>
         <p:txBody>
           <a:bodyPr/>
           <a:lstStyle/>
           <a:p>
             <a:r>
               <a:rPr lang="zh-CN" altLang="en-US" b="0" dirty="0"/>
-              <a:t>模块划分</a:t>
+              <a:t>分工与合作</a:t>
             </a:r>
           </a:p>
         </p:txBody>
@@ -14596,7 +14740,7 @@
     </p:spTree>
     <p:extLst>
       <p:ext uri="{BB962C8B-B14F-4D97-AF65-F5344CB8AC3E}">
-        <p14:creationId xmlns:p14="http://schemas.microsoft.com/office/powerpoint/2010/main" val="2865911590"/>
+        <p14:creationId xmlns:p14="http://schemas.microsoft.com/office/powerpoint/2010/main" val="1236112881"/>
       </p:ext>
     </p:extLst>
   </p:cSld>
@@ -14640,15 +14784,138 @@
           <a:p>
             <a:r>
               <a:rPr lang="zh-CN" altLang="en-US" b="0" dirty="0"/>
-              <a:t>分工与合作</a:t>
-            </a:r>
+              <a:t>第二讲</a:t>
+            </a:r>
+          </a:p>
+        </p:txBody>
+      </p:sp>
+      <p:sp>
+        <p:nvSpPr>
+          <p:cNvPr id="5" name="文本框 4">
+            <a:extLst>
+              <a:ext uri="{FF2B5EF4-FFF2-40B4-BE49-F238E27FC236}">
+                <a16:creationId xmlns:a16="http://schemas.microsoft.com/office/drawing/2014/main" id="{DF540757-2DF2-4689-9860-0FF6F3C265D1}"/>
+              </a:ext>
+            </a:extLst>
+          </p:cNvPr>
+          <p:cNvSpPr txBox="1"/>
+          <p:nvPr/>
+        </p:nvSpPr>
+        <p:spPr>
+          <a:xfrm>
+            <a:off x="4058444" y="2343152"/>
+            <a:ext cx="5385594" cy="2062103"/>
+          </a:xfrm>
+          <a:prstGeom prst="rect">
+            <a:avLst/>
+          </a:prstGeom>
+          <a:noFill/>
+        </p:spPr>
+        <p:txBody>
+          <a:bodyPr wrap="square" rtlCol="0">
+            <a:spAutoFit/>
+          </a:bodyPr>
+          <a:lstStyle/>
+          <a:p>
+            <a:pPr marL="514350" indent="-514350">
+              <a:lnSpc>
+                <a:spcPct val="200000"/>
+              </a:lnSpc>
+              <a:buFont typeface="+mj-ea"/>
+              <a:buAutoNum type="ea1JpnChsDbPeriod"/>
+            </a:pPr>
+            <a:r>
+              <a:rPr lang="zh-CN" altLang="en-US" sz="2000" dirty="0">
+                <a:solidFill>
+                  <a:schemeClr val="tx1">
+                    <a:lumMod val="65000"/>
+                    <a:lumOff val="35000"/>
+                  </a:schemeClr>
+                </a:solidFill>
+                <a:latin typeface="微软雅黑" panose="020B0503020204020204" pitchFamily="34" charset="-122"/>
+                <a:ea typeface="微软雅黑" panose="020B0503020204020204" pitchFamily="34" charset="-122"/>
+              </a:rPr>
+              <a:t>整体脉络</a:t>
+            </a:r>
+            <a:endParaRPr lang="en-US" altLang="zh-CN" sz="2000" dirty="0">
+              <a:solidFill>
+                <a:schemeClr val="tx1">
+                  <a:lumMod val="65000"/>
+                  <a:lumOff val="35000"/>
+                </a:schemeClr>
+              </a:solidFill>
+              <a:latin typeface="微软雅黑" panose="020B0503020204020204" pitchFamily="34" charset="-122"/>
+              <a:ea typeface="微软雅黑" panose="020B0503020204020204" pitchFamily="34" charset="-122"/>
+            </a:endParaRPr>
+          </a:p>
+          <a:p>
+            <a:pPr marL="514350" indent="-514350">
+              <a:lnSpc>
+                <a:spcPct val="200000"/>
+              </a:lnSpc>
+              <a:buFont typeface="+mj-ea"/>
+              <a:buAutoNum type="ea1JpnChsDbPeriod"/>
+            </a:pPr>
+            <a:r>
+              <a:rPr lang="zh-CN" altLang="en-US" sz="2400" dirty="0">
+                <a:solidFill>
+                  <a:schemeClr val="accent6">
+                    <a:lumMod val="75000"/>
+                  </a:schemeClr>
+                </a:solidFill>
+                <a:latin typeface="微软雅黑" panose="020B0503020204020204" pitchFamily="34" charset="-122"/>
+                <a:ea typeface="微软雅黑" panose="020B0503020204020204" pitchFamily="34" charset="-122"/>
+              </a:rPr>
+              <a:t>重点回顾</a:t>
+            </a:r>
+            <a:endParaRPr lang="en-US" altLang="zh-CN" sz="2400" dirty="0">
+              <a:solidFill>
+                <a:schemeClr val="accent6">
+                  <a:lumMod val="75000"/>
+                </a:schemeClr>
+              </a:solidFill>
+              <a:latin typeface="微软雅黑" panose="020B0503020204020204" pitchFamily="34" charset="-122"/>
+              <a:ea typeface="微软雅黑" panose="020B0503020204020204" pitchFamily="34" charset="-122"/>
+            </a:endParaRPr>
+          </a:p>
+          <a:p>
+            <a:pPr marL="514350" indent="-514350">
+              <a:lnSpc>
+                <a:spcPct val="200000"/>
+              </a:lnSpc>
+              <a:buFont typeface="+mj-ea"/>
+              <a:buAutoNum type="ea1JpnChsDbPeriod"/>
+            </a:pPr>
+            <a:r>
+              <a:rPr lang="zh-CN" altLang="en-US" sz="2000" dirty="0">
+                <a:solidFill>
+                  <a:schemeClr val="tx1">
+                    <a:lumMod val="65000"/>
+                    <a:lumOff val="35000"/>
+                  </a:schemeClr>
+                </a:solidFill>
+                <a:latin typeface="微软雅黑" panose="020B0503020204020204" pitchFamily="34" charset="-122"/>
+                <a:ea typeface="微软雅黑" panose="020B0503020204020204" pitchFamily="34" charset="-122"/>
+              </a:rPr>
+              <a:t>思考总结</a:t>
+            </a:r>
+            <a:endParaRPr lang="en-US" altLang="zh-CN" sz="2000" dirty="0">
+              <a:solidFill>
+                <a:schemeClr val="tx1">
+                  <a:lumMod val="65000"/>
+                  <a:lumOff val="35000"/>
+                </a:schemeClr>
+              </a:solidFill>
+              <a:latin typeface="微软雅黑" panose="020B0503020204020204" pitchFamily="34" charset="-122"/>
+              <a:ea typeface="微软雅黑" panose="020B0503020204020204" pitchFamily="34" charset="-122"/>
+            </a:endParaRPr>
           </a:p>
         </p:txBody>
       </p:sp>
     </p:spTree>
     <p:extLst>
       <p:ext uri="{BB962C8B-B14F-4D97-AF65-F5344CB8AC3E}">
-        <p14:creationId xmlns:p14="http://schemas.microsoft.com/office/powerpoint/2010/main" val="1236112881"/>
+        <p14:creationId xmlns:p14="http://schemas.microsoft.com/office/powerpoint/2010/main" val="2999457395"/>
       </p:ext>
     </p:extLst>
   </p:cSld>
@@ -14685,145 +14952,27 @@
             <p:ph sz="quarter" idx="13"/>
           </p:nvPr>
         </p:nvSpPr>
-        <p:spPr/>
+        <p:spPr>
+          <a:xfrm>
+            <a:off x="1054099" y="543636"/>
+            <a:ext cx="7529461" cy="685800"/>
+          </a:xfrm>
+        </p:spPr>
         <p:txBody>
           <a:bodyPr/>
           <a:lstStyle/>
           <a:p>
             <a:r>
               <a:rPr lang="zh-CN" altLang="en-US" b="0" dirty="0"/>
-              <a:t>第二讲</a:t>
-            </a:r>
-          </a:p>
-        </p:txBody>
-      </p:sp>
-      <p:sp>
-        <p:nvSpPr>
-          <p:cNvPr id="5" name="文本框 4">
-            <a:extLst>
-              <a:ext uri="{FF2B5EF4-FFF2-40B4-BE49-F238E27FC236}">
-                <a16:creationId xmlns:a16="http://schemas.microsoft.com/office/drawing/2014/main" id="{DF540757-2DF2-4689-9860-0FF6F3C265D1}"/>
-              </a:ext>
-            </a:extLst>
-          </p:cNvPr>
-          <p:cNvSpPr txBox="1"/>
-          <p:nvPr/>
-        </p:nvSpPr>
-        <p:spPr>
-          <a:xfrm>
-            <a:off x="4058444" y="2343152"/>
-            <a:ext cx="5385594" cy="2062103"/>
-          </a:xfrm>
-          <a:prstGeom prst="rect">
-            <a:avLst/>
-          </a:prstGeom>
-          <a:noFill/>
-        </p:spPr>
-        <p:txBody>
-          <a:bodyPr wrap="square" rtlCol="0">
-            <a:spAutoFit/>
-          </a:bodyPr>
-          <a:lstStyle/>
-          <a:p>
-            <a:pPr marL="514350" indent="-514350">
-              <a:lnSpc>
-                <a:spcPct val="200000"/>
-              </a:lnSpc>
-              <a:buFont typeface="+mj-ea"/>
-              <a:buAutoNum type="ea1JpnChsDbPeriod"/>
-            </a:pPr>
-            <a:r>
-              <a:rPr lang="zh-CN" altLang="en-US" sz="2000" dirty="0">
-                <a:solidFill>
-                  <a:schemeClr val="tx1">
-                    <a:lumMod val="65000"/>
-                    <a:lumOff val="35000"/>
-                  </a:schemeClr>
-                </a:solidFill>
-                <a:latin typeface="微软雅黑" panose="020B0503020204020204" pitchFamily="34" charset="-122"/>
-                <a:ea typeface="微软雅黑" panose="020B0503020204020204" pitchFamily="34" charset="-122"/>
-              </a:rPr>
-              <a:t>整体脉络</a:t>
-            </a:r>
-            <a:endParaRPr lang="en-US" altLang="zh-CN" sz="2000" dirty="0">
-              <a:solidFill>
-                <a:schemeClr val="tx1">
-                  <a:lumMod val="65000"/>
-                  <a:lumOff val="35000"/>
-                </a:schemeClr>
-              </a:solidFill>
-              <a:latin typeface="微软雅黑" panose="020B0503020204020204" pitchFamily="34" charset="-122"/>
-              <a:ea typeface="微软雅黑" panose="020B0503020204020204" pitchFamily="34" charset="-122"/>
-            </a:endParaRPr>
-          </a:p>
-          <a:p>
-            <a:pPr marL="514350" indent="-514350">
-              <a:lnSpc>
-                <a:spcPct val="200000"/>
-              </a:lnSpc>
-              <a:buFont typeface="+mj-ea"/>
-              <a:buAutoNum type="ea1JpnChsDbPeriod"/>
-            </a:pPr>
-            <a:r>
-              <a:rPr lang="zh-CN" altLang="en-US" sz="2400" dirty="0">
-                <a:solidFill>
-                  <a:schemeClr val="accent6">
-                    <a:lumMod val="75000"/>
-                  </a:schemeClr>
-                </a:solidFill>
-                <a:latin typeface="微软雅黑" panose="020B0503020204020204" pitchFamily="34" charset="-122"/>
-                <a:ea typeface="微软雅黑" panose="020B0503020204020204" pitchFamily="34" charset="-122"/>
-              </a:rPr>
-              <a:t>重点回顾</a:t>
-            </a:r>
-            <a:endParaRPr lang="en-US" altLang="zh-CN" sz="2400" dirty="0">
-              <a:solidFill>
-                <a:schemeClr val="accent6">
-                  <a:lumMod val="75000"/>
-                </a:schemeClr>
-              </a:solidFill>
-              <a:latin typeface="微软雅黑" panose="020B0503020204020204" pitchFamily="34" charset="-122"/>
-              <a:ea typeface="微软雅黑" panose="020B0503020204020204" pitchFamily="34" charset="-122"/>
-            </a:endParaRPr>
-          </a:p>
-          <a:p>
-            <a:pPr marL="514350" indent="-514350">
-              <a:lnSpc>
-                <a:spcPct val="200000"/>
-              </a:lnSpc>
-              <a:buFont typeface="+mj-ea"/>
-              <a:buAutoNum type="ea1JpnChsDbPeriod"/>
-            </a:pPr>
-            <a:r>
-              <a:rPr lang="zh-CN" altLang="en-US" sz="2000" dirty="0">
-                <a:solidFill>
-                  <a:schemeClr val="tx1">
-                    <a:lumMod val="65000"/>
-                    <a:lumOff val="35000"/>
-                  </a:schemeClr>
-                </a:solidFill>
-                <a:latin typeface="微软雅黑" panose="020B0503020204020204" pitchFamily="34" charset="-122"/>
-                <a:ea typeface="微软雅黑" panose="020B0503020204020204" pitchFamily="34" charset="-122"/>
-              </a:rPr>
-              <a:t>思考总结</a:t>
-            </a:r>
-            <a:endParaRPr lang="en-US" altLang="zh-CN" sz="2000" dirty="0">
-              <a:solidFill>
-                <a:schemeClr val="tx1">
-                  <a:lumMod val="65000"/>
-                  <a:lumOff val="35000"/>
-                </a:schemeClr>
-              </a:solidFill>
-              <a:latin typeface="微软雅黑" panose="020B0503020204020204" pitchFamily="34" charset="-122"/>
-              <a:ea typeface="微软雅黑" panose="020B0503020204020204" pitchFamily="34" charset="-122"/>
-            </a:endParaRPr>
+              <a:t>实际运营公众号要注意的问题</a:t>
+            </a:r>
           </a:p>
         </p:txBody>
       </p:sp>
     </p:spTree>
     <p:extLst>
       <p:ext uri="{BB962C8B-B14F-4D97-AF65-F5344CB8AC3E}">
-        <p14:creationId xmlns:p14="http://schemas.microsoft.com/office/powerpoint/2010/main" val="2999457395"/>
+        <p14:creationId xmlns:p14="http://schemas.microsoft.com/office/powerpoint/2010/main" val="2902273865"/>
       </p:ext>
     </p:extLst>
   </p:cSld>
@@ -14860,19 +15009,18 @@
             <p:ph sz="quarter" idx="13"/>
           </p:nvPr>
         </p:nvSpPr>
-        <p:spPr>
-          <a:xfrm>
-            <a:off x="1054099" y="543636"/>
-            <a:ext cx="7529461" cy="685800"/>
-          </a:xfrm>
-        </p:spPr>
+        <p:spPr/>
         <p:txBody>
           <a:bodyPr/>
           <a:lstStyle/>
           <a:p>
             <a:r>
+              <a:rPr lang="en-US" altLang="zh-CN" b="0" dirty="0"/>
+              <a:t>CURL</a:t>
+            </a:r>
+            <a:r>
               <a:rPr lang="zh-CN" altLang="en-US" b="0" dirty="0"/>
-              <a:t>实际运营公众号要注意的问题</a:t>
+              <a:t>重点</a:t>
             </a:r>
           </a:p>
         </p:txBody>
@@ -14880,7 +15028,7 @@
     </p:spTree>
     <p:extLst>
       <p:ext uri="{BB962C8B-B14F-4D97-AF65-F5344CB8AC3E}">
-        <p14:creationId xmlns:p14="http://schemas.microsoft.com/office/powerpoint/2010/main" val="2902273865"/>
+        <p14:creationId xmlns:p14="http://schemas.microsoft.com/office/powerpoint/2010/main" val="2699412093"/>
       </p:ext>
     </p:extLst>
   </p:cSld>

--- a/课程ppt/第12讲 复习总结.pptx
+++ b/课程ppt/第12讲 复习总结.pptx
@@ -267,7 +267,7 @@
           <a:p>
             <a:fld id="{2B71C804-97F5-4B36-A7AC-EEEC7F44F6C2}" type="datetimeFigureOut">
               <a:rPr lang="zh-CN" altLang="en-US" smtClean="0"/>
-              <a:t>2017/9/5</a:t>
+              <a:t>2017/9/6</a:t>
             </a:fld>
             <a:endParaRPr lang="zh-CN" altLang="en-US"/>
           </a:p>
@@ -433,7 +433,7 @@
           <a:p>
             <a:fld id="{0568D9C6-D8DC-4CC3-8480-E0C4DBA1CC07}" type="datetimeFigureOut">
               <a:rPr lang="zh-CN" altLang="en-US" smtClean="0"/>
-              <a:t>2017/9/5</a:t>
+              <a:t>2017/9/6</a:t>
             </a:fld>
             <a:endParaRPr lang="zh-CN" altLang="en-US"/>
           </a:p>
@@ -1046,7 +1046,7 @@
           <a:p>
             <a:fld id="{DB9D664F-4C68-42D2-B189-678958EFAFDA}" type="datetime1">
               <a:rPr lang="zh-CN" altLang="en-US" smtClean="0"/>
-              <a:t>2017/9/5</a:t>
+              <a:t>2017/9/6</a:t>
             </a:fld>
             <a:endParaRPr lang="zh-CN" altLang="en-US"/>
           </a:p>
@@ -2028,7 +2028,7 @@
           <a:p>
             <a:fld id="{ED5513C8-E3A4-4D78-B249-887659A958FF}" type="datetime1">
               <a:rPr lang="en-US" altLang="zh-CN" smtClean="0"/>
-              <a:t>9/5/2017</a:t>
+              <a:t>9/6/2017</a:t>
             </a:fld>
             <a:endParaRPr lang="en-US"/>
           </a:p>
@@ -2206,7 +2206,7 @@
           <a:p>
             <a:fld id="{EBEDA52C-3EEE-4289-818C-901C0A7814FE}" type="datetime1">
               <a:rPr lang="en-US" altLang="zh-CN" smtClean="0"/>
-              <a:t>9/5/2017</a:t>
+              <a:t>9/6/2017</a:t>
             </a:fld>
             <a:endParaRPr lang="en-US"/>
           </a:p>
@@ -2460,7 +2460,7 @@
           <a:p>
             <a:fld id="{09EF5D7F-EA15-485C-85DD-8FDC010A62D4}" type="datetime1">
               <a:rPr lang="en-US" altLang="zh-CN" smtClean="0"/>
-              <a:t>9/5/2017</a:t>
+              <a:t>9/6/2017</a:t>
             </a:fld>
             <a:endParaRPr lang="en-US"/>
           </a:p>
@@ -2700,7 +2700,7 @@
           <a:p>
             <a:fld id="{9541C2B2-0BAB-4CD4-83EE-25F1A7138896}" type="datetime1">
               <a:rPr lang="en-US" altLang="zh-CN" smtClean="0"/>
-              <a:t>9/5/2017</a:t>
+              <a:t>9/6/2017</a:t>
             </a:fld>
             <a:endParaRPr lang="en-US"/>
           </a:p>
@@ -3075,7 +3075,7 @@
           <a:p>
             <a:fld id="{7DEA23E7-D0FC-41DC-8745-BE6FC447B182}" type="datetime1">
               <a:rPr lang="en-US" altLang="zh-CN" smtClean="0"/>
-              <a:t>9/5/2017</a:t>
+              <a:t>9/6/2017</a:t>
             </a:fld>
             <a:endParaRPr lang="en-US"/>
           </a:p>
@@ -3860,7 +3860,7 @@
           <a:p>
             <a:fld id="{5DEA8378-5F33-490B-8120-8DE6B7EE2781}" type="datetime1">
               <a:rPr lang="en-US" altLang="zh-CN" smtClean="0"/>
-              <a:t>9/5/2017</a:t>
+              <a:t>9/6/2017</a:t>
             </a:fld>
             <a:endParaRPr lang="en-US"/>
           </a:p>
@@ -4114,7 +4114,7 @@
           <a:p>
             <a:fld id="{38DD30CF-78A7-4C73-91B4-38D3E3317745}" type="datetime1">
               <a:rPr lang="en-US" altLang="zh-CN" smtClean="0"/>
-              <a:t>9/5/2017</a:t>
+              <a:t>9/6/2017</a:t>
             </a:fld>
             <a:endParaRPr lang="en-US"/>
           </a:p>
@@ -4217,7 +4217,7 @@
           <a:p>
             <a:fld id="{A1BE0A72-8501-4974-A7B7-5BD248ABBAFC}" type="datetime1">
               <a:rPr lang="zh-CN" altLang="en-US" smtClean="0"/>
-              <a:t>2017/9/5</a:t>
+              <a:t>2017/9/6</a:t>
             </a:fld>
             <a:endParaRPr lang="zh-CN" altLang="en-US"/>
           </a:p>
@@ -4478,7 +4478,7 @@
           <a:p>
             <a:fld id="{0B7E01DD-16D0-4DBA-9C1A-51468BA0B73A}" type="datetime1">
               <a:rPr lang="en-US" altLang="zh-CN" smtClean="0"/>
-              <a:t>9/5/2017</a:t>
+              <a:t>9/6/2017</a:t>
             </a:fld>
             <a:endParaRPr lang="en-US"/>
           </a:p>
@@ -4656,7 +4656,7 @@
           <a:p>
             <a:fld id="{B587E63F-0E62-4A50-901F-E071D77F7634}" type="datetime1">
               <a:rPr lang="en-US" altLang="zh-CN" smtClean="0"/>
-              <a:t>9/5/2017</a:t>
+              <a:t>9/6/2017</a:t>
             </a:fld>
             <a:endParaRPr lang="en-US"/>
           </a:p>
@@ -4844,7 +4844,7 @@
           <a:p>
             <a:fld id="{BD8521E8-9297-400B-AD8C-0A4D05699D33}" type="datetime1">
               <a:rPr lang="en-US" altLang="zh-CN" smtClean="0"/>
-              <a:t>9/5/2017</a:t>
+              <a:t>9/6/2017</a:t>
             </a:fld>
             <a:endParaRPr lang="en-US"/>
           </a:p>
@@ -5075,7 +5075,7 @@
           <a:p>
             <a:fld id="{ED5513C8-E3A4-4D78-B249-887659A958FF}" type="datetime1">
               <a:rPr lang="en-US" altLang="zh-CN" smtClean="0"/>
-              <a:t>9/5/2017</a:t>
+              <a:t>9/6/2017</a:t>
             </a:fld>
             <a:endParaRPr lang="en-US"/>
           </a:p>
@@ -5253,7 +5253,7 @@
           <a:p>
             <a:fld id="{EBEDA52C-3EEE-4289-818C-901C0A7814FE}" type="datetime1">
               <a:rPr lang="en-US" altLang="zh-CN" smtClean="0"/>
-              <a:t>9/5/2017</a:t>
+              <a:t>9/6/2017</a:t>
             </a:fld>
             <a:endParaRPr lang="en-US"/>
           </a:p>
@@ -5507,7 +5507,7 @@
           <a:p>
             <a:fld id="{09EF5D7F-EA15-485C-85DD-8FDC010A62D4}" type="datetime1">
               <a:rPr lang="en-US" altLang="zh-CN" smtClean="0"/>
-              <a:t>9/5/2017</a:t>
+              <a:t>9/6/2017</a:t>
             </a:fld>
             <a:endParaRPr lang="en-US"/>
           </a:p>
@@ -5747,7 +5747,7 @@
           <a:p>
             <a:fld id="{9541C2B2-0BAB-4CD4-83EE-25F1A7138896}" type="datetime1">
               <a:rPr lang="en-US" altLang="zh-CN" smtClean="0"/>
-              <a:t>9/5/2017</a:t>
+              <a:t>9/6/2017</a:t>
             </a:fld>
             <a:endParaRPr lang="en-US"/>
           </a:p>
@@ -6122,7 +6122,7 @@
           <a:p>
             <a:fld id="{7DEA23E7-D0FC-41DC-8745-BE6FC447B182}" type="datetime1">
               <a:rPr lang="en-US" altLang="zh-CN" smtClean="0"/>
-              <a:t>9/5/2017</a:t>
+              <a:t>9/6/2017</a:t>
             </a:fld>
             <a:endParaRPr lang="en-US"/>
           </a:p>
@@ -6907,7 +6907,7 @@
           <a:p>
             <a:fld id="{A1BE0A72-8501-4974-A7B7-5BD248ABBAFC}" type="datetime1">
               <a:rPr lang="zh-CN" altLang="en-US" smtClean="0"/>
-              <a:t>2017/9/5</a:t>
+              <a:t>2017/9/6</a:t>
             </a:fld>
             <a:endParaRPr lang="zh-CN" altLang="en-US"/>
           </a:p>
@@ -6960,7 +6960,7 @@
           <a:p>
             <a:fld id="{5DEA8378-5F33-490B-8120-8DE6B7EE2781}" type="datetime1">
               <a:rPr lang="en-US" altLang="zh-CN" smtClean="0"/>
-              <a:t>9/5/2017</a:t>
+              <a:t>9/6/2017</a:t>
             </a:fld>
             <a:endParaRPr lang="en-US"/>
           </a:p>
@@ -7214,7 +7214,7 @@
           <a:p>
             <a:fld id="{38DD30CF-78A7-4C73-91B4-38D3E3317745}" type="datetime1">
               <a:rPr lang="en-US" altLang="zh-CN" smtClean="0"/>
-              <a:t>9/5/2017</a:t>
+              <a:t>9/6/2017</a:t>
             </a:fld>
             <a:endParaRPr lang="en-US"/>
           </a:p>
@@ -7479,7 +7479,7 @@
           <a:p>
             <a:fld id="{0B7E01DD-16D0-4DBA-9C1A-51468BA0B73A}" type="datetime1">
               <a:rPr lang="en-US" altLang="zh-CN" smtClean="0"/>
-              <a:t>9/5/2017</a:t>
+              <a:t>9/6/2017</a:t>
             </a:fld>
             <a:endParaRPr lang="en-US"/>
           </a:p>
@@ -7657,7 +7657,7 @@
           <a:p>
             <a:fld id="{B587E63F-0E62-4A50-901F-E071D77F7634}" type="datetime1">
               <a:rPr lang="en-US" altLang="zh-CN" smtClean="0"/>
-              <a:t>9/5/2017</a:t>
+              <a:t>9/6/2017</a:t>
             </a:fld>
             <a:endParaRPr lang="en-US"/>
           </a:p>
@@ -7845,7 +7845,7 @@
           <a:p>
             <a:fld id="{BD8521E8-9297-400B-AD8C-0A4D05699D33}" type="datetime1">
               <a:rPr lang="en-US" altLang="zh-CN" smtClean="0"/>
-              <a:t>9/5/2017</a:t>
+              <a:t>9/6/2017</a:t>
             </a:fld>
             <a:endParaRPr lang="en-US"/>
           </a:p>
@@ -7948,7 +7948,7 @@
           <a:p>
             <a:fld id="{EF452D9C-F9EB-4417-9C3A-C876C2AF9415}" type="datetime1">
               <a:rPr lang="zh-CN" altLang="en-US" smtClean="0"/>
-              <a:t>2017/9/5</a:t>
+              <a:t>2017/9/6</a:t>
             </a:fld>
             <a:endParaRPr lang="zh-CN" altLang="en-US"/>
           </a:p>
@@ -8134,7 +8134,7 @@
           <a:p>
             <a:fld id="{2F2E9289-9B4C-49AE-BDDA-70D6EDC89D17}" type="datetime1">
               <a:rPr lang="zh-CN" altLang="en-US" smtClean="0"/>
-              <a:t>2017/9/5</a:t>
+              <a:t>2017/9/6</a:t>
             </a:fld>
             <a:endParaRPr lang="zh-CN" altLang="en-US"/>
           </a:p>
@@ -8304,7 +8304,7 @@
           <a:p>
             <a:fld id="{2F2E9289-9B4C-49AE-BDDA-70D6EDC89D17}" type="datetime1">
               <a:rPr lang="zh-CN" altLang="en-US" smtClean="0"/>
-              <a:t>2017/9/5</a:t>
+              <a:t>2017/9/6</a:t>
             </a:fld>
             <a:endParaRPr lang="zh-CN" altLang="en-US"/>
           </a:p>
@@ -8540,7 +8540,7 @@
           <a:p>
             <a:fld id="{8C5BA751-A251-47D6-8494-C134D9EBED5F}" type="datetime1">
               <a:rPr lang="zh-CN" altLang="en-US" smtClean="0"/>
-              <a:t>2017/9/5</a:t>
+              <a:t>2017/9/6</a:t>
             </a:fld>
             <a:endParaRPr lang="zh-CN" altLang="en-US"/>
           </a:p>
@@ -8896,7 +8896,7 @@
           <a:p>
             <a:fld id="{C46E2078-F302-4651-A2A2-2FC6C4E1A3F1}" type="datetime1">
               <a:rPr lang="zh-CN" altLang="en-US" smtClean="0"/>
-              <a:t>2017/9/5</a:t>
+              <a:t>2017/9/6</a:t>
             </a:fld>
             <a:endParaRPr lang="zh-CN" altLang="en-US"/>
           </a:p>
@@ -9018,7 +9018,7 @@
               <a:pPr>
                 <a:defRPr/>
               </a:pPr>
-              <a:t>2017/9/5</a:t>
+              <a:t>2017/9/6</a:t>
             </a:fld>
             <a:endParaRPr lang="zh-CN" altLang="en-US"/>
           </a:p>
@@ -9166,7 +9166,7 @@
           <a:p>
             <a:fld id="{A1BE0A72-8501-4974-A7B7-5BD248ABBAFC}" type="datetime1">
               <a:rPr lang="zh-CN" altLang="en-US" smtClean="0"/>
-              <a:t>2017/9/5</a:t>
+              <a:t>2017/9/6</a:t>
             </a:fld>
             <a:endParaRPr lang="zh-CN" altLang="en-US"/>
           </a:p>
@@ -9680,7 +9680,7 @@
           <a:p>
             <a:fld id="{A1BE0A72-8501-4974-A7B7-5BD248ABBAFC}" type="datetime1">
               <a:rPr lang="zh-CN" altLang="en-US" smtClean="0"/>
-              <a:t>2017/9/5</a:t>
+              <a:t>2017/9/6</a:t>
             </a:fld>
             <a:endParaRPr lang="zh-CN" altLang="en-US"/>
           </a:p>
@@ -10286,7 +10286,7 @@
           <a:p>
             <a:fld id="{7A78726F-0AD2-4A20-BC72-263D2D3F3A2F}" type="datetime1">
               <a:rPr lang="en-US" altLang="zh-CN" smtClean="0"/>
-              <a:t>9/5/2017</a:t>
+              <a:t>9/6/2017</a:t>
             </a:fld>
             <a:endParaRPr lang="en-US"/>
           </a:p>
@@ -11267,7 +11267,7 @@
           <a:p>
             <a:fld id="{A1BE0A72-8501-4974-A7B7-5BD248ABBAFC}" type="datetime1">
               <a:rPr lang="zh-CN" altLang="en-US" smtClean="0"/>
-              <a:t>2017/9/5</a:t>
+              <a:t>2017/9/6</a:t>
             </a:fld>
             <a:endParaRPr lang="zh-CN" altLang="en-US"/>
           </a:p>
@@ -11873,7 +11873,7 @@
           <a:p>
             <a:fld id="{7A78726F-0AD2-4A20-BC72-263D2D3F3A2F}" type="datetime1">
               <a:rPr lang="en-US" altLang="zh-CN" smtClean="0"/>
-              <a:t>9/5/2017</a:t>
+              <a:t>9/6/2017</a:t>
             </a:fld>
             <a:endParaRPr lang="en-US"/>
           </a:p>
@@ -14442,7 +14442,7 @@
         <p:spPr>
           <a:xfrm>
             <a:off x="1327355" y="1769806"/>
-            <a:ext cx="9733935" cy="3598229"/>
+            <a:ext cx="9733935" cy="4062651"/>
           </a:xfrm>
           <a:prstGeom prst="rect">
             <a:avLst/>
@@ -14623,7 +14623,7 @@
                 <a:latin typeface="微软雅黑" panose="020B0503020204020204" pitchFamily="34" charset="-122"/>
                 <a:ea typeface="微软雅黑" panose="020B0503020204020204" pitchFamily="34" charset="-122"/>
               </a:rPr>
-              <a:t>网页授权可以用作第三方登录。</a:t>
+              <a:t>网页授权可以用作第三方登录，需要在微信中使用，网站独立的第三方登录是另一个接口，在微信开放平台中接入。</a:t>
             </a:r>
           </a:p>
         </p:txBody>

--- a/课程ppt/第12讲 复习总结.pptx
+++ b/课程ppt/第12讲 复习总结.pptx
@@ -9,10 +9,10 @@
     <p:sldMasterId id="2147483691" r:id="rId5"/>
   </p:sldMasterIdLst>
   <p:notesMasterIdLst>
-    <p:notesMasterId r:id="rId23"/>
+    <p:notesMasterId r:id="rId22"/>
   </p:notesMasterIdLst>
   <p:handoutMasterIdLst>
-    <p:handoutMasterId r:id="rId24"/>
+    <p:handoutMasterId r:id="rId23"/>
   </p:handoutMasterIdLst>
   <p:sldIdLst>
     <p:sldId id="257" r:id="rId6"/>
@@ -24,19 +24,18 @@
     <p:sldId id="460" r:id="rId12"/>
     <p:sldId id="456" r:id="rId13"/>
     <p:sldId id="480" r:id="rId14"/>
-    <p:sldId id="439" r:id="rId15"/>
-    <p:sldId id="440" r:id="rId16"/>
-    <p:sldId id="452" r:id="rId17"/>
-    <p:sldId id="487" r:id="rId18"/>
-    <p:sldId id="435" r:id="rId19"/>
-    <p:sldId id="486" r:id="rId20"/>
-    <p:sldId id="485" r:id="rId21"/>
-    <p:sldId id="311" r:id="rId22"/>
+    <p:sldId id="440" r:id="rId15"/>
+    <p:sldId id="452" r:id="rId16"/>
+    <p:sldId id="487" r:id="rId17"/>
+    <p:sldId id="435" r:id="rId18"/>
+    <p:sldId id="486" r:id="rId19"/>
+    <p:sldId id="485" r:id="rId20"/>
+    <p:sldId id="311" r:id="rId21"/>
   </p:sldIdLst>
   <p:sldSz cx="12192000" cy="6858000"/>
   <p:notesSz cx="6858000" cy="9144000"/>
   <p:custDataLst>
-    <p:tags r:id="rId25"/>
+    <p:tags r:id="rId24"/>
   </p:custDataLst>
   <p:defaultTextStyle>
     <a:defPPr>
@@ -944,7 +943,7 @@
                 <a:ea typeface="宋体" charset="-122"/>
               </a:rPr>
               <a:pPr algn="r" eaLnBrk="1" hangingPunct="1"/>
-              <a:t>17</a:t>
+              <a:t>16</a:t>
             </a:fld>
             <a:endParaRPr lang="zh-CN" altLang="en-US" sz="1200">
               <a:latin typeface="Calibri" pitchFamily="34" charset="0"/>
@@ -12829,18 +12828,18 @@
       </p:grpSpPr>
       <p:sp>
         <p:nvSpPr>
-          <p:cNvPr id="3" name="内容占位符 2"/>
-          <p:cNvSpPr>
-            <a:spLocks noGrp="1"/>
-          </p:cNvSpPr>
-          <p:nvPr>
-            <p:ph sz="quarter" idx="15"/>
+          <p:cNvPr id="2" name="内容占位符 1"/>
+          <p:cNvSpPr>
+            <a:spLocks noGrp="1"/>
+          </p:cNvSpPr>
+          <p:nvPr>
+            <p:ph sz="quarter" idx="13"/>
           </p:nvPr>
         </p:nvSpPr>
         <p:spPr>
           <a:xfrm>
-            <a:off x="917621" y="516340"/>
-            <a:ext cx="7011941" cy="685800"/>
+            <a:off x="1054099" y="543636"/>
+            <a:ext cx="7032626" cy="685800"/>
           </a:xfrm>
         </p:spPr>
         <p:txBody>
@@ -12848,12 +12847,8 @@
           <a:lstStyle/>
           <a:p>
             <a:r>
-              <a:rPr lang="en-US" altLang="zh-CN" b="0" dirty="0"/>
-              <a:t>JS-SDK</a:t>
-            </a:r>
-            <a:r>
               <a:rPr lang="zh-CN" altLang="en-US" b="0" dirty="0"/>
-              <a:t>重点</a:t>
+              <a:t>服务器的配置</a:t>
             </a:r>
           </a:p>
         </p:txBody>
@@ -12861,7 +12856,7 @@
     </p:spTree>
     <p:extLst>
       <p:ext uri="{BB962C8B-B14F-4D97-AF65-F5344CB8AC3E}">
-        <p14:creationId xmlns:p14="http://schemas.microsoft.com/office/powerpoint/2010/main" val="3481064266"/>
+        <p14:creationId xmlns:p14="http://schemas.microsoft.com/office/powerpoint/2010/main" val="3020456092"/>
       </p:ext>
     </p:extLst>
   </p:cSld>
@@ -12900,8 +12895,8 @@
         </p:nvSpPr>
         <p:spPr>
           <a:xfrm>
-            <a:off x="1054099" y="543636"/>
-            <a:ext cx="7032626" cy="685800"/>
+            <a:off x="1054100" y="543636"/>
+            <a:ext cx="7304088" cy="685800"/>
           </a:xfrm>
         </p:spPr>
         <p:txBody>
@@ -12910,15 +12905,138 @@
           <a:p>
             <a:r>
               <a:rPr lang="zh-CN" altLang="en-US" b="0" dirty="0"/>
-              <a:t>服务器的配置</a:t>
-            </a:r>
+              <a:t>第三讲</a:t>
+            </a:r>
+          </a:p>
+        </p:txBody>
+      </p:sp>
+      <p:sp>
+        <p:nvSpPr>
+          <p:cNvPr id="4" name="文本框 3">
+            <a:extLst>
+              <a:ext uri="{FF2B5EF4-FFF2-40B4-BE49-F238E27FC236}">
+                <a16:creationId xmlns:a16="http://schemas.microsoft.com/office/drawing/2014/main" xmlns="" id="{881044DB-5DAA-45FE-B324-1F8A47186361}"/>
+              </a:ext>
+            </a:extLst>
+          </p:cNvPr>
+          <p:cNvSpPr txBox="1"/>
+          <p:nvPr/>
+        </p:nvSpPr>
+        <p:spPr>
+          <a:xfrm>
+            <a:off x="4058444" y="2343152"/>
+            <a:ext cx="5385594" cy="2062103"/>
+          </a:xfrm>
+          <a:prstGeom prst="rect">
+            <a:avLst/>
+          </a:prstGeom>
+          <a:noFill/>
+        </p:spPr>
+        <p:txBody>
+          <a:bodyPr wrap="square" rtlCol="0">
+            <a:spAutoFit/>
+          </a:bodyPr>
+          <a:lstStyle/>
+          <a:p>
+            <a:pPr marL="514350" indent="-514350">
+              <a:lnSpc>
+                <a:spcPct val="200000"/>
+              </a:lnSpc>
+              <a:buFont typeface="+mj-ea"/>
+              <a:buAutoNum type="ea1JpnChsDbPeriod"/>
+            </a:pPr>
+            <a:r>
+              <a:rPr lang="zh-CN" altLang="en-US" sz="2000" dirty="0">
+                <a:solidFill>
+                  <a:schemeClr val="tx1">
+                    <a:lumMod val="65000"/>
+                    <a:lumOff val="35000"/>
+                  </a:schemeClr>
+                </a:solidFill>
+                <a:latin typeface="微软雅黑" panose="020B0503020204020204" pitchFamily="34" charset="-122"/>
+                <a:ea typeface="微软雅黑" panose="020B0503020204020204" pitchFamily="34" charset="-122"/>
+              </a:rPr>
+              <a:t>整体脉络</a:t>
+            </a:r>
+            <a:endParaRPr lang="en-US" altLang="zh-CN" sz="2000" dirty="0">
+              <a:solidFill>
+                <a:schemeClr val="tx1">
+                  <a:lumMod val="65000"/>
+                  <a:lumOff val="35000"/>
+                </a:schemeClr>
+              </a:solidFill>
+              <a:latin typeface="微软雅黑" panose="020B0503020204020204" pitchFamily="34" charset="-122"/>
+              <a:ea typeface="微软雅黑" panose="020B0503020204020204" pitchFamily="34" charset="-122"/>
+            </a:endParaRPr>
+          </a:p>
+          <a:p>
+            <a:pPr marL="514350" indent="-514350">
+              <a:lnSpc>
+                <a:spcPct val="200000"/>
+              </a:lnSpc>
+              <a:buFont typeface="+mj-ea"/>
+              <a:buAutoNum type="ea1JpnChsDbPeriod"/>
+            </a:pPr>
+            <a:r>
+              <a:rPr lang="zh-CN" altLang="en-US" sz="2000" dirty="0">
+                <a:solidFill>
+                  <a:schemeClr val="tx1">
+                    <a:lumMod val="65000"/>
+                    <a:lumOff val="35000"/>
+                  </a:schemeClr>
+                </a:solidFill>
+                <a:latin typeface="微软雅黑" panose="020B0503020204020204" pitchFamily="34" charset="-122"/>
+                <a:ea typeface="微软雅黑" panose="020B0503020204020204" pitchFamily="34" charset="-122"/>
+              </a:rPr>
+              <a:t>重点回顾</a:t>
+            </a:r>
+            <a:endParaRPr lang="en-US" altLang="zh-CN" sz="2000" dirty="0">
+              <a:solidFill>
+                <a:schemeClr val="tx1">
+                  <a:lumMod val="65000"/>
+                  <a:lumOff val="35000"/>
+                </a:schemeClr>
+              </a:solidFill>
+              <a:latin typeface="微软雅黑" panose="020B0503020204020204" pitchFamily="34" charset="-122"/>
+              <a:ea typeface="微软雅黑" panose="020B0503020204020204" pitchFamily="34" charset="-122"/>
+            </a:endParaRPr>
+          </a:p>
+          <a:p>
+            <a:pPr marL="514350" indent="-514350">
+              <a:lnSpc>
+                <a:spcPct val="200000"/>
+              </a:lnSpc>
+              <a:buFont typeface="+mj-ea"/>
+              <a:buAutoNum type="ea1JpnChsDbPeriod"/>
+            </a:pPr>
+            <a:r>
+              <a:rPr lang="zh-CN" altLang="en-US" sz="2400" dirty="0">
+                <a:solidFill>
+                  <a:schemeClr val="accent6">
+                    <a:lumMod val="75000"/>
+                  </a:schemeClr>
+                </a:solidFill>
+                <a:latin typeface="微软雅黑" panose="020B0503020204020204" pitchFamily="34" charset="-122"/>
+                <a:ea typeface="微软雅黑" panose="020B0503020204020204" pitchFamily="34" charset="-122"/>
+              </a:rPr>
+              <a:t>思考总结</a:t>
+            </a:r>
+            <a:endParaRPr lang="en-US" altLang="zh-CN" sz="2400" dirty="0">
+              <a:solidFill>
+                <a:schemeClr val="accent6">
+                  <a:lumMod val="75000"/>
+                </a:schemeClr>
+              </a:solidFill>
+              <a:latin typeface="微软雅黑" panose="020B0503020204020204" pitchFamily="34" charset="-122"/>
+              <a:ea typeface="微软雅黑" panose="020B0503020204020204" pitchFamily="34" charset="-122"/>
+            </a:endParaRPr>
           </a:p>
         </p:txBody>
       </p:sp>
     </p:spTree>
     <p:extLst>
       <p:ext uri="{BB962C8B-B14F-4D97-AF65-F5344CB8AC3E}">
-        <p14:creationId xmlns:p14="http://schemas.microsoft.com/office/powerpoint/2010/main" val="3020456092"/>
+        <p14:creationId xmlns:p14="http://schemas.microsoft.com/office/powerpoint/2010/main" val="1928010297"/>
       </p:ext>
     </p:extLst>
   </p:cSld>
@@ -12947,18 +13065,18 @@
       </p:grpSpPr>
       <p:sp>
         <p:nvSpPr>
-          <p:cNvPr id="2" name="内容占位符 1"/>
-          <p:cNvSpPr>
-            <a:spLocks noGrp="1"/>
-          </p:cNvSpPr>
-          <p:nvPr>
-            <p:ph sz="quarter" idx="13"/>
+          <p:cNvPr id="3" name="内容占位符 2"/>
+          <p:cNvSpPr>
+            <a:spLocks noGrp="1"/>
+          </p:cNvSpPr>
+          <p:nvPr>
+            <p:ph sz="quarter" idx="15"/>
           </p:nvPr>
         </p:nvSpPr>
         <p:spPr>
           <a:xfrm>
-            <a:off x="1054100" y="543636"/>
-            <a:ext cx="7304088" cy="685800"/>
+            <a:off x="917622" y="516340"/>
+            <a:ext cx="7705268" cy="685800"/>
           </a:xfrm>
         </p:spPr>
         <p:txBody>
@@ -12967,138 +13085,15 @@
           <a:p>
             <a:r>
               <a:rPr lang="zh-CN" altLang="en-US" b="0" dirty="0"/>
-              <a:t>第三讲</a:t>
-            </a:r>
-          </a:p>
-        </p:txBody>
-      </p:sp>
-      <p:sp>
-        <p:nvSpPr>
-          <p:cNvPr id="4" name="文本框 3">
-            <a:extLst>
-              <a:ext uri="{FF2B5EF4-FFF2-40B4-BE49-F238E27FC236}">
-                <a16:creationId xmlns:a16="http://schemas.microsoft.com/office/drawing/2014/main" id="{881044DB-5DAA-45FE-B324-1F8A47186361}"/>
-              </a:ext>
-            </a:extLst>
-          </p:cNvPr>
-          <p:cNvSpPr txBox="1"/>
-          <p:nvPr/>
-        </p:nvSpPr>
-        <p:spPr>
-          <a:xfrm>
-            <a:off x="4058444" y="2343152"/>
-            <a:ext cx="5385594" cy="2062103"/>
-          </a:xfrm>
-          <a:prstGeom prst="rect">
-            <a:avLst/>
-          </a:prstGeom>
-          <a:noFill/>
-        </p:spPr>
-        <p:txBody>
-          <a:bodyPr wrap="square" rtlCol="0">
-            <a:spAutoFit/>
-          </a:bodyPr>
-          <a:lstStyle/>
-          <a:p>
-            <a:pPr marL="514350" indent="-514350">
-              <a:lnSpc>
-                <a:spcPct val="200000"/>
-              </a:lnSpc>
-              <a:buFont typeface="+mj-ea"/>
-              <a:buAutoNum type="ea1JpnChsDbPeriod"/>
-            </a:pPr>
-            <a:r>
-              <a:rPr lang="zh-CN" altLang="en-US" sz="2000" dirty="0">
-                <a:solidFill>
-                  <a:schemeClr val="tx1">
-                    <a:lumMod val="65000"/>
-                    <a:lumOff val="35000"/>
-                  </a:schemeClr>
-                </a:solidFill>
-                <a:latin typeface="微软雅黑" panose="020B0503020204020204" pitchFamily="34" charset="-122"/>
-                <a:ea typeface="微软雅黑" panose="020B0503020204020204" pitchFamily="34" charset="-122"/>
-              </a:rPr>
-              <a:t>整体脉络</a:t>
-            </a:r>
-            <a:endParaRPr lang="en-US" altLang="zh-CN" sz="2000" dirty="0">
-              <a:solidFill>
-                <a:schemeClr val="tx1">
-                  <a:lumMod val="65000"/>
-                  <a:lumOff val="35000"/>
-                </a:schemeClr>
-              </a:solidFill>
-              <a:latin typeface="微软雅黑" panose="020B0503020204020204" pitchFamily="34" charset="-122"/>
-              <a:ea typeface="微软雅黑" panose="020B0503020204020204" pitchFamily="34" charset="-122"/>
-            </a:endParaRPr>
-          </a:p>
-          <a:p>
-            <a:pPr marL="514350" indent="-514350">
-              <a:lnSpc>
-                <a:spcPct val="200000"/>
-              </a:lnSpc>
-              <a:buFont typeface="+mj-ea"/>
-              <a:buAutoNum type="ea1JpnChsDbPeriod"/>
-            </a:pPr>
-            <a:r>
-              <a:rPr lang="zh-CN" altLang="en-US" sz="2000" dirty="0">
-                <a:solidFill>
-                  <a:schemeClr val="tx1">
-                    <a:lumMod val="65000"/>
-                    <a:lumOff val="35000"/>
-                  </a:schemeClr>
-                </a:solidFill>
-                <a:latin typeface="微软雅黑" panose="020B0503020204020204" pitchFamily="34" charset="-122"/>
-                <a:ea typeface="微软雅黑" panose="020B0503020204020204" pitchFamily="34" charset="-122"/>
-              </a:rPr>
-              <a:t>重点回顾</a:t>
-            </a:r>
-            <a:endParaRPr lang="en-US" altLang="zh-CN" sz="2000" dirty="0">
-              <a:solidFill>
-                <a:schemeClr val="tx1">
-                  <a:lumMod val="65000"/>
-                  <a:lumOff val="35000"/>
-                </a:schemeClr>
-              </a:solidFill>
-              <a:latin typeface="微软雅黑" panose="020B0503020204020204" pitchFamily="34" charset="-122"/>
-              <a:ea typeface="微软雅黑" panose="020B0503020204020204" pitchFamily="34" charset="-122"/>
-            </a:endParaRPr>
-          </a:p>
-          <a:p>
-            <a:pPr marL="514350" indent="-514350">
-              <a:lnSpc>
-                <a:spcPct val="200000"/>
-              </a:lnSpc>
-              <a:buFont typeface="+mj-ea"/>
-              <a:buAutoNum type="ea1JpnChsDbPeriod"/>
-            </a:pPr>
-            <a:r>
-              <a:rPr lang="zh-CN" altLang="en-US" sz="2400" dirty="0">
-                <a:solidFill>
-                  <a:schemeClr val="accent6">
-                    <a:lumMod val="75000"/>
-                  </a:schemeClr>
-                </a:solidFill>
-                <a:latin typeface="微软雅黑" panose="020B0503020204020204" pitchFamily="34" charset="-122"/>
-                <a:ea typeface="微软雅黑" panose="020B0503020204020204" pitchFamily="34" charset="-122"/>
-              </a:rPr>
-              <a:t>思考总结</a:t>
-            </a:r>
-            <a:endParaRPr lang="en-US" altLang="zh-CN" sz="2400" dirty="0">
-              <a:solidFill>
-                <a:schemeClr val="accent6">
-                  <a:lumMod val="75000"/>
-                </a:schemeClr>
-              </a:solidFill>
-              <a:latin typeface="微软雅黑" panose="020B0503020204020204" pitchFamily="34" charset="-122"/>
-              <a:ea typeface="微软雅黑" panose="020B0503020204020204" pitchFamily="34" charset="-122"/>
-            </a:endParaRPr>
+              <a:t>对微信平台的一点思考</a:t>
+            </a:r>
           </a:p>
         </p:txBody>
       </p:sp>
     </p:spTree>
     <p:extLst>
       <p:ext uri="{BB962C8B-B14F-4D97-AF65-F5344CB8AC3E}">
-        <p14:creationId xmlns:p14="http://schemas.microsoft.com/office/powerpoint/2010/main" val="1928010297"/>
+        <p14:creationId xmlns:p14="http://schemas.microsoft.com/office/powerpoint/2010/main" val="1443497594"/>
       </p:ext>
     </p:extLst>
   </p:cSld>
@@ -13147,7 +13142,7 @@
           <a:p>
             <a:r>
               <a:rPr lang="zh-CN" altLang="en-US" b="0" dirty="0"/>
-              <a:t>对微信平台的一点思考</a:t>
+              <a:t>实际业务的需求</a:t>
             </a:r>
           </a:p>
         </p:txBody>
@@ -13155,7 +13150,7 @@
     </p:spTree>
     <p:extLst>
       <p:ext uri="{BB962C8B-B14F-4D97-AF65-F5344CB8AC3E}">
-        <p14:creationId xmlns:p14="http://schemas.microsoft.com/office/powerpoint/2010/main" val="1443497594"/>
+        <p14:creationId xmlns:p14="http://schemas.microsoft.com/office/powerpoint/2010/main" val="2026224558"/>
       </p:ext>
     </p:extLst>
   </p:cSld>
@@ -13195,7 +13190,7 @@
         <p:spPr>
           <a:xfrm>
             <a:off x="917622" y="516340"/>
-            <a:ext cx="7705268" cy="685800"/>
+            <a:ext cx="8236210" cy="685800"/>
           </a:xfrm>
         </p:spPr>
         <p:txBody>
@@ -13204,15 +13199,104 @@
           <a:p>
             <a:r>
               <a:rPr lang="zh-CN" altLang="en-US" b="0" dirty="0"/>
-              <a:t>实际业务的需求</a:t>
-            </a:r>
+              <a:t>公众号管理</a:t>
+            </a:r>
+            <a:r>
+              <a:rPr lang="zh-CN" altLang="en-US" b="0" dirty="0" smtClean="0"/>
+              <a:t>后台</a:t>
+            </a:r>
+            <a:endParaRPr lang="zh-CN" altLang="en-US" b="0" dirty="0"/>
+          </a:p>
+        </p:txBody>
+      </p:sp>
+      <p:sp>
+        <p:nvSpPr>
+          <p:cNvPr id="2" name="文本框 1"/>
+          <p:cNvSpPr txBox="1"/>
+          <p:nvPr/>
+        </p:nvSpPr>
+        <p:spPr>
+          <a:xfrm>
+            <a:off x="1158240" y="1844040"/>
+            <a:ext cx="8519160" cy="1445717"/>
+          </a:xfrm>
+          <a:prstGeom prst="rect">
+            <a:avLst/>
+          </a:prstGeom>
+          <a:noFill/>
+        </p:spPr>
+        <p:txBody>
+          <a:bodyPr wrap="square" rtlCol="0">
+            <a:spAutoFit/>
+          </a:bodyPr>
+          <a:lstStyle/>
+          <a:p>
+            <a:pPr marL="285750" indent="-285750">
+              <a:lnSpc>
+                <a:spcPts val="2700"/>
+              </a:lnSpc>
+              <a:buFont typeface="Arial" panose="020B0604020202020204" pitchFamily="34" charset="0"/>
+              <a:buChar char="•"/>
+            </a:pPr>
+            <a:r>
+              <a:rPr lang="zh-CN" altLang="en-US" dirty="0" smtClean="0">
+                <a:latin typeface="微软雅黑" panose="020B0503020204020204" pitchFamily="34" charset="-122"/>
+                <a:ea typeface="微软雅黑" panose="020B0503020204020204" pitchFamily="34" charset="-122"/>
+              </a:rPr>
+              <a:t>公众号管理后台已经实现了大部分运用公众号的基本操作，大部分操作直接登录完成即可，比自己开发一套出来要方便省时。</a:t>
+            </a:r>
+            <a:endParaRPr lang="en-US" altLang="zh-CN" dirty="0" smtClean="0">
+              <a:latin typeface="微软雅黑" panose="020B0503020204020204" pitchFamily="34" charset="-122"/>
+              <a:ea typeface="微软雅黑" panose="020B0503020204020204" pitchFamily="34" charset="-122"/>
+            </a:endParaRPr>
+          </a:p>
+          <a:p>
+            <a:pPr marL="285750" indent="-285750">
+              <a:lnSpc>
+                <a:spcPts val="2700"/>
+              </a:lnSpc>
+              <a:buFont typeface="Arial" panose="020B0604020202020204" pitchFamily="34" charset="0"/>
+              <a:buChar char="•"/>
+            </a:pPr>
+            <a:r>
+              <a:rPr lang="zh-CN" altLang="en-US" dirty="0">
+                <a:latin typeface="微软雅黑" panose="020B0503020204020204" pitchFamily="34" charset="-122"/>
+                <a:ea typeface="微软雅黑" panose="020B0503020204020204" pitchFamily="34" charset="-122"/>
+              </a:rPr>
+              <a:t>如果</a:t>
+            </a:r>
+            <a:r>
+              <a:rPr lang="zh-CN" altLang="en-US" dirty="0" smtClean="0">
+                <a:latin typeface="微软雅黑" panose="020B0503020204020204" pitchFamily="34" charset="-122"/>
+                <a:ea typeface="微软雅黑" panose="020B0503020204020204" pitchFamily="34" charset="-122"/>
+              </a:rPr>
+              <a:t>是需要原始的</a:t>
+            </a:r>
+            <a:r>
+              <a:rPr lang="en-US" altLang="zh-CN" dirty="0" smtClean="0">
+                <a:latin typeface="微软雅黑" panose="020B0503020204020204" pitchFamily="34" charset="-122"/>
+                <a:ea typeface="微软雅黑" panose="020B0503020204020204" pitchFamily="34" charset="-122"/>
+              </a:rPr>
+              <a:t>JSON</a:t>
+            </a:r>
+            <a:r>
+              <a:rPr lang="zh-CN" altLang="en-US" dirty="0" smtClean="0">
+                <a:latin typeface="微软雅黑" panose="020B0503020204020204" pitchFamily="34" charset="-122"/>
+                <a:ea typeface="微软雅黑" panose="020B0503020204020204" pitchFamily="34" charset="-122"/>
+              </a:rPr>
+              <a:t>格式的数据，则需要调用接口查询数据然后返回。回复消息希望更加智能则需要配置接入服务器。</a:t>
+            </a:r>
+            <a:endParaRPr lang="zh-CN" altLang="en-US" dirty="0">
+              <a:latin typeface="微软雅黑" panose="020B0503020204020204" pitchFamily="34" charset="-122"/>
+              <a:ea typeface="微软雅黑" panose="020B0503020204020204" pitchFamily="34" charset="-122"/>
+            </a:endParaRPr>
           </a:p>
         </p:txBody>
       </p:sp>
     </p:spTree>
     <p:extLst>
       <p:ext uri="{BB962C8B-B14F-4D97-AF65-F5344CB8AC3E}">
-        <p14:creationId xmlns:p14="http://schemas.microsoft.com/office/powerpoint/2010/main" val="2026224558"/>
+        <p14:creationId xmlns:p14="http://schemas.microsoft.com/office/powerpoint/2010/main" val="247829176"/>
       </p:ext>
     </p:extLst>
   </p:cSld>
@@ -13252,63 +13336,6 @@
         <p:spPr>
           <a:xfrm>
             <a:off x="917622" y="516340"/>
-            <a:ext cx="8236210" cy="685800"/>
-          </a:xfrm>
-        </p:spPr>
-        <p:txBody>
-          <a:bodyPr/>
-          <a:lstStyle/>
-          <a:p>
-            <a:r>
-              <a:rPr lang="zh-CN" altLang="en-US" b="0" dirty="0"/>
-              <a:t>公众号管理后台对比接口管理</a:t>
-            </a:r>
-          </a:p>
-        </p:txBody>
-      </p:sp>
-    </p:spTree>
-    <p:extLst>
-      <p:ext uri="{BB962C8B-B14F-4D97-AF65-F5344CB8AC3E}">
-        <p14:creationId xmlns:p14="http://schemas.microsoft.com/office/powerpoint/2010/main" val="247829176"/>
-      </p:ext>
-    </p:extLst>
-  </p:cSld>
-  <p:clrMapOvr>
-    <a:masterClrMapping/>
-  </p:clrMapOvr>
-</p:sld>
-</file>
-
-<file path=ppt/slides/slide16.xml><?xml version="1.0" encoding="utf-8"?>
-<p:sld xmlns:a="http://schemas.openxmlformats.org/drawingml/2006/main" xmlns:r="http://schemas.openxmlformats.org/officeDocument/2006/relationships" xmlns:p="http://schemas.openxmlformats.org/presentationml/2006/main">
-  <p:cSld>
-    <p:spTree>
-      <p:nvGrpSpPr>
-        <p:cNvPr id="1" name=""/>
-        <p:cNvGrpSpPr/>
-        <p:nvPr/>
-      </p:nvGrpSpPr>
-      <p:grpSpPr>
-        <a:xfrm>
-          <a:off x="0" y="0"/>
-          <a:ext cx="0" cy="0"/>
-          <a:chOff x="0" y="0"/>
-          <a:chExt cx="0" cy="0"/>
-        </a:xfrm>
-      </p:grpSpPr>
-      <p:sp>
-        <p:nvSpPr>
-          <p:cNvPr id="3" name="内容占位符 2"/>
-          <p:cNvSpPr>
-            <a:spLocks noGrp="1"/>
-          </p:cNvSpPr>
-          <p:nvPr>
-            <p:ph sz="quarter" idx="15"/>
-          </p:nvPr>
-        </p:nvSpPr>
-        <p:spPr>
-          <a:xfrm>
-            <a:off x="917622" y="516340"/>
             <a:ext cx="6840030" cy="685800"/>
           </a:xfrm>
         </p:spPr>
@@ -13336,7 +13363,7 @@
 </p:sld>
 </file>
 
-<file path=ppt/slides/slide17.xml><?xml version="1.0" encoding="utf-8"?>
+<file path=ppt/slides/slide16.xml><?xml version="1.0" encoding="utf-8"?>
 <p:sld xmlns:a="http://schemas.openxmlformats.org/drawingml/2006/main" xmlns:r="http://schemas.openxmlformats.org/officeDocument/2006/relationships" xmlns:p="http://schemas.openxmlformats.org/presentationml/2006/main">
   <p:cSld>
     <p:spTree>
@@ -14257,7 +14284,7 @@
           <p:cNvPr id="4" name="文本框 3">
             <a:extLst>
               <a:ext uri="{FF2B5EF4-FFF2-40B4-BE49-F238E27FC236}">
-                <a16:creationId xmlns:a16="http://schemas.microsoft.com/office/drawing/2014/main" id="{3D9D4789-303D-467C-AFCF-1F756CE1802A}"/>
+                <a16:creationId xmlns:a16="http://schemas.microsoft.com/office/drawing/2014/main" xmlns="" id="{3D9D4789-303D-467C-AFCF-1F756CE1802A}"/>
               </a:ext>
             </a:extLst>
           </p:cNvPr>
@@ -14432,7 +14459,7 @@
           <p:cNvPr id="3" name="文本框 2">
             <a:extLst>
               <a:ext uri="{FF2B5EF4-FFF2-40B4-BE49-F238E27FC236}">
-                <a16:creationId xmlns:a16="http://schemas.microsoft.com/office/drawing/2014/main" id="{2AE4CADF-D9FF-4E88-9876-447A15F07A1A}"/>
+                <a16:creationId xmlns:a16="http://schemas.microsoft.com/office/drawing/2014/main" xmlns="" id="{2AE4CADF-D9FF-4E88-9876-447A15F07A1A}"/>
               </a:ext>
             </a:extLst>
           </p:cNvPr>
@@ -14680,8 +14707,99 @@
           <a:p>
             <a:r>
               <a:rPr lang="zh-CN" altLang="en-US" b="0" dirty="0"/>
-              <a:t>模块划分</a:t>
-            </a:r>
+              <a:t>组织方式</a:t>
+            </a:r>
+            <a:endParaRPr lang="zh-CN" altLang="en-US" b="0" dirty="0"/>
+          </a:p>
+        </p:txBody>
+      </p:sp>
+      <p:sp>
+        <p:nvSpPr>
+          <p:cNvPr id="3" name="文本框 2"/>
+          <p:cNvSpPr txBox="1"/>
+          <p:nvPr/>
+        </p:nvSpPr>
+        <p:spPr>
+          <a:xfrm>
+            <a:off x="853440" y="1874520"/>
+            <a:ext cx="10073640" cy="2536400"/>
+          </a:xfrm>
+          <a:prstGeom prst="rect">
+            <a:avLst/>
+          </a:prstGeom>
+          <a:noFill/>
+        </p:spPr>
+        <p:txBody>
+          <a:bodyPr wrap="square" rtlCol="0">
+            <a:spAutoFit/>
+          </a:bodyPr>
+          <a:lstStyle/>
+          <a:p>
+            <a:pPr marL="285750" indent="-285750">
+              <a:lnSpc>
+                <a:spcPct val="150000"/>
+              </a:lnSpc>
+              <a:buFont typeface="Arial" panose="020B0604020202020204" pitchFamily="34" charset="0"/>
+              <a:buChar char="•"/>
+            </a:pPr>
+            <a:r>
+              <a:rPr lang="zh-CN" altLang="en-US" dirty="0" smtClean="0">
+                <a:latin typeface="微软雅黑" panose="020B0503020204020204" pitchFamily="34" charset="-122"/>
+                <a:ea typeface="微软雅黑" panose="020B0503020204020204" pitchFamily="34" charset="-122"/>
+              </a:rPr>
+              <a:t>微信服务器转发消息，事件消息通知，网页授权这些可以对接开发者服务器进行十分丰富的功能开发，完成更加完善的业务操作。</a:t>
+            </a:r>
+            <a:endParaRPr lang="en-US" altLang="zh-CN" dirty="0" smtClean="0">
+              <a:latin typeface="微软雅黑" panose="020B0503020204020204" pitchFamily="34" charset="-122"/>
+              <a:ea typeface="微软雅黑" panose="020B0503020204020204" pitchFamily="34" charset="-122"/>
+            </a:endParaRPr>
+          </a:p>
+          <a:p>
+            <a:pPr marL="285750" indent="-285750">
+              <a:lnSpc>
+                <a:spcPct val="150000"/>
+              </a:lnSpc>
+              <a:buFont typeface="Arial" panose="020B0604020202020204" pitchFamily="34" charset="0"/>
+              <a:buChar char="•"/>
+            </a:pPr>
+            <a:r>
+              <a:rPr lang="zh-CN" altLang="en-US" dirty="0" smtClean="0">
+                <a:latin typeface="微软雅黑" panose="020B0503020204020204" pitchFamily="34" charset="-122"/>
+                <a:ea typeface="微软雅黑" panose="020B0503020204020204" pitchFamily="34" charset="-122"/>
+              </a:rPr>
+              <a:t>微信接口的演示代码要组织成更完整的体系，完善后台的管理的功能，提供网页形式的快速操作工具。</a:t>
+            </a:r>
+            <a:endParaRPr lang="en-US" altLang="zh-CN" dirty="0" smtClean="0">
+              <a:latin typeface="微软雅黑" panose="020B0503020204020204" pitchFamily="34" charset="-122"/>
+              <a:ea typeface="微软雅黑" panose="020B0503020204020204" pitchFamily="34" charset="-122"/>
+            </a:endParaRPr>
+          </a:p>
+          <a:p>
+            <a:pPr marL="285750" indent="-285750">
+              <a:lnSpc>
+                <a:spcPct val="150000"/>
+              </a:lnSpc>
+              <a:buFont typeface="Arial" panose="020B0604020202020204" pitchFamily="34" charset="0"/>
+              <a:buChar char="•"/>
+            </a:pPr>
+            <a:r>
+              <a:rPr lang="zh-CN" altLang="en-US" dirty="0">
+                <a:latin typeface="微软雅黑" panose="020B0503020204020204" pitchFamily="34" charset="-122"/>
+                <a:ea typeface="微软雅黑" panose="020B0503020204020204" pitchFamily="34" charset="-122"/>
+              </a:rPr>
+              <a:t>微</a:t>
+            </a:r>
+            <a:r>
+              <a:rPr lang="zh-CN" altLang="en-US" dirty="0" smtClean="0">
+                <a:latin typeface="微软雅黑" panose="020B0503020204020204" pitchFamily="34" charset="-122"/>
+                <a:ea typeface="微软雅黑" panose="020B0503020204020204" pitchFamily="34" charset="-122"/>
+              </a:rPr>
+              <a:t>信服务器通知开发者服务器后，在必要的时候，可以调用微信接口，所以处理消息与调用接口可以完成非常复杂的功能。</a:t>
+            </a:r>
+            <a:endParaRPr lang="zh-CN" altLang="en-US" dirty="0">
+              <a:latin typeface="微软雅黑" panose="020B0503020204020204" pitchFamily="34" charset="-122"/>
+              <a:ea typeface="微软雅黑" panose="020B0503020204020204" pitchFamily="34" charset="-122"/>
+            </a:endParaRPr>
           </a:p>
         </p:txBody>
       </p:sp>
@@ -14794,7 +14912,7 @@
           <p:cNvPr id="5" name="文本框 4">
             <a:extLst>
               <a:ext uri="{FF2B5EF4-FFF2-40B4-BE49-F238E27FC236}">
-                <a16:creationId xmlns:a16="http://schemas.microsoft.com/office/drawing/2014/main" id="{DF540757-2DF2-4689-9860-0FF6F3C265D1}"/>
+                <a16:creationId xmlns:a16="http://schemas.microsoft.com/office/drawing/2014/main" xmlns="" id="{DF540757-2DF2-4689-9860-0FF6F3C265D1}"/>
               </a:ext>
             </a:extLst>
           </p:cNvPr>
@@ -14963,9 +15081,342 @@
           <a:lstStyle/>
           <a:p>
             <a:r>
+              <a:rPr lang="zh-CN" altLang="en-US" b="0" dirty="0" smtClean="0"/>
+              <a:t>开发过程</a:t>
+            </a:r>
+            <a:r>
+              <a:rPr lang="zh-CN" altLang="en-US" b="0" dirty="0" smtClean="0"/>
+              <a:t>要</a:t>
+            </a:r>
+            <a:r>
               <a:rPr lang="zh-CN" altLang="en-US" b="0" dirty="0"/>
-              <a:t>实际运营公众号要注意的问题</a:t>
-            </a:r>
+              <a:t>注意的问题</a:t>
+            </a:r>
+          </a:p>
+        </p:txBody>
+      </p:sp>
+      <p:sp>
+        <p:nvSpPr>
+          <p:cNvPr id="3" name="文本框 2"/>
+          <p:cNvSpPr txBox="1"/>
+          <p:nvPr/>
+        </p:nvSpPr>
+        <p:spPr>
+          <a:xfrm>
+            <a:off x="1054099" y="1645920"/>
+            <a:ext cx="10485120" cy="3831818"/>
+          </a:xfrm>
+          <a:prstGeom prst="rect">
+            <a:avLst/>
+          </a:prstGeom>
+          <a:noFill/>
+        </p:spPr>
+        <p:txBody>
+          <a:bodyPr wrap="square" rtlCol="0">
+            <a:spAutoFit/>
+          </a:bodyPr>
+          <a:lstStyle/>
+          <a:p>
+            <a:pPr marL="285750" indent="-285750">
+              <a:lnSpc>
+                <a:spcPct val="150000"/>
+              </a:lnSpc>
+              <a:buFont typeface="Arial" panose="020B0604020202020204" pitchFamily="34" charset="0"/>
+              <a:buChar char="•"/>
+            </a:pPr>
+            <a:r>
+              <a:rPr lang="zh-CN" altLang="en-US" dirty="0" smtClean="0">
+                <a:latin typeface="Calibri" panose="020F0502020204030204" pitchFamily="34" charset="0"/>
+                <a:ea typeface="微软雅黑" panose="020B0503020204020204" pitchFamily="34" charset="-122"/>
+              </a:rPr>
+              <a:t>开发者配置要按照要求配置好，启用加密注意密钥的位数要求。</a:t>
+            </a:r>
+            <a:endParaRPr lang="en-US" altLang="zh-CN" dirty="0" smtClean="0">
+              <a:latin typeface="Calibri" panose="020F0502020204030204" pitchFamily="34" charset="0"/>
+              <a:ea typeface="微软雅黑" panose="020B0503020204020204" pitchFamily="34" charset="-122"/>
+            </a:endParaRPr>
+          </a:p>
+          <a:p>
+            <a:pPr marL="285750" indent="-285750">
+              <a:lnSpc>
+                <a:spcPct val="150000"/>
+              </a:lnSpc>
+              <a:buFont typeface="Arial" panose="020B0604020202020204" pitchFamily="34" charset="0"/>
+              <a:buChar char="•"/>
+            </a:pPr>
+            <a:r>
+              <a:rPr lang="zh-CN" altLang="en-US" dirty="0">
+                <a:latin typeface="Calibri" panose="020F0502020204030204" pitchFamily="34" charset="0"/>
+                <a:ea typeface="微软雅黑" panose="020B0503020204020204" pitchFamily="34" charset="-122"/>
+              </a:rPr>
+              <a:t>开发</a:t>
+            </a:r>
+            <a:r>
+              <a:rPr lang="zh-CN" altLang="en-US" dirty="0" smtClean="0">
+                <a:latin typeface="Calibri" panose="020F0502020204030204" pitchFamily="34" charset="0"/>
+                <a:ea typeface="微软雅黑" panose="020B0503020204020204" pitchFamily="34" charset="-122"/>
+              </a:rPr>
+              <a:t>者配置的</a:t>
+            </a:r>
+            <a:r>
+              <a:rPr lang="en-US" altLang="zh-CN" dirty="0" smtClean="0">
+                <a:latin typeface="Calibri" panose="020F0502020204030204" pitchFamily="34" charset="0"/>
+                <a:ea typeface="微软雅黑" panose="020B0503020204020204" pitchFamily="34" charset="-122"/>
+              </a:rPr>
+              <a:t>URL</a:t>
+            </a:r>
+            <a:r>
+              <a:rPr lang="zh-CN" altLang="en-US" dirty="0" smtClean="0">
+                <a:latin typeface="Calibri" panose="020F0502020204030204" pitchFamily="34" charset="0"/>
+                <a:ea typeface="微软雅黑" panose="020B0503020204020204" pitchFamily="34" charset="-122"/>
+              </a:rPr>
+              <a:t>验证与回复消息是互斥的，注意配置过程中修改代码。</a:t>
+            </a:r>
+            <a:endParaRPr lang="en-US" altLang="zh-CN" dirty="0" smtClean="0">
+              <a:latin typeface="Calibri" panose="020F0502020204030204" pitchFamily="34" charset="0"/>
+              <a:ea typeface="微软雅黑" panose="020B0503020204020204" pitchFamily="34" charset="-122"/>
+            </a:endParaRPr>
+          </a:p>
+          <a:p>
+            <a:pPr marL="285750" indent="-285750">
+              <a:lnSpc>
+                <a:spcPct val="150000"/>
+              </a:lnSpc>
+              <a:buFont typeface="Arial" panose="020B0604020202020204" pitchFamily="34" charset="0"/>
+              <a:buChar char="•"/>
+            </a:pPr>
+            <a:r>
+              <a:rPr lang="zh-CN" altLang="en-US" dirty="0" smtClean="0">
+                <a:latin typeface="Calibri" panose="020F0502020204030204" pitchFamily="34" charset="0"/>
+                <a:ea typeface="微软雅黑" panose="020B0503020204020204" pitchFamily="34" charset="-122"/>
+              </a:rPr>
+              <a:t>注意</a:t>
+            </a:r>
+            <a:r>
+              <a:rPr lang="en-US" altLang="zh-CN" dirty="0" smtClean="0">
+                <a:latin typeface="Calibri" panose="020F0502020204030204" pitchFamily="34" charset="0"/>
+                <a:ea typeface="微软雅黑" panose="020B0503020204020204" pitchFamily="34" charset="-122"/>
+              </a:rPr>
+              <a:t>PHP</a:t>
+            </a:r>
+            <a:r>
+              <a:rPr lang="zh-CN" altLang="en-US" dirty="0" smtClean="0">
+                <a:latin typeface="Calibri" panose="020F0502020204030204" pitchFamily="34" charset="0"/>
+                <a:ea typeface="微软雅黑" panose="020B0503020204020204" pitchFamily="34" charset="-122"/>
+              </a:rPr>
+              <a:t>版本导致的处理错误，微信提供的</a:t>
+            </a:r>
+            <a:r>
+              <a:rPr lang="en-US" altLang="zh-CN" dirty="0" smtClean="0">
+                <a:latin typeface="Calibri" panose="020F0502020204030204" pitchFamily="34" charset="0"/>
+                <a:ea typeface="微软雅黑" panose="020B0503020204020204" pitchFamily="34" charset="-122"/>
+              </a:rPr>
+              <a:t>SDK</a:t>
+            </a:r>
+            <a:r>
+              <a:rPr lang="zh-CN" altLang="en-US" dirty="0" smtClean="0">
+                <a:latin typeface="Calibri" panose="020F0502020204030204" pitchFamily="34" charset="0"/>
+                <a:ea typeface="微软雅黑" panose="020B0503020204020204" pitchFamily="34" charset="-122"/>
+              </a:rPr>
+              <a:t>以及示例代码都是使用旧版本的</a:t>
+            </a:r>
+            <a:r>
+              <a:rPr lang="en-US" altLang="zh-CN" dirty="0" smtClean="0">
+                <a:latin typeface="Calibri" panose="020F0502020204030204" pitchFamily="34" charset="0"/>
+                <a:ea typeface="微软雅黑" panose="020B0503020204020204" pitchFamily="34" charset="-122"/>
+              </a:rPr>
+              <a:t>PHP</a:t>
+            </a:r>
+            <a:r>
+              <a:rPr lang="zh-CN" altLang="en-US" dirty="0" smtClean="0">
+                <a:latin typeface="Calibri" panose="020F0502020204030204" pitchFamily="34" charset="0"/>
+                <a:ea typeface="微软雅黑" panose="020B0503020204020204" pitchFamily="34" charset="-122"/>
+              </a:rPr>
+              <a:t>完成的，如果使用的话，注意修改相应的语法。</a:t>
+            </a:r>
+            <a:endParaRPr lang="en-US" altLang="zh-CN" dirty="0" smtClean="0">
+              <a:latin typeface="Calibri" panose="020F0502020204030204" pitchFamily="34" charset="0"/>
+              <a:ea typeface="微软雅黑" panose="020B0503020204020204" pitchFamily="34" charset="-122"/>
+            </a:endParaRPr>
+          </a:p>
+          <a:p>
+            <a:pPr marL="285750" indent="-285750">
+              <a:lnSpc>
+                <a:spcPct val="150000"/>
+              </a:lnSpc>
+              <a:buFont typeface="Arial" panose="020B0604020202020204" pitchFamily="34" charset="0"/>
+              <a:buChar char="•"/>
+            </a:pPr>
+            <a:r>
+              <a:rPr lang="zh-CN" altLang="en-US" dirty="0" smtClean="0">
+                <a:latin typeface="Calibri" panose="020F0502020204030204" pitchFamily="34" charset="0"/>
+                <a:ea typeface="微软雅黑" panose="020B0503020204020204" pitchFamily="34" charset="-122"/>
+              </a:rPr>
+              <a:t>注意接口调用的频次限制，对于需要缓存的数据要有缓存处理，避免频繁地发起请求。</a:t>
+            </a:r>
+            <a:endParaRPr lang="en-US" altLang="zh-CN" dirty="0" smtClean="0">
+              <a:latin typeface="Calibri" panose="020F0502020204030204" pitchFamily="34" charset="0"/>
+              <a:ea typeface="微软雅黑" panose="020B0503020204020204" pitchFamily="34" charset="-122"/>
+            </a:endParaRPr>
+          </a:p>
+          <a:p>
+            <a:pPr marL="285750" indent="-285750">
+              <a:lnSpc>
+                <a:spcPct val="150000"/>
+              </a:lnSpc>
+              <a:buFont typeface="Arial" panose="020B0604020202020204" pitchFamily="34" charset="0"/>
+              <a:buChar char="•"/>
+            </a:pPr>
+            <a:r>
+              <a:rPr lang="zh-CN" altLang="en-US" dirty="0" smtClean="0">
+                <a:latin typeface="Calibri" panose="020F0502020204030204" pitchFamily="34" charset="0"/>
+                <a:ea typeface="微软雅黑" panose="020B0503020204020204" pitchFamily="34" charset="-122"/>
+              </a:rPr>
+              <a:t>配置</a:t>
+            </a:r>
+            <a:r>
+              <a:rPr lang="en-US" altLang="zh-CN" dirty="0" smtClean="0">
+                <a:latin typeface="Calibri" panose="020F0502020204030204" pitchFamily="34" charset="0"/>
+                <a:ea typeface="微软雅黑" panose="020B0503020204020204" pitchFamily="34" charset="-122"/>
+              </a:rPr>
+              <a:t>JS-SDK</a:t>
+            </a:r>
+            <a:r>
+              <a:rPr lang="zh-CN" altLang="en-US" dirty="0" smtClean="0">
+                <a:latin typeface="Calibri" panose="020F0502020204030204" pitchFamily="34" charset="0"/>
+                <a:ea typeface="微软雅黑" panose="020B0503020204020204" pitchFamily="34" charset="-122"/>
+              </a:rPr>
+              <a:t>以及支付授权目录注意要求，填写域名要与格式对应，</a:t>
+            </a:r>
+            <a:r>
+              <a:rPr lang="en-US" altLang="zh-CN" dirty="0" smtClean="0">
+                <a:latin typeface="Calibri" panose="020F0502020204030204" pitchFamily="34" charset="0"/>
+                <a:ea typeface="微软雅黑" panose="020B0503020204020204" pitchFamily="34" charset="-122"/>
+              </a:rPr>
+              <a:t>JS-SDK</a:t>
+            </a:r>
+            <a:r>
+              <a:rPr lang="zh-CN" altLang="en-US" dirty="0" smtClean="0">
+                <a:latin typeface="Calibri" panose="020F0502020204030204" pitchFamily="34" charset="0"/>
+                <a:ea typeface="微软雅黑" panose="020B0503020204020204" pitchFamily="34" charset="-122"/>
+              </a:rPr>
+              <a:t>配置安全域名使用以及域名即可，后面无需加具体路径。</a:t>
+            </a:r>
+            <a:endParaRPr lang="en-US" altLang="zh-CN" dirty="0" smtClean="0">
+              <a:latin typeface="Calibri" panose="020F0502020204030204" pitchFamily="34" charset="0"/>
+              <a:ea typeface="微软雅黑" panose="020B0503020204020204" pitchFamily="34" charset="-122"/>
+            </a:endParaRPr>
+          </a:p>
+          <a:p>
+            <a:pPr marL="285750" indent="-285750">
+              <a:lnSpc>
+                <a:spcPct val="150000"/>
+              </a:lnSpc>
+              <a:buFont typeface="Arial" panose="020B0604020202020204" pitchFamily="34" charset="0"/>
+              <a:buChar char="•"/>
+            </a:pPr>
+            <a:r>
+              <a:rPr lang="zh-CN" altLang="en-US" dirty="0" smtClean="0">
+                <a:latin typeface="Calibri" panose="020F0502020204030204" pitchFamily="34" charset="0"/>
+                <a:ea typeface="微软雅黑" panose="020B0503020204020204" pitchFamily="34" charset="-122"/>
+              </a:rPr>
+              <a:t>调用接口提交</a:t>
+            </a:r>
+            <a:r>
+              <a:rPr lang="en-US" altLang="zh-CN" dirty="0" smtClean="0">
+                <a:latin typeface="Calibri" panose="020F0502020204030204" pitchFamily="34" charset="0"/>
+                <a:ea typeface="微软雅黑" panose="020B0503020204020204" pitchFamily="34" charset="-122"/>
+              </a:rPr>
+              <a:t>POST</a:t>
+            </a:r>
+            <a:r>
+              <a:rPr lang="zh-CN" altLang="en-US" dirty="0" smtClean="0">
+                <a:latin typeface="Calibri" panose="020F0502020204030204" pitchFamily="34" charset="0"/>
+                <a:ea typeface="微软雅黑" panose="020B0503020204020204" pitchFamily="34" charset="-122"/>
+              </a:rPr>
+              <a:t>数据，如果使用</a:t>
+            </a:r>
+            <a:r>
+              <a:rPr lang="en-US" altLang="zh-CN" dirty="0" err="1" smtClean="0">
+                <a:latin typeface="Calibri" panose="020F0502020204030204" pitchFamily="34" charset="0"/>
+                <a:ea typeface="微软雅黑" panose="020B0503020204020204" pitchFamily="34" charset="-122"/>
+              </a:rPr>
+              <a:t>json_encode</a:t>
+            </a:r>
+            <a:r>
+              <a:rPr lang="zh-CN" altLang="en-US" dirty="0" smtClean="0">
+                <a:latin typeface="Calibri" panose="020F0502020204030204" pitchFamily="34" charset="0"/>
+                <a:ea typeface="微软雅黑" panose="020B0503020204020204" pitchFamily="34" charset="-122"/>
+              </a:rPr>
+              <a:t>函数转换成</a:t>
+            </a:r>
+            <a:r>
+              <a:rPr lang="en-US" altLang="zh-CN" dirty="0" smtClean="0">
+                <a:latin typeface="Calibri" panose="020F0502020204030204" pitchFamily="34" charset="0"/>
+                <a:ea typeface="微软雅黑" panose="020B0503020204020204" pitchFamily="34" charset="-122"/>
+              </a:rPr>
+              <a:t>JSON</a:t>
+            </a:r>
+            <a:r>
+              <a:rPr lang="zh-CN" altLang="en-US" dirty="0" smtClean="0">
+                <a:latin typeface="Calibri" panose="020F0502020204030204" pitchFamily="34" charset="0"/>
+                <a:ea typeface="微软雅黑" panose="020B0503020204020204" pitchFamily="34" charset="-122"/>
+              </a:rPr>
+              <a:t>格式，则注意要加选项</a:t>
+            </a:r>
+            <a:r>
+              <a:rPr lang="en-US" altLang="zh-CN" dirty="0" smtClean="0">
+                <a:latin typeface="Calibri" panose="020F0502020204030204" pitchFamily="34" charset="0"/>
+                <a:ea typeface="微软雅黑" panose="020B0503020204020204" pitchFamily="34" charset="-122"/>
+              </a:rPr>
+              <a:t>JSON_UNESCAPED_UNICODE</a:t>
+            </a:r>
+            <a:r>
+              <a:rPr lang="zh-CN" altLang="en-US" dirty="0" smtClean="0">
+                <a:latin typeface="Calibri" panose="020F0502020204030204" pitchFamily="34" charset="0"/>
+                <a:ea typeface="微软雅黑" panose="020B0503020204020204" pitchFamily="34" charset="-122"/>
+              </a:rPr>
+              <a:t>选项，否则中文会被转化成</a:t>
+            </a:r>
+            <a:r>
+              <a:rPr lang="en-US" altLang="zh-CN" dirty="0" smtClean="0">
+                <a:latin typeface="Calibri" panose="020F0502020204030204" pitchFamily="34" charset="0"/>
+                <a:ea typeface="微软雅黑" panose="020B0503020204020204" pitchFamily="34" charset="-122"/>
+              </a:rPr>
+              <a:t>\u</a:t>
+            </a:r>
+            <a:r>
+              <a:rPr lang="zh-CN" altLang="en-US" dirty="0">
+                <a:latin typeface="Calibri" panose="020F0502020204030204" pitchFamily="34" charset="0"/>
+                <a:ea typeface="微软雅黑" panose="020B0503020204020204" pitchFamily="34" charset="-122"/>
+              </a:rPr>
+              <a:t>开头</a:t>
+            </a:r>
+            <a:r>
+              <a:rPr lang="zh-CN" altLang="en-US" dirty="0" smtClean="0">
+                <a:latin typeface="Calibri" panose="020F0502020204030204" pitchFamily="34" charset="0"/>
+                <a:ea typeface="微软雅黑" panose="020B0503020204020204" pitchFamily="34" charset="-122"/>
+              </a:rPr>
+              <a:t>的</a:t>
+            </a:r>
+            <a:r>
+              <a:rPr lang="en-US" altLang="zh-CN" dirty="0" smtClean="0">
+                <a:latin typeface="Calibri" panose="020F0502020204030204" pitchFamily="34" charset="0"/>
+                <a:ea typeface="微软雅黑" panose="020B0503020204020204" pitchFamily="34" charset="-122"/>
+              </a:rPr>
+              <a:t>utf-8</a:t>
+            </a:r>
+            <a:r>
+              <a:rPr lang="zh-CN" altLang="en-US" dirty="0" smtClean="0">
+                <a:latin typeface="Calibri" panose="020F0502020204030204" pitchFamily="34" charset="0"/>
+                <a:ea typeface="微软雅黑" panose="020B0503020204020204" pitchFamily="34" charset="-122"/>
+              </a:rPr>
+              <a:t>编码值，微信会提示错误。</a:t>
+            </a:r>
+            <a:endParaRPr lang="zh-CN" altLang="en-US" dirty="0">
+              <a:latin typeface="Calibri" panose="020F0502020204030204" pitchFamily="34" charset="0"/>
+              <a:ea typeface="微软雅黑" panose="020B0503020204020204" pitchFamily="34" charset="-122"/>
+            </a:endParaRPr>
           </a:p>
         </p:txBody>
       </p:sp>

--- a/课程ppt/第12讲 复习总结.pptx
+++ b/课程ppt/第12讲 复习总结.pptx
@@ -9,33 +9,34 @@
     <p:sldMasterId id="2147483691" r:id="rId5"/>
   </p:sldMasterIdLst>
   <p:notesMasterIdLst>
-    <p:notesMasterId r:id="rId22"/>
+    <p:notesMasterId r:id="rId23"/>
   </p:notesMasterIdLst>
   <p:handoutMasterIdLst>
-    <p:handoutMasterId r:id="rId23"/>
+    <p:handoutMasterId r:id="rId24"/>
   </p:handoutMasterIdLst>
   <p:sldIdLst>
     <p:sldId id="257" r:id="rId6"/>
     <p:sldId id="446" r:id="rId7"/>
     <p:sldId id="451" r:id="rId8"/>
-    <p:sldId id="481" r:id="rId9"/>
-    <p:sldId id="482" r:id="rId10"/>
-    <p:sldId id="466" r:id="rId11"/>
-    <p:sldId id="460" r:id="rId12"/>
-    <p:sldId id="456" r:id="rId13"/>
-    <p:sldId id="480" r:id="rId14"/>
-    <p:sldId id="440" r:id="rId15"/>
-    <p:sldId id="452" r:id="rId16"/>
-    <p:sldId id="487" r:id="rId17"/>
-    <p:sldId id="435" r:id="rId18"/>
-    <p:sldId id="486" r:id="rId19"/>
-    <p:sldId id="485" r:id="rId20"/>
-    <p:sldId id="311" r:id="rId21"/>
+    <p:sldId id="466" r:id="rId9"/>
+    <p:sldId id="481" r:id="rId10"/>
+    <p:sldId id="482" r:id="rId11"/>
+    <p:sldId id="488" r:id="rId12"/>
+    <p:sldId id="460" r:id="rId13"/>
+    <p:sldId id="456" r:id="rId14"/>
+    <p:sldId id="480" r:id="rId15"/>
+    <p:sldId id="440" r:id="rId16"/>
+    <p:sldId id="489" r:id="rId17"/>
+    <p:sldId id="452" r:id="rId18"/>
+    <p:sldId id="487" r:id="rId19"/>
+    <p:sldId id="435" r:id="rId20"/>
+    <p:sldId id="486" r:id="rId21"/>
+    <p:sldId id="311" r:id="rId22"/>
   </p:sldIdLst>
   <p:sldSz cx="12192000" cy="6858000"/>
   <p:notesSz cx="6858000" cy="9144000"/>
   <p:custDataLst>
-    <p:tags r:id="rId24"/>
+    <p:tags r:id="rId25"/>
   </p:custDataLst>
   <p:defaultTextStyle>
     <a:defPPr>
@@ -943,7 +944,7 @@
                 <a:ea typeface="宋体" charset="-122"/>
               </a:rPr>
               <a:pPr algn="r" eaLnBrk="1" hangingPunct="1"/>
-              <a:t>16</a:t>
+              <a:t>17</a:t>
             </a:fld>
             <a:endParaRPr lang="zh-CN" altLang="en-US" sz="1200">
               <a:latin typeface="Calibri" pitchFamily="34" charset="0"/>
@@ -12836,27 +12837,421 @@
             <p:ph sz="quarter" idx="13"/>
           </p:nvPr>
         </p:nvSpPr>
+        <p:spPr/>
+        <p:txBody>
+          <a:bodyPr/>
+          <a:lstStyle/>
+          <a:p>
+            <a:r>
+              <a:rPr lang="en-US" altLang="zh-CN" b="0" dirty="0"/>
+              <a:t>CURL</a:t>
+            </a:r>
+            <a:r>
+              <a:rPr lang="zh-CN" altLang="en-US" b="0" dirty="0"/>
+              <a:t>重点</a:t>
+            </a:r>
+          </a:p>
+        </p:txBody>
+      </p:sp>
+      <p:sp>
+        <p:nvSpPr>
+          <p:cNvPr id="3" name="文本框 2">
+            <a:extLst>
+              <a:ext uri="{FF2B5EF4-FFF2-40B4-BE49-F238E27FC236}">
+                <a16:creationId xmlns:a16="http://schemas.microsoft.com/office/drawing/2014/main" id="{0C31CB6B-CC81-4C1B-9B8F-E22CECAB985E}"/>
+              </a:ext>
+            </a:extLst>
+          </p:cNvPr>
+          <p:cNvSpPr txBox="1"/>
+          <p:nvPr/>
+        </p:nvSpPr>
         <p:spPr>
           <a:xfrm>
-            <a:off x="1054099" y="543636"/>
-            <a:ext cx="7032626" cy="685800"/>
+            <a:off x="1140542" y="1838632"/>
+            <a:ext cx="10382864" cy="3831818"/>
           </a:xfrm>
+          <a:prstGeom prst="rect">
+            <a:avLst/>
+          </a:prstGeom>
+          <a:noFill/>
         </p:spPr>
         <p:txBody>
-          <a:bodyPr/>
+          <a:bodyPr wrap="square" rtlCol="0">
+            <a:spAutoFit/>
+          </a:bodyPr>
           <a:lstStyle/>
           <a:p>
-            <a:r>
-              <a:rPr lang="zh-CN" altLang="en-US" b="0" dirty="0"/>
-              <a:t>服务器的配置</a:t>
-            </a:r>
+            <a:pPr marL="285750" indent="-285750">
+              <a:lnSpc>
+                <a:spcPct val="150000"/>
+              </a:lnSpc>
+              <a:buFont typeface="Arial" panose="020B0604020202020204" pitchFamily="34" charset="0"/>
+              <a:buChar char="•"/>
+            </a:pPr>
+            <a:r>
+              <a:rPr lang="zh-CN" altLang="en-US" dirty="0">
+                <a:latin typeface="Consolas" panose="020B0609020204030204" pitchFamily="49" charset="0"/>
+                <a:ea typeface="微软雅黑" panose="020B0503020204020204" pitchFamily="34" charset="-122"/>
+              </a:rPr>
+              <a:t>发起请求，注意选项，对于</a:t>
+            </a:r>
+            <a:r>
+              <a:rPr lang="en-US" altLang="zh-CN" dirty="0">
+                <a:latin typeface="Consolas" panose="020B0609020204030204" pitchFamily="49" charset="0"/>
+                <a:ea typeface="微软雅黑" panose="020B0503020204020204" pitchFamily="34" charset="-122"/>
+              </a:rPr>
+              <a:t>https</a:t>
+            </a:r>
+            <a:r>
+              <a:rPr lang="zh-CN" altLang="en-US" dirty="0">
+                <a:latin typeface="Consolas" panose="020B0609020204030204" pitchFamily="49" charset="0"/>
+                <a:ea typeface="微软雅黑" panose="020B0503020204020204" pitchFamily="34" charset="-122"/>
+              </a:rPr>
+              <a:t>连接要使用</a:t>
+            </a:r>
+            <a:r>
+              <a:rPr lang="en-US" altLang="zh-CN" dirty="0">
+                <a:latin typeface="Consolas" panose="020B0609020204030204" pitchFamily="49" charset="0"/>
+                <a:ea typeface="微软雅黑" panose="020B0503020204020204" pitchFamily="34" charset="-122"/>
+              </a:rPr>
+              <a:t>CURLOPT_SSL_VERIFYPEER</a:t>
+            </a:r>
+            <a:r>
+              <a:rPr lang="zh-CN" altLang="en-US" dirty="0">
+                <a:latin typeface="Consolas" panose="020B0609020204030204" pitchFamily="49" charset="0"/>
+                <a:ea typeface="微软雅黑" panose="020B0503020204020204" pitchFamily="34" charset="-122"/>
+              </a:rPr>
+              <a:t>为</a:t>
+            </a:r>
+            <a:r>
+              <a:rPr lang="en-US" altLang="zh-CN" dirty="0">
+                <a:latin typeface="Consolas" panose="020B0609020204030204" pitchFamily="49" charset="0"/>
+                <a:ea typeface="微软雅黑" panose="020B0503020204020204" pitchFamily="34" charset="-122"/>
+              </a:rPr>
+              <a:t>false</a:t>
+            </a:r>
+            <a:r>
+              <a:rPr lang="zh-CN" altLang="en-US" dirty="0">
+                <a:latin typeface="Consolas" panose="020B0609020204030204" pitchFamily="49" charset="0"/>
+                <a:ea typeface="微软雅黑" panose="020B0503020204020204" pitchFamily="34" charset="-122"/>
+              </a:rPr>
+              <a:t>。</a:t>
+            </a:r>
+            <a:endParaRPr lang="en-US" altLang="zh-CN" dirty="0">
+              <a:latin typeface="Consolas" panose="020B0609020204030204" pitchFamily="49" charset="0"/>
+              <a:ea typeface="微软雅黑" panose="020B0503020204020204" pitchFamily="34" charset="-122"/>
+            </a:endParaRPr>
+          </a:p>
+          <a:p>
+            <a:pPr marL="285750" indent="-285750">
+              <a:lnSpc>
+                <a:spcPct val="150000"/>
+              </a:lnSpc>
+              <a:buFont typeface="Arial" panose="020B0604020202020204" pitchFamily="34" charset="0"/>
+              <a:buChar char="•"/>
+            </a:pPr>
+            <a:r>
+              <a:rPr lang="zh-CN" altLang="en-US" dirty="0">
+                <a:latin typeface="Consolas" panose="020B0609020204030204" pitchFamily="49" charset="0"/>
+                <a:ea typeface="微软雅黑" panose="020B0503020204020204" pitchFamily="34" charset="-122"/>
+              </a:rPr>
+              <a:t>上传文件请使用</a:t>
+            </a:r>
+            <a:r>
+              <a:rPr lang="en-US" altLang="zh-CN" dirty="0" err="1">
+                <a:latin typeface="Consolas" panose="020B0609020204030204" pitchFamily="49" charset="0"/>
+                <a:ea typeface="微软雅黑" panose="020B0503020204020204" pitchFamily="34" charset="-122"/>
+              </a:rPr>
+              <a:t>CURLFile</a:t>
+            </a:r>
+            <a:r>
+              <a:rPr lang="zh-CN" altLang="en-US" dirty="0">
+                <a:latin typeface="Consolas" panose="020B0609020204030204" pitchFamily="49" charset="0"/>
+                <a:ea typeface="微软雅黑" panose="020B0503020204020204" pitchFamily="34" charset="-122"/>
+              </a:rPr>
+              <a:t>初始化文件对象，</a:t>
+            </a:r>
+            <a:r>
+              <a:rPr lang="en-US" altLang="zh-CN" dirty="0">
+                <a:latin typeface="Consolas" panose="020B0609020204030204" pitchFamily="49" charset="0"/>
+                <a:ea typeface="微软雅黑" panose="020B0503020204020204" pitchFamily="34" charset="-122"/>
+              </a:rPr>
+              <a:t>PHP7.0+</a:t>
+            </a:r>
+            <a:r>
+              <a:rPr lang="zh-CN" altLang="en-US" dirty="0">
+                <a:latin typeface="Consolas" panose="020B0609020204030204" pitchFamily="49" charset="0"/>
+                <a:ea typeface="微软雅黑" panose="020B0503020204020204" pitchFamily="34" charset="-122"/>
+              </a:rPr>
+              <a:t>版本以上已经不支持老式的上传方式。</a:t>
+            </a:r>
+            <a:endParaRPr lang="en-US" altLang="zh-CN" dirty="0">
+              <a:latin typeface="Consolas" panose="020B0609020204030204" pitchFamily="49" charset="0"/>
+              <a:ea typeface="微软雅黑" panose="020B0503020204020204" pitchFamily="34" charset="-122"/>
+            </a:endParaRPr>
+          </a:p>
+          <a:p>
+            <a:pPr marL="285750" indent="-285750">
+              <a:lnSpc>
+                <a:spcPct val="150000"/>
+              </a:lnSpc>
+              <a:buFont typeface="Arial" panose="020B0604020202020204" pitchFamily="34" charset="0"/>
+              <a:buChar char="•"/>
+            </a:pPr>
+            <a:r>
+              <a:rPr lang="zh-CN" altLang="en-US" dirty="0">
+                <a:latin typeface="Consolas" panose="020B0609020204030204" pitchFamily="49" charset="0"/>
+                <a:ea typeface="微软雅黑" panose="020B0503020204020204" pitchFamily="34" charset="-122"/>
+              </a:rPr>
+              <a:t>如果使用内置</a:t>
+            </a:r>
+            <a:r>
+              <a:rPr lang="en-US" altLang="zh-CN" dirty="0">
+                <a:latin typeface="Consolas" panose="020B0609020204030204" pitchFamily="49" charset="0"/>
+                <a:ea typeface="微软雅黑" panose="020B0503020204020204" pitchFamily="34" charset="-122"/>
+              </a:rPr>
+              <a:t>CURL</a:t>
+            </a:r>
+            <a:r>
+              <a:rPr lang="zh-CN" altLang="en-US" dirty="0">
+                <a:latin typeface="Consolas" panose="020B0609020204030204" pitchFamily="49" charset="0"/>
+                <a:ea typeface="微软雅黑" panose="020B0503020204020204" pitchFamily="34" charset="-122"/>
+              </a:rPr>
+              <a:t>扩展，进行</a:t>
+            </a:r>
+            <a:r>
+              <a:rPr lang="en-US" altLang="zh-CN" dirty="0">
+                <a:latin typeface="Consolas" panose="020B0609020204030204" pitchFamily="49" charset="0"/>
+                <a:ea typeface="微软雅黑" panose="020B0503020204020204" pitchFamily="34" charset="-122"/>
+              </a:rPr>
+              <a:t>RAW </a:t>
+            </a:r>
+            <a:r>
+              <a:rPr lang="zh-CN" altLang="en-US" dirty="0">
+                <a:latin typeface="Consolas" panose="020B0609020204030204" pitchFamily="49" charset="0"/>
+                <a:ea typeface="微软雅黑" panose="020B0503020204020204" pitchFamily="34" charset="-122"/>
+              </a:rPr>
+              <a:t>格式的</a:t>
+            </a:r>
+            <a:r>
+              <a:rPr lang="en-US" altLang="zh-CN" dirty="0">
+                <a:latin typeface="Consolas" panose="020B0609020204030204" pitchFamily="49" charset="0"/>
+                <a:ea typeface="微软雅黑" panose="020B0503020204020204" pitchFamily="34" charset="-122"/>
+              </a:rPr>
+              <a:t>POST</a:t>
+            </a:r>
+            <a:r>
+              <a:rPr lang="zh-CN" altLang="en-US" dirty="0">
+                <a:latin typeface="Consolas" panose="020B0609020204030204" pitchFamily="49" charset="0"/>
+                <a:ea typeface="微软雅黑" panose="020B0503020204020204" pitchFamily="34" charset="-122"/>
+              </a:rPr>
+              <a:t>提交，则需要设置</a:t>
+            </a:r>
+            <a:r>
+              <a:rPr lang="en-US" altLang="zh-CN" dirty="0">
+                <a:latin typeface="Consolas" panose="020B0609020204030204" pitchFamily="49" charset="0"/>
+                <a:ea typeface="微软雅黑" panose="020B0503020204020204" pitchFamily="34" charset="-122"/>
+              </a:rPr>
+              <a:t>CURLOPT_HTTPHEADER</a:t>
+            </a:r>
+            <a:r>
+              <a:rPr lang="zh-CN" altLang="en-US" dirty="0">
+                <a:latin typeface="Consolas" panose="020B0609020204030204" pitchFamily="49" charset="0"/>
+                <a:ea typeface="微软雅黑" panose="020B0503020204020204" pitchFamily="34" charset="-122"/>
+              </a:rPr>
+              <a:t>选项加入</a:t>
+            </a:r>
+            <a:r>
+              <a:rPr lang="en-US" altLang="zh-CN" dirty="0">
+                <a:latin typeface="Consolas" panose="020B0609020204030204" pitchFamily="49" charset="0"/>
+                <a:ea typeface="微软雅黑" panose="020B0503020204020204" pitchFamily="34" charset="-122"/>
+              </a:rPr>
+              <a:t>”Content-Type: text/plain”</a:t>
+            </a:r>
+            <a:r>
+              <a:rPr lang="zh-CN" altLang="en-US" dirty="0">
+                <a:latin typeface="Consolas" panose="020B0609020204030204" pitchFamily="49" charset="0"/>
+                <a:ea typeface="微软雅黑" panose="020B0503020204020204" pitchFamily="34" charset="-122"/>
+              </a:rPr>
+              <a:t>。</a:t>
+            </a:r>
+            <a:endParaRPr lang="en-US" altLang="zh-CN" dirty="0">
+              <a:latin typeface="Consolas" panose="020B0609020204030204" pitchFamily="49" charset="0"/>
+              <a:ea typeface="微软雅黑" panose="020B0503020204020204" pitchFamily="34" charset="-122"/>
+            </a:endParaRPr>
+          </a:p>
+          <a:p>
+            <a:pPr marL="285750" indent="-285750">
+              <a:lnSpc>
+                <a:spcPct val="150000"/>
+              </a:lnSpc>
+              <a:buFont typeface="Arial" panose="020B0604020202020204" pitchFamily="34" charset="0"/>
+              <a:buChar char="•"/>
+            </a:pPr>
+            <a:r>
+              <a:rPr lang="zh-CN" altLang="en-US" dirty="0">
+                <a:latin typeface="Consolas" panose="020B0609020204030204" pitchFamily="49" charset="0"/>
+                <a:ea typeface="微软雅黑" panose="020B0503020204020204" pitchFamily="34" charset="-122"/>
+              </a:rPr>
+              <a:t>下载数据，根据文件大小选择不同的方法，最好方式是让</a:t>
+            </a:r>
+            <a:r>
+              <a:rPr lang="en-US" altLang="zh-CN" dirty="0">
+                <a:latin typeface="Consolas" panose="020B0609020204030204" pitchFamily="49" charset="0"/>
+                <a:ea typeface="微软雅黑" panose="020B0503020204020204" pitchFamily="34" charset="-122"/>
+              </a:rPr>
+              <a:t>CURL</a:t>
+            </a:r>
+            <a:r>
+              <a:rPr lang="zh-CN" altLang="en-US" dirty="0">
+                <a:latin typeface="Consolas" panose="020B0609020204030204" pitchFamily="49" charset="0"/>
+                <a:ea typeface="微软雅黑" panose="020B0503020204020204" pitchFamily="34" charset="-122"/>
+              </a:rPr>
+              <a:t>自动处理数据流：</a:t>
+            </a:r>
+            <a:r>
+              <a:rPr lang="en-US" altLang="zh-CN" dirty="0">
+                <a:latin typeface="Consolas" panose="020B0609020204030204" pitchFamily="49" charset="0"/>
+                <a:ea typeface="微软雅黑" panose="020B0503020204020204" pitchFamily="34" charset="-122"/>
+              </a:rPr>
+              <a:t>CURLOPT_FILE</a:t>
+            </a:r>
+            <a:r>
+              <a:rPr lang="zh-CN" altLang="en-US" dirty="0">
+                <a:latin typeface="Consolas" panose="020B0609020204030204" pitchFamily="49" charset="0"/>
+                <a:ea typeface="微软雅黑" panose="020B0503020204020204" pitchFamily="34" charset="-122"/>
+              </a:rPr>
+              <a:t>设置为一个已打开的具有写权限的文件描述符。并且要把</a:t>
+            </a:r>
+            <a:r>
+              <a:rPr lang="en-US" altLang="zh-CN" dirty="0">
+                <a:latin typeface="Consolas" panose="020B0609020204030204" pitchFamily="49" charset="0"/>
+                <a:ea typeface="微软雅黑" panose="020B0503020204020204" pitchFamily="34" charset="-122"/>
+              </a:rPr>
+              <a:t>CURLOPT_RETURNTRANSFER</a:t>
+            </a:r>
+            <a:r>
+              <a:rPr lang="zh-CN" altLang="en-US" dirty="0">
+                <a:latin typeface="Consolas" panose="020B0609020204030204" pitchFamily="49" charset="0"/>
+                <a:ea typeface="微软雅黑" panose="020B0503020204020204" pitchFamily="34" charset="-122"/>
+              </a:rPr>
+              <a:t>设置为</a:t>
+            </a:r>
+            <a:r>
+              <a:rPr lang="en-US" altLang="zh-CN" dirty="0">
+                <a:latin typeface="Consolas" panose="020B0609020204030204" pitchFamily="49" charset="0"/>
+                <a:ea typeface="微软雅黑" panose="020B0503020204020204" pitchFamily="34" charset="-122"/>
+              </a:rPr>
+              <a:t>false</a:t>
+            </a:r>
+            <a:r>
+              <a:rPr lang="zh-CN" altLang="en-US" dirty="0">
+                <a:latin typeface="Consolas" panose="020B0609020204030204" pitchFamily="49" charset="0"/>
+                <a:ea typeface="微软雅黑" panose="020B0503020204020204" pitchFamily="34" charset="-122"/>
+              </a:rPr>
+              <a:t>。</a:t>
+            </a:r>
+            <a:endParaRPr lang="en-US" altLang="zh-CN" dirty="0">
+              <a:latin typeface="Consolas" panose="020B0609020204030204" pitchFamily="49" charset="0"/>
+              <a:ea typeface="微软雅黑" panose="020B0503020204020204" pitchFamily="34" charset="-122"/>
+            </a:endParaRPr>
+          </a:p>
+          <a:p>
+            <a:pPr marL="285750" indent="-285750">
+              <a:lnSpc>
+                <a:spcPct val="150000"/>
+              </a:lnSpc>
+              <a:buFont typeface="Arial" panose="020B0604020202020204" pitchFamily="34" charset="0"/>
+              <a:buChar char="•"/>
+            </a:pPr>
+            <a:r>
+              <a:rPr lang="zh-CN" altLang="en-US" dirty="0">
+                <a:latin typeface="Consolas" panose="020B0609020204030204" pitchFamily="49" charset="0"/>
+                <a:ea typeface="微软雅黑" panose="020B0503020204020204" pitchFamily="34" charset="-122"/>
+              </a:rPr>
+              <a:t>使用第三方扩展要注意扩展的使用方式，同时，本课程使用的</a:t>
+            </a:r>
+            <a:r>
+              <a:rPr lang="en-US" altLang="zh-CN" dirty="0" err="1">
+                <a:latin typeface="Consolas" panose="020B0609020204030204" pitchFamily="49" charset="0"/>
+                <a:ea typeface="微软雅黑" panose="020B0503020204020204" pitchFamily="34" charset="-122"/>
+              </a:rPr>
+              <a:t>anlutro</a:t>
+            </a:r>
+            <a:r>
+              <a:rPr lang="en-US" altLang="zh-CN" dirty="0">
+                <a:latin typeface="Consolas" panose="020B0609020204030204" pitchFamily="49" charset="0"/>
+                <a:ea typeface="微软雅黑" panose="020B0503020204020204" pitchFamily="34" charset="-122"/>
+              </a:rPr>
+              <a:t>\</a:t>
+            </a:r>
+            <a:r>
+              <a:rPr lang="en-US" altLang="zh-CN" dirty="0" err="1">
+                <a:latin typeface="Consolas" panose="020B0609020204030204" pitchFamily="49" charset="0"/>
+                <a:ea typeface="微软雅黑" panose="020B0503020204020204" pitchFamily="34" charset="-122"/>
+              </a:rPr>
+              <a:t>cURL</a:t>
+            </a:r>
+            <a:r>
+              <a:rPr lang="zh-CN" altLang="en-US" dirty="0">
+                <a:latin typeface="Consolas" panose="020B0609020204030204" pitchFamily="49" charset="0"/>
+                <a:ea typeface="微软雅黑" panose="020B0503020204020204" pitchFamily="34" charset="-122"/>
+              </a:rPr>
+              <a:t>扩展在默认情况下会把</a:t>
+            </a:r>
+            <a:r>
+              <a:rPr lang="en-US" altLang="zh-CN" dirty="0">
+                <a:latin typeface="Consolas" panose="020B0609020204030204" pitchFamily="49" charset="0"/>
+                <a:ea typeface="微软雅黑" panose="020B0503020204020204" pitchFamily="34" charset="-122"/>
+              </a:rPr>
+              <a:t>CURLOPT_RETURNTRANSFER</a:t>
+            </a:r>
+            <a:r>
+              <a:rPr lang="zh-CN" altLang="en-US" dirty="0">
+                <a:latin typeface="Consolas" panose="020B0609020204030204" pitchFamily="49" charset="0"/>
+                <a:ea typeface="微软雅黑" panose="020B0503020204020204" pitchFamily="34" charset="-122"/>
+              </a:rPr>
+              <a:t>设置为</a:t>
+            </a:r>
+            <a:r>
+              <a:rPr lang="en-US" altLang="zh-CN" dirty="0">
+                <a:latin typeface="Consolas" panose="020B0609020204030204" pitchFamily="49" charset="0"/>
+                <a:ea typeface="微软雅黑" panose="020B0503020204020204" pitchFamily="34" charset="-122"/>
+              </a:rPr>
+              <a:t>true</a:t>
+            </a:r>
+            <a:r>
+              <a:rPr lang="zh-CN" altLang="en-US" dirty="0">
+                <a:latin typeface="Consolas" panose="020B0609020204030204" pitchFamily="49" charset="0"/>
+                <a:ea typeface="微软雅黑" panose="020B0503020204020204" pitchFamily="34" charset="-122"/>
+              </a:rPr>
+              <a:t>，而且无法设置为</a:t>
+            </a:r>
+            <a:r>
+              <a:rPr lang="en-US" altLang="zh-CN" dirty="0">
+                <a:latin typeface="Consolas" panose="020B0609020204030204" pitchFamily="49" charset="0"/>
+                <a:ea typeface="微软雅黑" panose="020B0503020204020204" pitchFamily="34" charset="-122"/>
+              </a:rPr>
+              <a:t>false</a:t>
+            </a:r>
+            <a:r>
+              <a:rPr lang="zh-CN" altLang="en-US" dirty="0">
+                <a:latin typeface="Consolas" panose="020B0609020204030204" pitchFamily="49" charset="0"/>
+                <a:ea typeface="微软雅黑" panose="020B0503020204020204" pitchFamily="34" charset="-122"/>
+              </a:rPr>
+              <a:t>，在上传文件时会出现问题，此问题可以通过修改代码解决，可以加入一个不进行默认设置的就发起请求的函数解决。</a:t>
+            </a:r>
+            <a:endParaRPr lang="en-US" altLang="zh-CN" dirty="0">
+              <a:latin typeface="Consolas" panose="020B0609020204030204" pitchFamily="49" charset="0"/>
+              <a:ea typeface="微软雅黑" panose="020B0503020204020204" pitchFamily="34" charset="-122"/>
+            </a:endParaRPr>
           </a:p>
         </p:txBody>
       </p:sp>
     </p:spTree>
     <p:extLst>
       <p:ext uri="{BB962C8B-B14F-4D97-AF65-F5344CB8AC3E}">
-        <p14:creationId xmlns:p14="http://schemas.microsoft.com/office/powerpoint/2010/main" val="3020456092"/>
+        <p14:creationId xmlns:p14="http://schemas.microsoft.com/office/powerpoint/2010/main" val="2699412093"/>
       </p:ext>
     </p:extLst>
   </p:cSld>
@@ -12895,8 +13290,8 @@
         </p:nvSpPr>
         <p:spPr>
           <a:xfrm>
-            <a:off x="1054100" y="543636"/>
-            <a:ext cx="7304088" cy="685800"/>
+            <a:off x="1054099" y="543636"/>
+            <a:ext cx="7032626" cy="685800"/>
           </a:xfrm>
         </p:spPr>
         <p:txBody>
@@ -12904,18 +13299,22 @@
           <a:lstStyle/>
           <a:p>
             <a:r>
+              <a:rPr lang="en-US" altLang="zh-CN" b="0" dirty="0"/>
+              <a:t>JS-SDK</a:t>
+            </a:r>
+            <a:r>
               <a:rPr lang="zh-CN" altLang="en-US" b="0" dirty="0"/>
-              <a:t>第三讲</a:t>
-            </a:r>
-          </a:p>
-        </p:txBody>
-      </p:sp>
-      <p:sp>
-        <p:nvSpPr>
-          <p:cNvPr id="4" name="文本框 3">
+              <a:t>重点</a:t>
+            </a:r>
+          </a:p>
+        </p:txBody>
+      </p:sp>
+      <p:sp>
+        <p:nvSpPr>
+          <p:cNvPr id="3" name="文本框 2">
             <a:extLst>
               <a:ext uri="{FF2B5EF4-FFF2-40B4-BE49-F238E27FC236}">
-                <a16:creationId xmlns:a16="http://schemas.microsoft.com/office/drawing/2014/main" xmlns="" id="{881044DB-5DAA-45FE-B324-1F8A47186361}"/>
+                <a16:creationId xmlns:a16="http://schemas.microsoft.com/office/drawing/2014/main" id="{AFF59FF6-EC7D-483C-A6DB-530218550776}"/>
               </a:ext>
             </a:extLst>
           </p:cNvPr>
@@ -12924,8 +13323,8 @@
         </p:nvSpPr>
         <p:spPr>
           <a:xfrm>
-            <a:off x="4058444" y="2343152"/>
-            <a:ext cx="5385594" cy="2062103"/>
+            <a:off x="1170039" y="1750142"/>
+            <a:ext cx="8495071" cy="2585323"/>
           </a:xfrm>
           <a:prstGeom prst="rect">
             <a:avLst/>
@@ -12938,105 +13337,233 @@
           </a:bodyPr>
           <a:lstStyle/>
           <a:p>
-            <a:pPr marL="514350" indent="-514350">
+            <a:pPr marL="285750" indent="-285750">
               <a:lnSpc>
-                <a:spcPct val="200000"/>
+                <a:spcPct val="150000"/>
               </a:lnSpc>
-              <a:buFont typeface="+mj-ea"/>
-              <a:buAutoNum type="ea1JpnChsDbPeriod"/>
+              <a:buFont typeface="Arial" panose="020B0604020202020204" pitchFamily="34" charset="0"/>
+              <a:buChar char="•"/>
             </a:pPr>
             <a:r>
-              <a:rPr lang="zh-CN" altLang="en-US" sz="2000" dirty="0">
-                <a:solidFill>
-                  <a:schemeClr val="tx1">
-                    <a:lumMod val="65000"/>
-                    <a:lumOff val="35000"/>
-                  </a:schemeClr>
-                </a:solidFill>
-                <a:latin typeface="微软雅黑" panose="020B0503020204020204" pitchFamily="34" charset="-122"/>
+              <a:rPr lang="zh-CN" altLang="en-US" dirty="0">
+                <a:latin typeface="Consolas" panose="020B0609020204030204" pitchFamily="49" charset="0"/>
                 <a:ea typeface="微软雅黑" panose="020B0503020204020204" pitchFamily="34" charset="-122"/>
               </a:rPr>
-              <a:t>整体脉络</a:t>
-            </a:r>
-            <a:endParaRPr lang="en-US" altLang="zh-CN" sz="2000" dirty="0">
-              <a:solidFill>
-                <a:schemeClr val="tx1">
-                  <a:lumMod val="65000"/>
-                  <a:lumOff val="35000"/>
-                </a:schemeClr>
-              </a:solidFill>
-              <a:latin typeface="微软雅黑" panose="020B0503020204020204" pitchFamily="34" charset="-122"/>
+              <a:t>配置安全域名不支持</a:t>
+            </a:r>
+            <a:r>
+              <a:rPr lang="en-US" altLang="zh-CN" dirty="0">
+                <a:latin typeface="Consolas" panose="020B0609020204030204" pitchFamily="49" charset="0"/>
+                <a:ea typeface="微软雅黑" panose="020B0503020204020204" pitchFamily="34" charset="-122"/>
+              </a:rPr>
+              <a:t>IP</a:t>
+            </a:r>
+            <a:r>
+              <a:rPr lang="zh-CN" altLang="en-US" dirty="0">
+                <a:latin typeface="Consolas" panose="020B0609020204030204" pitchFamily="49" charset="0"/>
+                <a:ea typeface="微软雅黑" panose="020B0503020204020204" pitchFamily="34" charset="-122"/>
+              </a:rPr>
+              <a:t>地址，端口号以及短链域名，并且填写的域名须通过</a:t>
+            </a:r>
+            <a:r>
+              <a:rPr lang="en-US" altLang="zh-CN" dirty="0">
+                <a:latin typeface="Consolas" panose="020B0609020204030204" pitchFamily="49" charset="0"/>
+                <a:ea typeface="微软雅黑" panose="020B0503020204020204" pitchFamily="34" charset="-122"/>
+              </a:rPr>
+              <a:t>ICP</a:t>
+            </a:r>
+            <a:r>
+              <a:rPr lang="zh-CN" altLang="en-US" dirty="0">
+                <a:latin typeface="Consolas" panose="020B0609020204030204" pitchFamily="49" charset="0"/>
+                <a:ea typeface="微软雅黑" panose="020B0503020204020204" pitchFamily="34" charset="-122"/>
+              </a:rPr>
+              <a:t>备案的验证。</a:t>
+            </a:r>
+            <a:endParaRPr lang="en-US" altLang="zh-CN" dirty="0">
+              <a:latin typeface="Consolas" panose="020B0609020204030204" pitchFamily="49" charset="0"/>
               <a:ea typeface="微软雅黑" panose="020B0503020204020204" pitchFamily="34" charset="-122"/>
             </a:endParaRPr>
           </a:p>
           <a:p>
-            <a:pPr marL="514350" indent="-514350">
+            <a:pPr marL="285750" indent="-285750">
               <a:lnSpc>
-                <a:spcPct val="200000"/>
+                <a:spcPct val="150000"/>
               </a:lnSpc>
-              <a:buFont typeface="+mj-ea"/>
-              <a:buAutoNum type="ea1JpnChsDbPeriod"/>
+              <a:buFont typeface="Arial" panose="020B0604020202020204" pitchFamily="34" charset="0"/>
+              <a:buChar char="•"/>
             </a:pPr>
             <a:r>
-              <a:rPr lang="zh-CN" altLang="en-US" sz="2000" dirty="0">
-                <a:solidFill>
-                  <a:schemeClr val="tx1">
-                    <a:lumMod val="65000"/>
-                    <a:lumOff val="35000"/>
-                  </a:schemeClr>
-                </a:solidFill>
-                <a:latin typeface="微软雅黑" panose="020B0503020204020204" pitchFamily="34" charset="-122"/>
+              <a:rPr lang="zh-CN" altLang="en-US" dirty="0">
+                <a:latin typeface="Consolas" panose="020B0609020204030204" pitchFamily="49" charset="0"/>
                 <a:ea typeface="微软雅黑" panose="020B0503020204020204" pitchFamily="34" charset="-122"/>
               </a:rPr>
-              <a:t>重点回顾</a:t>
-            </a:r>
-            <a:endParaRPr lang="en-US" altLang="zh-CN" sz="2000" dirty="0">
-              <a:solidFill>
-                <a:schemeClr val="tx1">
-                  <a:lumMod val="65000"/>
-                  <a:lumOff val="35000"/>
-                </a:schemeClr>
-              </a:solidFill>
-              <a:latin typeface="微软雅黑" panose="020B0503020204020204" pitchFamily="34" charset="-122"/>
+              <a:t>配置修改每个月可以改</a:t>
+            </a:r>
+            <a:r>
+              <a:rPr lang="en-US" altLang="zh-CN" dirty="0">
+                <a:latin typeface="Consolas" panose="020B0609020204030204" pitchFamily="49" charset="0"/>
+                <a:ea typeface="微软雅黑" panose="020B0503020204020204" pitchFamily="34" charset="-122"/>
+              </a:rPr>
+              <a:t>3</a:t>
+            </a:r>
+            <a:r>
+              <a:rPr lang="zh-CN" altLang="en-US" dirty="0">
+                <a:latin typeface="Consolas" panose="020B0609020204030204" pitchFamily="49" charset="0"/>
+                <a:ea typeface="微软雅黑" panose="020B0503020204020204" pitchFamily="34" charset="-122"/>
+              </a:rPr>
+              <a:t>次。</a:t>
+            </a:r>
+            <a:endParaRPr lang="en-US" altLang="zh-CN" dirty="0">
+              <a:latin typeface="Consolas" panose="020B0609020204030204" pitchFamily="49" charset="0"/>
               <a:ea typeface="微软雅黑" panose="020B0503020204020204" pitchFamily="34" charset="-122"/>
             </a:endParaRPr>
           </a:p>
           <a:p>
-            <a:pPr marL="514350" indent="-514350">
+            <a:pPr marL="285750" indent="-285750">
               <a:lnSpc>
-                <a:spcPct val="200000"/>
+                <a:spcPct val="150000"/>
               </a:lnSpc>
-              <a:buFont typeface="+mj-ea"/>
-              <a:buAutoNum type="ea1JpnChsDbPeriod"/>
+              <a:buFont typeface="Arial" panose="020B0604020202020204" pitchFamily="34" charset="0"/>
+              <a:buChar char="•"/>
             </a:pPr>
             <a:r>
-              <a:rPr lang="zh-CN" altLang="en-US" sz="2400" dirty="0">
-                <a:solidFill>
-                  <a:schemeClr val="accent6">
-                    <a:lumMod val="75000"/>
-                  </a:schemeClr>
-                </a:solidFill>
-                <a:latin typeface="微软雅黑" panose="020B0503020204020204" pitchFamily="34" charset="-122"/>
+              <a:rPr lang="zh-CN" altLang="en-US" dirty="0">
+                <a:latin typeface="Consolas" panose="020B0609020204030204" pitchFamily="49" charset="0"/>
                 <a:ea typeface="微软雅黑" panose="020B0503020204020204" pitchFamily="34" charset="-122"/>
               </a:rPr>
-              <a:t>思考总结</a:t>
-            </a:r>
-            <a:endParaRPr lang="en-US" altLang="zh-CN" sz="2400" dirty="0">
-              <a:solidFill>
-                <a:schemeClr val="accent6">
-                  <a:lumMod val="75000"/>
-                </a:schemeClr>
-              </a:solidFill>
-              <a:latin typeface="微软雅黑" panose="020B0503020204020204" pitchFamily="34" charset="-122"/>
+              <a:t>配置域名可填写</a:t>
+            </a:r>
+            <a:r>
+              <a:rPr lang="en-US" altLang="zh-CN" dirty="0">
+                <a:latin typeface="Consolas" panose="020B0609020204030204" pitchFamily="49" charset="0"/>
+                <a:ea typeface="微软雅黑" panose="020B0503020204020204" pitchFamily="34" charset="-122"/>
+              </a:rPr>
+              <a:t>3</a:t>
+            </a:r>
+            <a:r>
+              <a:rPr lang="zh-CN" altLang="en-US" dirty="0">
+                <a:latin typeface="Consolas" panose="020B0609020204030204" pitchFamily="49" charset="0"/>
+                <a:ea typeface="微软雅黑" panose="020B0503020204020204" pitchFamily="34" charset="-122"/>
+              </a:rPr>
+              <a:t>个，但是测试号只能填写一个。</a:t>
+            </a:r>
+            <a:endParaRPr lang="en-US" altLang="zh-CN" dirty="0">
+              <a:latin typeface="Consolas" panose="020B0609020204030204" pitchFamily="49" charset="0"/>
               <a:ea typeface="微软雅黑" panose="020B0503020204020204" pitchFamily="34" charset="-122"/>
             </a:endParaRPr>
+          </a:p>
+          <a:p>
+            <a:pPr marL="285750" indent="-285750">
+              <a:lnSpc>
+                <a:spcPct val="150000"/>
+              </a:lnSpc>
+              <a:buFont typeface="Arial" panose="020B0604020202020204" pitchFamily="34" charset="0"/>
+              <a:buChar char="•"/>
+            </a:pPr>
+            <a:r>
+              <a:rPr lang="zh-CN" altLang="en-US" dirty="0">
+                <a:latin typeface="Consolas" panose="020B0609020204030204" pitchFamily="49" charset="0"/>
+                <a:ea typeface="微软雅黑" panose="020B0503020204020204" pitchFamily="34" charset="-122"/>
+              </a:rPr>
+              <a:t>注意配置签名的方式要使用</a:t>
+            </a:r>
+            <a:r>
+              <a:rPr lang="en-US" altLang="zh-CN" dirty="0">
+                <a:latin typeface="Consolas" panose="020B0609020204030204" pitchFamily="49" charset="0"/>
+                <a:ea typeface="微软雅黑" panose="020B0503020204020204" pitchFamily="34" charset="-122"/>
+              </a:rPr>
+              <a:t>PHP</a:t>
+            </a:r>
+            <a:r>
+              <a:rPr lang="zh-CN" altLang="en-US" dirty="0">
+                <a:latin typeface="Consolas" panose="020B0609020204030204" pitchFamily="49" charset="0"/>
+                <a:ea typeface="微软雅黑" panose="020B0503020204020204" pitchFamily="34" charset="-122"/>
+              </a:rPr>
+              <a:t>的</a:t>
+            </a:r>
+            <a:r>
+              <a:rPr lang="en-US" altLang="zh-CN" dirty="0" err="1">
+                <a:latin typeface="Consolas" panose="020B0609020204030204" pitchFamily="49" charset="0"/>
+                <a:ea typeface="微软雅黑" panose="020B0503020204020204" pitchFamily="34" charset="-122"/>
+              </a:rPr>
+              <a:t>ksort</a:t>
+            </a:r>
+            <a:r>
+              <a:rPr lang="zh-CN" altLang="en-US" dirty="0">
+                <a:latin typeface="Consolas" panose="020B0609020204030204" pitchFamily="49" charset="0"/>
+                <a:ea typeface="微软雅黑" panose="020B0503020204020204" pitchFamily="34" charset="-122"/>
+              </a:rPr>
+              <a:t>对键值排序而不是数据值。</a:t>
+            </a:r>
+            <a:endParaRPr lang="en-US" altLang="zh-CN" dirty="0">
+              <a:latin typeface="Consolas" panose="020B0609020204030204" pitchFamily="49" charset="0"/>
+              <a:ea typeface="微软雅黑" panose="020B0503020204020204" pitchFamily="34" charset="-122"/>
+            </a:endParaRPr>
+          </a:p>
+          <a:p>
+            <a:pPr marL="285750" indent="-285750">
+              <a:lnSpc>
+                <a:spcPct val="150000"/>
+              </a:lnSpc>
+              <a:buFont typeface="Arial" panose="020B0604020202020204" pitchFamily="34" charset="0"/>
+              <a:buChar char="•"/>
+            </a:pPr>
+            <a:r>
+              <a:rPr lang="zh-CN" altLang="en-US" dirty="0">
+                <a:latin typeface="Consolas" panose="020B0609020204030204" pitchFamily="49" charset="0"/>
+                <a:ea typeface="微软雅黑" panose="020B0503020204020204" pitchFamily="34" charset="-122"/>
+              </a:rPr>
+              <a:t>使用</a:t>
+            </a:r>
+            <a:r>
+              <a:rPr lang="en-US" altLang="zh-CN" dirty="0">
+                <a:latin typeface="Consolas" panose="020B0609020204030204" pitchFamily="49" charset="0"/>
+                <a:ea typeface="微软雅黑" panose="020B0503020204020204" pitchFamily="34" charset="-122"/>
+              </a:rPr>
+              <a:t>JS-SDK</a:t>
+            </a:r>
+            <a:r>
+              <a:rPr lang="zh-CN" altLang="en-US" dirty="0">
+                <a:latin typeface="Consolas" panose="020B0609020204030204" pitchFamily="49" charset="0"/>
+                <a:ea typeface="微软雅黑" panose="020B0503020204020204" pitchFamily="34" charset="-122"/>
+              </a:rPr>
+              <a:t>时，以</a:t>
+            </a:r>
+            <a:r>
+              <a:rPr lang="en-US" altLang="zh-CN" dirty="0">
+                <a:latin typeface="Consolas" panose="020B0609020204030204" pitchFamily="49" charset="0"/>
+                <a:ea typeface="微软雅黑" panose="020B0503020204020204" pitchFamily="34" charset="-122"/>
+              </a:rPr>
+              <a:t>on</a:t>
+            </a:r>
+            <a:r>
+              <a:rPr lang="zh-CN" altLang="en-US" dirty="0">
+                <a:latin typeface="Consolas" panose="020B0609020204030204" pitchFamily="49" charset="0"/>
+                <a:ea typeface="微软雅黑" panose="020B0503020204020204" pitchFamily="34" charset="-122"/>
+              </a:rPr>
+              <a:t>开头的接口要放在</a:t>
+            </a:r>
+            <a:r>
+              <a:rPr lang="en-US" altLang="zh-CN" dirty="0">
+                <a:latin typeface="Consolas" panose="020B0609020204030204" pitchFamily="49" charset="0"/>
+                <a:ea typeface="微软雅黑" panose="020B0503020204020204" pitchFamily="34" charset="-122"/>
+              </a:rPr>
+              <a:t>ready</a:t>
+            </a:r>
+            <a:r>
+              <a:rPr lang="zh-CN" altLang="en-US" dirty="0">
+                <a:latin typeface="Consolas" panose="020B0609020204030204" pitchFamily="49" charset="0"/>
+                <a:ea typeface="微软雅黑" panose="020B0503020204020204" pitchFamily="34" charset="-122"/>
+              </a:rPr>
+              <a:t>函数中进行配置。</a:t>
+            </a:r>
           </a:p>
         </p:txBody>
       </p:sp>
     </p:spTree>
     <p:extLst>
       <p:ext uri="{BB962C8B-B14F-4D97-AF65-F5344CB8AC3E}">
-        <p14:creationId xmlns:p14="http://schemas.microsoft.com/office/powerpoint/2010/main" val="1928010297"/>
+        <p14:creationId xmlns:p14="http://schemas.microsoft.com/office/powerpoint/2010/main" val="3020456092"/>
       </p:ext>
     </p:extLst>
   </p:cSld>
@@ -13065,18 +13592,18 @@
       </p:grpSpPr>
       <p:sp>
         <p:nvSpPr>
-          <p:cNvPr id="3" name="内容占位符 2"/>
+          <p:cNvPr id="2" name="内容占位符 1"/>
           <p:cNvSpPr>
             <a:spLocks noGrp="1"/>
           </p:cNvSpPr>
           <p:nvPr>
-            <p:ph sz="quarter" idx="15"/>
+            <p:ph sz="quarter" idx="13"/>
           </p:nvPr>
         </p:nvSpPr>
         <p:spPr>
           <a:xfrm>
-            <a:off x="917622" y="516340"/>
-            <a:ext cx="7705268" cy="685800"/>
+            <a:off x="1054099" y="543636"/>
+            <a:ext cx="7032626" cy="685800"/>
           </a:xfrm>
         </p:spPr>
         <p:txBody>
@@ -13085,7 +13612,7 @@
           <a:p>
             <a:r>
               <a:rPr lang="zh-CN" altLang="en-US" b="0" dirty="0"/>
-              <a:t>对微信平台的一点思考</a:t>
+              <a:t>服务器的配置</a:t>
             </a:r>
           </a:p>
         </p:txBody>
@@ -13093,7 +13620,7 @@
     </p:spTree>
     <p:extLst>
       <p:ext uri="{BB962C8B-B14F-4D97-AF65-F5344CB8AC3E}">
-        <p14:creationId xmlns:p14="http://schemas.microsoft.com/office/powerpoint/2010/main" val="1443497594"/>
+        <p14:creationId xmlns:p14="http://schemas.microsoft.com/office/powerpoint/2010/main" val="3571643430"/>
       </p:ext>
     </p:extLst>
   </p:cSld>
@@ -13122,18 +13649,18 @@
       </p:grpSpPr>
       <p:sp>
         <p:nvSpPr>
-          <p:cNvPr id="3" name="内容占位符 2"/>
+          <p:cNvPr id="2" name="内容占位符 1"/>
           <p:cNvSpPr>
             <a:spLocks noGrp="1"/>
           </p:cNvSpPr>
           <p:nvPr>
-            <p:ph sz="quarter" idx="15"/>
+            <p:ph sz="quarter" idx="13"/>
           </p:nvPr>
         </p:nvSpPr>
         <p:spPr>
           <a:xfrm>
-            <a:off x="917622" y="516340"/>
-            <a:ext cx="7705268" cy="685800"/>
+            <a:off x="1054100" y="543636"/>
+            <a:ext cx="7304088" cy="685800"/>
           </a:xfrm>
         </p:spPr>
         <p:txBody>
@@ -13142,15 +13669,138 @@
           <a:p>
             <a:r>
               <a:rPr lang="zh-CN" altLang="en-US" b="0" dirty="0"/>
-              <a:t>实际业务的需求</a:t>
-            </a:r>
+              <a:t>第三讲</a:t>
+            </a:r>
+          </a:p>
+        </p:txBody>
+      </p:sp>
+      <p:sp>
+        <p:nvSpPr>
+          <p:cNvPr id="4" name="文本框 3">
+            <a:extLst>
+              <a:ext uri="{FF2B5EF4-FFF2-40B4-BE49-F238E27FC236}">
+                <a16:creationId xmlns:a16="http://schemas.microsoft.com/office/drawing/2014/main" id="{881044DB-5DAA-45FE-B324-1F8A47186361}"/>
+              </a:ext>
+            </a:extLst>
+          </p:cNvPr>
+          <p:cNvSpPr txBox="1"/>
+          <p:nvPr/>
+        </p:nvSpPr>
+        <p:spPr>
+          <a:xfrm>
+            <a:off x="4058444" y="2343152"/>
+            <a:ext cx="5385594" cy="2062103"/>
+          </a:xfrm>
+          <a:prstGeom prst="rect">
+            <a:avLst/>
+          </a:prstGeom>
+          <a:noFill/>
+        </p:spPr>
+        <p:txBody>
+          <a:bodyPr wrap="square" rtlCol="0">
+            <a:spAutoFit/>
+          </a:bodyPr>
+          <a:lstStyle/>
+          <a:p>
+            <a:pPr marL="514350" indent="-514350">
+              <a:lnSpc>
+                <a:spcPct val="200000"/>
+              </a:lnSpc>
+              <a:buFont typeface="+mj-ea"/>
+              <a:buAutoNum type="ea1JpnChsDbPeriod"/>
+            </a:pPr>
+            <a:r>
+              <a:rPr lang="zh-CN" altLang="en-US" sz="2000" dirty="0">
+                <a:solidFill>
+                  <a:schemeClr val="tx1">
+                    <a:lumMod val="65000"/>
+                    <a:lumOff val="35000"/>
+                  </a:schemeClr>
+                </a:solidFill>
+                <a:latin typeface="微软雅黑" panose="020B0503020204020204" pitchFamily="34" charset="-122"/>
+                <a:ea typeface="微软雅黑" panose="020B0503020204020204" pitchFamily="34" charset="-122"/>
+              </a:rPr>
+              <a:t>整体脉络</a:t>
+            </a:r>
+            <a:endParaRPr lang="en-US" altLang="zh-CN" sz="2000" dirty="0">
+              <a:solidFill>
+                <a:schemeClr val="tx1">
+                  <a:lumMod val="65000"/>
+                  <a:lumOff val="35000"/>
+                </a:schemeClr>
+              </a:solidFill>
+              <a:latin typeface="微软雅黑" panose="020B0503020204020204" pitchFamily="34" charset="-122"/>
+              <a:ea typeface="微软雅黑" panose="020B0503020204020204" pitchFamily="34" charset="-122"/>
+            </a:endParaRPr>
+          </a:p>
+          <a:p>
+            <a:pPr marL="514350" indent="-514350">
+              <a:lnSpc>
+                <a:spcPct val="200000"/>
+              </a:lnSpc>
+              <a:buFont typeface="+mj-ea"/>
+              <a:buAutoNum type="ea1JpnChsDbPeriod"/>
+            </a:pPr>
+            <a:r>
+              <a:rPr lang="zh-CN" altLang="en-US" sz="2000" dirty="0">
+                <a:solidFill>
+                  <a:schemeClr val="tx1">
+                    <a:lumMod val="65000"/>
+                    <a:lumOff val="35000"/>
+                  </a:schemeClr>
+                </a:solidFill>
+                <a:latin typeface="微软雅黑" panose="020B0503020204020204" pitchFamily="34" charset="-122"/>
+                <a:ea typeface="微软雅黑" panose="020B0503020204020204" pitchFamily="34" charset="-122"/>
+              </a:rPr>
+              <a:t>重点回顾</a:t>
+            </a:r>
+            <a:endParaRPr lang="en-US" altLang="zh-CN" sz="2000" dirty="0">
+              <a:solidFill>
+                <a:schemeClr val="tx1">
+                  <a:lumMod val="65000"/>
+                  <a:lumOff val="35000"/>
+                </a:schemeClr>
+              </a:solidFill>
+              <a:latin typeface="微软雅黑" panose="020B0503020204020204" pitchFamily="34" charset="-122"/>
+              <a:ea typeface="微软雅黑" panose="020B0503020204020204" pitchFamily="34" charset="-122"/>
+            </a:endParaRPr>
+          </a:p>
+          <a:p>
+            <a:pPr marL="514350" indent="-514350">
+              <a:lnSpc>
+                <a:spcPct val="200000"/>
+              </a:lnSpc>
+              <a:buFont typeface="+mj-ea"/>
+              <a:buAutoNum type="ea1JpnChsDbPeriod"/>
+            </a:pPr>
+            <a:r>
+              <a:rPr lang="zh-CN" altLang="en-US" sz="2400" dirty="0">
+                <a:solidFill>
+                  <a:schemeClr val="accent6">
+                    <a:lumMod val="75000"/>
+                  </a:schemeClr>
+                </a:solidFill>
+                <a:latin typeface="微软雅黑" panose="020B0503020204020204" pitchFamily="34" charset="-122"/>
+                <a:ea typeface="微软雅黑" panose="020B0503020204020204" pitchFamily="34" charset="-122"/>
+              </a:rPr>
+              <a:t>总结</a:t>
+            </a:r>
+            <a:endParaRPr lang="en-US" altLang="zh-CN" sz="2400" dirty="0">
+              <a:solidFill>
+                <a:schemeClr val="accent6">
+                  <a:lumMod val="75000"/>
+                </a:schemeClr>
+              </a:solidFill>
+              <a:latin typeface="微软雅黑" panose="020B0503020204020204" pitchFamily="34" charset="-122"/>
+              <a:ea typeface="微软雅黑" panose="020B0503020204020204" pitchFamily="34" charset="-122"/>
+            </a:endParaRPr>
           </a:p>
         </p:txBody>
       </p:sp>
     </p:spTree>
     <p:extLst>
       <p:ext uri="{BB962C8B-B14F-4D97-AF65-F5344CB8AC3E}">
-        <p14:creationId xmlns:p14="http://schemas.microsoft.com/office/powerpoint/2010/main" val="2026224558"/>
+        <p14:creationId xmlns:p14="http://schemas.microsoft.com/office/powerpoint/2010/main" val="1928010297"/>
       </p:ext>
     </p:extLst>
   </p:cSld>
@@ -13190,7 +13840,7 @@
         <p:spPr>
           <a:xfrm>
             <a:off x="917622" y="516340"/>
-            <a:ext cx="8236210" cy="685800"/>
+            <a:ext cx="7705268" cy="685800"/>
           </a:xfrm>
         </p:spPr>
         <p:txBody>
@@ -13199,104 +13849,15 @@
           <a:p>
             <a:r>
               <a:rPr lang="zh-CN" altLang="en-US" b="0" dirty="0"/>
-              <a:t>公众号管理</a:t>
-            </a:r>
-            <a:r>
-              <a:rPr lang="zh-CN" altLang="en-US" b="0" dirty="0" smtClean="0"/>
-              <a:t>后台</a:t>
-            </a:r>
-            <a:endParaRPr lang="zh-CN" altLang="en-US" b="0" dirty="0"/>
-          </a:p>
-        </p:txBody>
-      </p:sp>
-      <p:sp>
-        <p:nvSpPr>
-          <p:cNvPr id="2" name="文本框 1"/>
-          <p:cNvSpPr txBox="1"/>
-          <p:nvPr/>
-        </p:nvSpPr>
-        <p:spPr>
-          <a:xfrm>
-            <a:off x="1158240" y="1844040"/>
-            <a:ext cx="8519160" cy="1445717"/>
-          </a:xfrm>
-          <a:prstGeom prst="rect">
-            <a:avLst/>
-          </a:prstGeom>
-          <a:noFill/>
-        </p:spPr>
-        <p:txBody>
-          <a:bodyPr wrap="square" rtlCol="0">
-            <a:spAutoFit/>
-          </a:bodyPr>
-          <a:lstStyle/>
-          <a:p>
-            <a:pPr marL="285750" indent="-285750">
-              <a:lnSpc>
-                <a:spcPts val="2700"/>
-              </a:lnSpc>
-              <a:buFont typeface="Arial" panose="020B0604020202020204" pitchFamily="34" charset="0"/>
-              <a:buChar char="•"/>
-            </a:pPr>
-            <a:r>
-              <a:rPr lang="zh-CN" altLang="en-US" dirty="0" smtClean="0">
-                <a:latin typeface="微软雅黑" panose="020B0503020204020204" pitchFamily="34" charset="-122"/>
-                <a:ea typeface="微软雅黑" panose="020B0503020204020204" pitchFamily="34" charset="-122"/>
-              </a:rPr>
-              <a:t>公众号管理后台已经实现了大部分运用公众号的基本操作，大部分操作直接登录完成即可，比自己开发一套出来要方便省时。</a:t>
-            </a:r>
-            <a:endParaRPr lang="en-US" altLang="zh-CN" dirty="0" smtClean="0">
-              <a:latin typeface="微软雅黑" panose="020B0503020204020204" pitchFamily="34" charset="-122"/>
-              <a:ea typeface="微软雅黑" panose="020B0503020204020204" pitchFamily="34" charset="-122"/>
-            </a:endParaRPr>
-          </a:p>
-          <a:p>
-            <a:pPr marL="285750" indent="-285750">
-              <a:lnSpc>
-                <a:spcPts val="2700"/>
-              </a:lnSpc>
-              <a:buFont typeface="Arial" panose="020B0604020202020204" pitchFamily="34" charset="0"/>
-              <a:buChar char="•"/>
-            </a:pPr>
-            <a:r>
-              <a:rPr lang="zh-CN" altLang="en-US" dirty="0">
-                <a:latin typeface="微软雅黑" panose="020B0503020204020204" pitchFamily="34" charset="-122"/>
-                <a:ea typeface="微软雅黑" panose="020B0503020204020204" pitchFamily="34" charset="-122"/>
-              </a:rPr>
-              <a:t>如果</a:t>
-            </a:r>
-            <a:r>
-              <a:rPr lang="zh-CN" altLang="en-US" dirty="0" smtClean="0">
-                <a:latin typeface="微软雅黑" panose="020B0503020204020204" pitchFamily="34" charset="-122"/>
-                <a:ea typeface="微软雅黑" panose="020B0503020204020204" pitchFamily="34" charset="-122"/>
-              </a:rPr>
-              <a:t>是需要原始的</a:t>
-            </a:r>
-            <a:r>
-              <a:rPr lang="en-US" altLang="zh-CN" dirty="0" smtClean="0">
-                <a:latin typeface="微软雅黑" panose="020B0503020204020204" pitchFamily="34" charset="-122"/>
-                <a:ea typeface="微软雅黑" panose="020B0503020204020204" pitchFamily="34" charset="-122"/>
-              </a:rPr>
-              <a:t>JSON</a:t>
-            </a:r>
-            <a:r>
-              <a:rPr lang="zh-CN" altLang="en-US" dirty="0" smtClean="0">
-                <a:latin typeface="微软雅黑" panose="020B0503020204020204" pitchFamily="34" charset="-122"/>
-                <a:ea typeface="微软雅黑" panose="020B0503020204020204" pitchFamily="34" charset="-122"/>
-              </a:rPr>
-              <a:t>格式的数据，则需要调用接口查询数据然后返回。回复消息希望更加智能则需要配置接入服务器。</a:t>
-            </a:r>
-            <a:endParaRPr lang="zh-CN" altLang="en-US" dirty="0">
-              <a:latin typeface="微软雅黑" panose="020B0503020204020204" pitchFamily="34" charset="-122"/>
-              <a:ea typeface="微软雅黑" panose="020B0503020204020204" pitchFamily="34" charset="-122"/>
-            </a:endParaRPr>
+              <a:t>对微信平台的一点思考</a:t>
+            </a:r>
           </a:p>
         </p:txBody>
       </p:sp>
     </p:spTree>
     <p:extLst>
       <p:ext uri="{BB962C8B-B14F-4D97-AF65-F5344CB8AC3E}">
-        <p14:creationId xmlns:p14="http://schemas.microsoft.com/office/powerpoint/2010/main" val="247829176"/>
+        <p14:creationId xmlns:p14="http://schemas.microsoft.com/office/powerpoint/2010/main" val="1443497594"/>
       </p:ext>
     </p:extLst>
   </p:cSld>
@@ -13336,7 +13897,7 @@
         <p:spPr>
           <a:xfrm>
             <a:off x="917622" y="516340"/>
-            <a:ext cx="6840030" cy="685800"/>
+            <a:ext cx="7705268" cy="685800"/>
           </a:xfrm>
         </p:spPr>
         <p:txBody>
@@ -13345,7 +13906,7 @@
           <a:p>
             <a:r>
               <a:rPr lang="zh-CN" altLang="en-US" b="0" dirty="0"/>
-              <a:t>自实现管理控制台</a:t>
+              <a:t>实际业务的需求</a:t>
             </a:r>
           </a:p>
         </p:txBody>
@@ -13353,7 +13914,7 @@
     </p:spTree>
     <p:extLst>
       <p:ext uri="{BB962C8B-B14F-4D97-AF65-F5344CB8AC3E}">
-        <p14:creationId xmlns:p14="http://schemas.microsoft.com/office/powerpoint/2010/main" val="1487823445"/>
+        <p14:creationId xmlns:p14="http://schemas.microsoft.com/office/powerpoint/2010/main" val="2026224558"/>
       </p:ext>
     </p:extLst>
   </p:cSld>
@@ -13364,6 +13925,140 @@
 </file>
 
 <file path=ppt/slides/slide16.xml><?xml version="1.0" encoding="utf-8"?>
+<p:sld xmlns:a="http://schemas.openxmlformats.org/drawingml/2006/main" xmlns:r="http://schemas.openxmlformats.org/officeDocument/2006/relationships" xmlns:p="http://schemas.openxmlformats.org/presentationml/2006/main">
+  <p:cSld>
+    <p:spTree>
+      <p:nvGrpSpPr>
+        <p:cNvPr id="1" name=""/>
+        <p:cNvGrpSpPr/>
+        <p:nvPr/>
+      </p:nvGrpSpPr>
+      <p:grpSpPr>
+        <a:xfrm>
+          <a:off x="0" y="0"/>
+          <a:ext cx="0" cy="0"/>
+          <a:chOff x="0" y="0"/>
+          <a:chExt cx="0" cy="0"/>
+        </a:xfrm>
+      </p:grpSpPr>
+      <p:sp>
+        <p:nvSpPr>
+          <p:cNvPr id="3" name="内容占位符 2"/>
+          <p:cNvSpPr>
+            <a:spLocks noGrp="1"/>
+          </p:cNvSpPr>
+          <p:nvPr>
+            <p:ph sz="quarter" idx="15"/>
+          </p:nvPr>
+        </p:nvSpPr>
+        <p:spPr>
+          <a:xfrm>
+            <a:off x="917622" y="516340"/>
+            <a:ext cx="8236210" cy="685800"/>
+          </a:xfrm>
+        </p:spPr>
+        <p:txBody>
+          <a:bodyPr/>
+          <a:lstStyle/>
+          <a:p>
+            <a:r>
+              <a:rPr lang="zh-CN" altLang="en-US" b="0" dirty="0"/>
+              <a:t>公众号管理后台</a:t>
+            </a:r>
+          </a:p>
+        </p:txBody>
+      </p:sp>
+      <p:sp>
+        <p:nvSpPr>
+          <p:cNvPr id="2" name="文本框 1"/>
+          <p:cNvSpPr txBox="1"/>
+          <p:nvPr/>
+        </p:nvSpPr>
+        <p:spPr>
+          <a:xfrm>
+            <a:off x="917622" y="1686724"/>
+            <a:ext cx="9568754" cy="1445717"/>
+          </a:xfrm>
+          <a:prstGeom prst="rect">
+            <a:avLst/>
+          </a:prstGeom>
+          <a:noFill/>
+        </p:spPr>
+        <p:txBody>
+          <a:bodyPr wrap="square" rtlCol="0">
+            <a:spAutoFit/>
+          </a:bodyPr>
+          <a:lstStyle/>
+          <a:p>
+            <a:pPr marL="285750" indent="-285750">
+              <a:lnSpc>
+                <a:spcPts val="2700"/>
+              </a:lnSpc>
+              <a:buFont typeface="Arial" panose="020B0604020202020204" pitchFamily="34" charset="0"/>
+              <a:buChar char="•"/>
+            </a:pPr>
+            <a:r>
+              <a:rPr lang="zh-CN" altLang="en-US" dirty="0">
+                <a:latin typeface="微软雅黑" panose="020B0503020204020204" pitchFamily="34" charset="-122"/>
+                <a:ea typeface="微软雅黑" panose="020B0503020204020204" pitchFamily="34" charset="-122"/>
+              </a:rPr>
+              <a:t>公众号管理后台已经实现了大部分运用公众号的基本操作，大部分操作直接登录完成即可，比自己开发一套出来要方便省时。</a:t>
+            </a:r>
+            <a:endParaRPr lang="en-US" altLang="zh-CN" dirty="0">
+              <a:latin typeface="微软雅黑" panose="020B0503020204020204" pitchFamily="34" charset="-122"/>
+              <a:ea typeface="微软雅黑" panose="020B0503020204020204" pitchFamily="34" charset="-122"/>
+            </a:endParaRPr>
+          </a:p>
+          <a:p>
+            <a:pPr marL="285750" indent="-285750">
+              <a:lnSpc>
+                <a:spcPts val="2700"/>
+              </a:lnSpc>
+              <a:buFont typeface="Arial" panose="020B0604020202020204" pitchFamily="34" charset="0"/>
+              <a:buChar char="•"/>
+            </a:pPr>
+            <a:r>
+              <a:rPr lang="zh-CN" altLang="en-US" dirty="0">
+                <a:latin typeface="微软雅黑" panose="020B0503020204020204" pitchFamily="34" charset="-122"/>
+                <a:ea typeface="微软雅黑" panose="020B0503020204020204" pitchFamily="34" charset="-122"/>
+              </a:rPr>
+              <a:t>如果是需要原始的</a:t>
+            </a:r>
+            <a:r>
+              <a:rPr lang="en-US" altLang="zh-CN" dirty="0">
+                <a:latin typeface="微软雅黑" panose="020B0503020204020204" pitchFamily="34" charset="-122"/>
+                <a:ea typeface="微软雅黑" panose="020B0503020204020204" pitchFamily="34" charset="-122"/>
+              </a:rPr>
+              <a:t>JSON</a:t>
+            </a:r>
+            <a:r>
+              <a:rPr lang="zh-CN" altLang="en-US" dirty="0">
+                <a:latin typeface="微软雅黑" panose="020B0503020204020204" pitchFamily="34" charset="-122"/>
+                <a:ea typeface="微软雅黑" panose="020B0503020204020204" pitchFamily="34" charset="-122"/>
+              </a:rPr>
+              <a:t>格式的数据，则需要调用接口查询数据然后返回。回复消息希望更加智能则需要配置接入服务器。</a:t>
+            </a:r>
+            <a:endParaRPr lang="en-US" altLang="zh-CN" dirty="0">
+              <a:latin typeface="微软雅黑" panose="020B0503020204020204" pitchFamily="34" charset="-122"/>
+              <a:ea typeface="微软雅黑" panose="020B0503020204020204" pitchFamily="34" charset="-122"/>
+            </a:endParaRPr>
+          </a:p>
+        </p:txBody>
+      </p:sp>
+    </p:spTree>
+    <p:extLst>
+      <p:ext uri="{BB962C8B-B14F-4D97-AF65-F5344CB8AC3E}">
+        <p14:creationId xmlns:p14="http://schemas.microsoft.com/office/powerpoint/2010/main" val="247829176"/>
+      </p:ext>
+    </p:extLst>
+  </p:cSld>
+  <p:clrMapOvr>
+    <a:masterClrMapping/>
+  </p:clrMapOvr>
+</p:sld>
+</file>
+
+<file path=ppt/slides/slide17.xml><?xml version="1.0" encoding="utf-8"?>
 <p:sld xmlns:a="http://schemas.openxmlformats.org/drawingml/2006/main" xmlns:r="http://schemas.openxmlformats.org/officeDocument/2006/relationships" xmlns:p="http://schemas.openxmlformats.org/presentationml/2006/main">
   <p:cSld>
     <p:spTree>
@@ -14112,7 +14807,7 @@
         <p:spPr>
           <a:xfrm>
             <a:off x="4058444" y="2343152"/>
-            <a:ext cx="5385594" cy="2196883"/>
+            <a:ext cx="5385594" cy="2308324"/>
           </a:xfrm>
           <a:prstGeom prst="rect">
             <a:avLst/>
@@ -14207,7 +14902,7 @@
                 <a:latin typeface="微软雅黑" panose="020B0503020204020204" pitchFamily="34" charset="-122"/>
                 <a:ea typeface="微软雅黑" panose="020B0503020204020204" pitchFamily="34" charset="-122"/>
               </a:rPr>
-              <a:t>思考总结</a:t>
+              <a:t>总结</a:t>
             </a:r>
             <a:endParaRPr lang="en-US" altLang="zh-CN" sz="2400" dirty="0">
               <a:solidFill>
@@ -14284,7 +14979,7 @@
           <p:cNvPr id="4" name="文本框 3">
             <a:extLst>
               <a:ext uri="{FF2B5EF4-FFF2-40B4-BE49-F238E27FC236}">
-                <a16:creationId xmlns:a16="http://schemas.microsoft.com/office/drawing/2014/main" xmlns="" id="{3D9D4789-303D-467C-AFCF-1F756CE1802A}"/>
+                <a16:creationId xmlns:a16="http://schemas.microsoft.com/office/drawing/2014/main" id="{3D9D4789-303D-467C-AFCF-1F756CE1802A}"/>
               </a:ext>
             </a:extLst>
           </p:cNvPr>
@@ -14387,7 +15082,7 @@
                 <a:latin typeface="微软雅黑" panose="020B0503020204020204" pitchFamily="34" charset="-122"/>
                 <a:ea typeface="微软雅黑" panose="020B0503020204020204" pitchFamily="34" charset="-122"/>
               </a:rPr>
-              <a:t>思考总结</a:t>
+              <a:t>总结</a:t>
             </a:r>
             <a:endParaRPr lang="en-US" altLang="zh-CN" sz="2000" dirty="0">
               <a:solidFill>
@@ -14449,7 +15144,7 @@
           <a:p>
             <a:r>
               <a:rPr lang="zh-CN" altLang="en-US" b="0" dirty="0"/>
-              <a:t>整体梳理</a:t>
+              <a:t>关于本课程</a:t>
             </a:r>
           </a:p>
         </p:txBody>
@@ -14459,7 +15154,7 @@
           <p:cNvPr id="3" name="文本框 2">
             <a:extLst>
               <a:ext uri="{FF2B5EF4-FFF2-40B4-BE49-F238E27FC236}">
-                <a16:creationId xmlns:a16="http://schemas.microsoft.com/office/drawing/2014/main" xmlns="" id="{2AE4CADF-D9FF-4E88-9876-447A15F07A1A}"/>
+                <a16:creationId xmlns:a16="http://schemas.microsoft.com/office/drawing/2014/main" id="{9CD75C41-22C5-4214-8ABA-E17485BBEAD1}"/>
               </a:ext>
             </a:extLst>
           </p:cNvPr>
@@ -14468,8 +15163,8 @@
         </p:nvSpPr>
         <p:spPr>
           <a:xfrm>
-            <a:off x="1327355" y="1769806"/>
-            <a:ext cx="9733935" cy="4062651"/>
+            <a:off x="1054100" y="1877961"/>
+            <a:ext cx="10351319" cy="2539862"/>
           </a:xfrm>
           <a:prstGeom prst="rect">
             <a:avLst/>
@@ -14491,81 +15186,13 @@
             </a:pPr>
             <a:r>
               <a:rPr lang="zh-CN" altLang="en-US" dirty="0">
-                <a:latin typeface="微软雅黑" panose="020B0503020204020204" pitchFamily="34" charset="-122"/>
+                <a:latin typeface="Consolas" panose="020B0609020204030204" pitchFamily="49" charset="0"/>
                 <a:ea typeface="微软雅黑" panose="020B0503020204020204" pitchFamily="34" charset="-122"/>
               </a:rPr>
-              <a:t>本课程可分为三大部分：公众号基础与配置接入服务器；微信消息处理；微信接口调用。</a:t>
+              <a:t>微信公众号的开发者服务器接入与公众号接口开发是面向实际业务场景的，课程上来说属于实践性很强的课程，而且并没有领域的划分，涉及到了前端，后台，服务器配置管理等。</a:t>
             </a:r>
             <a:endParaRPr lang="en-US" altLang="zh-CN" dirty="0">
-              <a:latin typeface="微软雅黑" panose="020B0503020204020204" pitchFamily="34" charset="-122"/>
-              <a:ea typeface="微软雅黑" panose="020B0503020204020204" pitchFamily="34" charset="-122"/>
-            </a:endParaRPr>
-          </a:p>
-          <a:p>
-            <a:pPr marL="742950" lvl="1" indent="-285750">
-              <a:lnSpc>
-                <a:spcPct val="150000"/>
-              </a:lnSpc>
-              <a:buFont typeface="Wingdings" panose="05000000000000000000" pitchFamily="2" charset="2"/>
-              <a:buChar char="Ø"/>
-            </a:pPr>
-            <a:r>
-              <a:rPr lang="zh-CN" altLang="en-US" sz="1600" dirty="0">
-                <a:latin typeface="微软雅黑" panose="020B0503020204020204" pitchFamily="34" charset="-122"/>
-                <a:ea typeface="微软雅黑" panose="020B0503020204020204" pitchFamily="34" charset="-122"/>
-              </a:rPr>
-              <a:t>消息处理是微信客户端发送消息到公众号后，微信服务器会把消息转发到开发者服务器，开发者服务器对此做出相应回复。</a:t>
-            </a:r>
-            <a:endParaRPr lang="en-US" altLang="zh-CN" sz="1600" dirty="0">
-              <a:latin typeface="微软雅黑" panose="020B0503020204020204" pitchFamily="34" charset="-122"/>
-              <a:ea typeface="微软雅黑" panose="020B0503020204020204" pitchFamily="34" charset="-122"/>
-            </a:endParaRPr>
-          </a:p>
-          <a:p>
-            <a:pPr marL="742950" lvl="1" indent="-285750">
-              <a:lnSpc>
-                <a:spcPct val="150000"/>
-              </a:lnSpc>
-              <a:buFont typeface="Wingdings" panose="05000000000000000000" pitchFamily="2" charset="2"/>
-              <a:buChar char="Ø"/>
-            </a:pPr>
-            <a:r>
-              <a:rPr lang="zh-CN" altLang="en-US" sz="1600" dirty="0">
-                <a:latin typeface="微软雅黑" panose="020B0503020204020204" pitchFamily="34" charset="-122"/>
-                <a:ea typeface="微软雅黑" panose="020B0503020204020204" pitchFamily="34" charset="-122"/>
-              </a:rPr>
-              <a:t>接口调用是开发者主动发起请求到微信服务器，并根据返回的结果做处理。</a:t>
-            </a:r>
-            <a:r>
-              <a:rPr lang="en-US" altLang="zh-CN" sz="1600" dirty="0">
-                <a:latin typeface="微软雅黑" panose="020B0503020204020204" pitchFamily="34" charset="-122"/>
-                <a:ea typeface="微软雅黑" panose="020B0503020204020204" pitchFamily="34" charset="-122"/>
-              </a:rPr>
-              <a:t>PHP</a:t>
-            </a:r>
-            <a:r>
-              <a:rPr lang="zh-CN" altLang="en-US" sz="1600" dirty="0">
-                <a:latin typeface="微软雅黑" panose="020B0503020204020204" pitchFamily="34" charset="-122"/>
-                <a:ea typeface="微软雅黑" panose="020B0503020204020204" pitchFamily="34" charset="-122"/>
-              </a:rPr>
-              <a:t>使用</a:t>
-            </a:r>
-            <a:r>
-              <a:rPr lang="en-US" altLang="zh-CN" sz="1600" dirty="0">
-                <a:latin typeface="微软雅黑" panose="020B0503020204020204" pitchFamily="34" charset="-122"/>
-                <a:ea typeface="微软雅黑" panose="020B0503020204020204" pitchFamily="34" charset="-122"/>
-              </a:rPr>
-              <a:t>CURL</a:t>
-            </a:r>
-            <a:r>
-              <a:rPr lang="zh-CN" altLang="en-US" sz="1600" dirty="0">
-                <a:latin typeface="微软雅黑" panose="020B0503020204020204" pitchFamily="34" charset="-122"/>
-                <a:ea typeface="微软雅黑" panose="020B0503020204020204" pitchFamily="34" charset="-122"/>
-              </a:rPr>
-              <a:t>扩展或者是第三方扩展处理请求。</a:t>
-            </a:r>
-            <a:endParaRPr lang="en-US" altLang="zh-CN" sz="1600" dirty="0">
-              <a:latin typeface="微软雅黑" panose="020B0503020204020204" pitchFamily="34" charset="-122"/>
+              <a:latin typeface="Consolas" panose="020B0609020204030204" pitchFamily="49" charset="0"/>
               <a:ea typeface="微软雅黑" panose="020B0503020204020204" pitchFamily="34" charset="-122"/>
             </a:endParaRPr>
           </a:p>
@@ -14579,41 +15206,111 @@
             </a:pPr>
             <a:r>
               <a:rPr lang="zh-CN" altLang="en-US" dirty="0">
-                <a:latin typeface="微软雅黑" panose="020B0503020204020204" pitchFamily="34" charset="-122"/>
+                <a:latin typeface="Consolas" panose="020B0609020204030204" pitchFamily="49" charset="0"/>
                 <a:ea typeface="微软雅黑" panose="020B0503020204020204" pitchFamily="34" charset="-122"/>
               </a:rPr>
-              <a:t>在整个过程中讲解了</a:t>
-            </a:r>
-            <a:r>
-              <a:rPr lang="en-US" altLang="zh-CN" dirty="0" err="1">
-                <a:latin typeface="微软雅黑" panose="020B0503020204020204" pitchFamily="34" charset="-122"/>
+              <a:t>尽管目前的课程后台使用</a:t>
+            </a:r>
+            <a:r>
+              <a:rPr lang="en-US" altLang="zh-CN" dirty="0">
+                <a:latin typeface="Consolas" panose="020B0609020204030204" pitchFamily="49" charset="0"/>
                 <a:ea typeface="微软雅黑" panose="020B0503020204020204" pitchFamily="34" charset="-122"/>
               </a:rPr>
-              <a:t>WeUI</a:t>
+              <a:t>PHP</a:t>
             </a:r>
             <a:r>
               <a:rPr lang="zh-CN" altLang="en-US" dirty="0">
-                <a:latin typeface="微软雅黑" panose="020B0503020204020204" pitchFamily="34" charset="-122"/>
+                <a:latin typeface="Consolas" panose="020B0609020204030204" pitchFamily="49" charset="0"/>
+                <a:ea typeface="微软雅黑" panose="020B0503020204020204" pitchFamily="34" charset="-122"/>
+              </a:rPr>
+              <a:t>处理，但是微信并不限定于语言，后台使用</a:t>
+            </a:r>
+            <a:r>
+              <a:rPr lang="en-US" altLang="zh-CN" dirty="0">
+                <a:latin typeface="Consolas" panose="020B0609020204030204" pitchFamily="49" charset="0"/>
+                <a:ea typeface="微软雅黑" panose="020B0503020204020204" pitchFamily="34" charset="-122"/>
+              </a:rPr>
+              <a:t>Java</a:t>
+            </a:r>
+            <a:r>
+              <a:rPr lang="zh-CN" altLang="en-US" dirty="0">
+                <a:latin typeface="Consolas" panose="020B0609020204030204" pitchFamily="49" charset="0"/>
+                <a:ea typeface="微软雅黑" panose="020B0503020204020204" pitchFamily="34" charset="-122"/>
+              </a:rPr>
+              <a:t>，</a:t>
+            </a:r>
+            <a:r>
+              <a:rPr lang="en-US" altLang="zh-CN" dirty="0">
+                <a:latin typeface="Consolas" panose="020B0609020204030204" pitchFamily="49" charset="0"/>
+                <a:ea typeface="微软雅黑" panose="020B0503020204020204" pitchFamily="34" charset="-122"/>
+              </a:rPr>
+              <a:t>Python</a:t>
+            </a:r>
+            <a:r>
+              <a:rPr lang="zh-CN" altLang="en-US" dirty="0">
+                <a:latin typeface="Consolas" panose="020B0609020204030204" pitchFamily="49" charset="0"/>
+                <a:ea typeface="微软雅黑" panose="020B0503020204020204" pitchFamily="34" charset="-122"/>
+              </a:rPr>
+              <a:t>同样可以处理，处理方式是相同的。但是微信只提供了</a:t>
+            </a:r>
+            <a:r>
+              <a:rPr lang="en-US" altLang="zh-CN" dirty="0">
+                <a:latin typeface="Consolas" panose="020B0609020204030204" pitchFamily="49" charset="0"/>
+                <a:ea typeface="微软雅黑" panose="020B0503020204020204" pitchFamily="34" charset="-122"/>
+              </a:rPr>
+              <a:t>Java</a:t>
+            </a:r>
+            <a:r>
+              <a:rPr lang="zh-CN" altLang="en-US" dirty="0">
+                <a:latin typeface="Consolas" panose="020B0609020204030204" pitchFamily="49" charset="0"/>
                 <a:ea typeface="微软雅黑" panose="020B0503020204020204" pitchFamily="34" charset="-122"/>
               </a:rPr>
               <a:t>与</a:t>
             </a:r>
             <a:r>
               <a:rPr lang="en-US" altLang="zh-CN" dirty="0">
-                <a:latin typeface="微软雅黑" panose="020B0503020204020204" pitchFamily="34" charset="-122"/>
+                <a:latin typeface="Consolas" panose="020B0609020204030204" pitchFamily="49" charset="0"/>
                 <a:ea typeface="微软雅黑" panose="020B0503020204020204" pitchFamily="34" charset="-122"/>
               </a:rPr>
-              <a:t>JS-SDK</a:t>
+              <a:t>PHP</a:t>
             </a:r>
             <a:r>
               <a:rPr lang="zh-CN" altLang="en-US" dirty="0">
-                <a:latin typeface="微软雅黑" panose="020B0503020204020204" pitchFamily="34" charset="-122"/>
+                <a:latin typeface="Consolas" panose="020B0609020204030204" pitchFamily="49" charset="0"/>
                 <a:ea typeface="微软雅黑" panose="020B0503020204020204" pitchFamily="34" charset="-122"/>
               </a:rPr>
-              <a:t>，这些都是微信为了方便开发者而提供的前端工具。</a:t>
+              <a:t>的</a:t>
+            </a:r>
+            <a:r>
+              <a:rPr lang="en-US" altLang="zh-CN" dirty="0">
+                <a:latin typeface="Consolas" panose="020B0609020204030204" pitchFamily="49" charset="0"/>
+                <a:ea typeface="微软雅黑" panose="020B0503020204020204" pitchFamily="34" charset="-122"/>
+              </a:rPr>
+              <a:t>SDK</a:t>
+            </a:r>
+            <a:r>
+              <a:rPr lang="zh-CN" altLang="en-US" dirty="0">
+                <a:latin typeface="Consolas" panose="020B0609020204030204" pitchFamily="49" charset="0"/>
+                <a:ea typeface="微软雅黑" panose="020B0503020204020204" pitchFamily="34" charset="-122"/>
+              </a:rPr>
+              <a:t>与示例</a:t>
+            </a:r>
+            <a:r>
+              <a:rPr lang="en-US" altLang="zh-CN" dirty="0">
+                <a:latin typeface="Consolas" panose="020B0609020204030204" pitchFamily="49" charset="0"/>
+                <a:ea typeface="微软雅黑" panose="020B0503020204020204" pitchFamily="34" charset="-122"/>
+              </a:rPr>
+              <a:t>Demo</a:t>
+            </a:r>
+            <a:r>
+              <a:rPr lang="zh-CN" altLang="en-US" dirty="0">
+                <a:latin typeface="Consolas" panose="020B0609020204030204" pitchFamily="49" charset="0"/>
+                <a:ea typeface="微软雅黑" panose="020B0503020204020204" pitchFamily="34" charset="-122"/>
+              </a:rPr>
+              <a:t>。</a:t>
             </a:r>
             <a:endParaRPr lang="en-US" altLang="zh-CN" dirty="0">
-              <a:latin typeface="微软雅黑" panose="020B0503020204020204" pitchFamily="34" charset="-122"/>
+              <a:latin typeface="Consolas" panose="020B0609020204030204" pitchFamily="49" charset="0"/>
               <a:ea typeface="微软雅黑" panose="020B0503020204020204" pitchFamily="34" charset="-122"/>
             </a:endParaRPr>
           </a:p>
@@ -14627,30 +15324,10 @@
             </a:pPr>
             <a:r>
               <a:rPr lang="zh-CN" altLang="en-US" dirty="0">
-                <a:latin typeface="微软雅黑" panose="020B0503020204020204" pitchFamily="34" charset="-122"/>
+                <a:latin typeface="Consolas" panose="020B0609020204030204" pitchFamily="49" charset="0"/>
                 <a:ea typeface="微软雅黑" panose="020B0503020204020204" pitchFamily="34" charset="-122"/>
               </a:rPr>
-              <a:t>实际上，微信支付并没有在微信开发者文档说明，而是独立的一个模块，在微信支付文档里有详细说明，但是和微信开发联系是很紧密的，实际的工作往往会涉及到微信支付的接口。</a:t>
-            </a:r>
-            <a:endParaRPr lang="en-US" altLang="zh-CN" dirty="0">
-              <a:latin typeface="微软雅黑" panose="020B0503020204020204" pitchFamily="34" charset="-122"/>
-              <a:ea typeface="微软雅黑" panose="020B0503020204020204" pitchFamily="34" charset="-122"/>
-            </a:endParaRPr>
-          </a:p>
-          <a:p>
-            <a:pPr marL="285750" indent="-285750">
-              <a:lnSpc>
-                <a:spcPct val="150000"/>
-              </a:lnSpc>
-              <a:buFont typeface="Arial" panose="020B0604020202020204" pitchFamily="34" charset="0"/>
-              <a:buChar char="•"/>
-            </a:pPr>
-            <a:r>
-              <a:rPr lang="zh-CN" altLang="en-US" dirty="0">
-                <a:latin typeface="微软雅黑" panose="020B0503020204020204" pitchFamily="34" charset="-122"/>
-                <a:ea typeface="微软雅黑" panose="020B0503020204020204" pitchFamily="34" charset="-122"/>
-              </a:rPr>
-              <a:t>网页授权可以用作第三方登录，需要在微信中使用，网站独立的第三方登录是另一个接口，在微信开放平台中接入。</a:t>
+              <a:t>对于微信的开发，更多的是扩展公司的业务，方便接入客户，同时也方便用户找到服务，实际工作中经常涉及到微信开发。所以不能仅仅停留在课程上的简单示例。</a:t>
             </a:r>
           </a:p>
         </p:txBody>
@@ -14658,7 +15335,7 @@
     </p:spTree>
     <p:extLst>
       <p:ext uri="{BB962C8B-B14F-4D97-AF65-F5344CB8AC3E}">
-        <p14:creationId xmlns:p14="http://schemas.microsoft.com/office/powerpoint/2010/main" val="3493166946"/>
+        <p14:creationId xmlns:p14="http://schemas.microsoft.com/office/powerpoint/2010/main" val="1236112881"/>
       </p:ext>
     </p:extLst>
   </p:cSld>
@@ -14695,34 +15372,34 @@
             <p:ph sz="quarter" idx="13"/>
           </p:nvPr>
         </p:nvSpPr>
+        <p:spPr/>
+        <p:txBody>
+          <a:bodyPr/>
+          <a:lstStyle/>
+          <a:p>
+            <a:r>
+              <a:rPr lang="zh-CN" altLang="en-US" b="0" dirty="0"/>
+              <a:t>整体梳理</a:t>
+            </a:r>
+          </a:p>
+        </p:txBody>
+      </p:sp>
+      <p:sp>
+        <p:nvSpPr>
+          <p:cNvPr id="3" name="文本框 2">
+            <a:extLst>
+              <a:ext uri="{FF2B5EF4-FFF2-40B4-BE49-F238E27FC236}">
+                <a16:creationId xmlns:a16="http://schemas.microsoft.com/office/drawing/2014/main" id="{2AE4CADF-D9FF-4E88-9876-447A15F07A1A}"/>
+              </a:ext>
+            </a:extLst>
+          </p:cNvPr>
+          <p:cNvSpPr txBox="1"/>
+          <p:nvPr/>
+        </p:nvSpPr>
         <p:spPr>
           <a:xfrm>
-            <a:off x="1054100" y="543636"/>
-            <a:ext cx="5818188" cy="685800"/>
-          </a:xfrm>
-        </p:spPr>
-        <p:txBody>
-          <a:bodyPr/>
-          <a:lstStyle/>
-          <a:p>
-            <a:r>
-              <a:rPr lang="zh-CN" altLang="en-US" b="0" dirty="0"/>
-              <a:t>组织方式</a:t>
-            </a:r>
-            <a:endParaRPr lang="zh-CN" altLang="en-US" b="0" dirty="0"/>
-          </a:p>
-        </p:txBody>
-      </p:sp>
-      <p:sp>
-        <p:nvSpPr>
-          <p:cNvPr id="3" name="文本框 2"/>
-          <p:cNvSpPr txBox="1"/>
-          <p:nvPr/>
-        </p:nvSpPr>
-        <p:spPr>
-          <a:xfrm>
-            <a:off x="853440" y="1874520"/>
-            <a:ext cx="10073640" cy="2536400"/>
+            <a:off x="1327355" y="1769806"/>
+            <a:ext cx="9733935" cy="4062651"/>
           </a:xfrm>
           <a:prstGeom prst="rect">
             <a:avLst/>
@@ -14743,13 +15420,81 @@
               <a:buChar char="•"/>
             </a:pPr>
             <a:r>
-              <a:rPr lang="zh-CN" altLang="en-US" dirty="0" smtClean="0">
+              <a:rPr lang="zh-CN" altLang="en-US" dirty="0">
                 <a:latin typeface="微软雅黑" panose="020B0503020204020204" pitchFamily="34" charset="-122"/>
                 <a:ea typeface="微软雅黑" panose="020B0503020204020204" pitchFamily="34" charset="-122"/>
               </a:rPr>
-              <a:t>微信服务器转发消息，事件消息通知，网页授权这些可以对接开发者服务器进行十分丰富的功能开发，完成更加完善的业务操作。</a:t>
-            </a:r>
-            <a:endParaRPr lang="en-US" altLang="zh-CN" dirty="0" smtClean="0">
+              <a:t>本课程可分为三大部分：公众号基础与配置接入服务器；微信消息处理；微信接口调用。</a:t>
+            </a:r>
+            <a:endParaRPr lang="en-US" altLang="zh-CN" dirty="0">
+              <a:latin typeface="微软雅黑" panose="020B0503020204020204" pitchFamily="34" charset="-122"/>
+              <a:ea typeface="微软雅黑" panose="020B0503020204020204" pitchFamily="34" charset="-122"/>
+            </a:endParaRPr>
+          </a:p>
+          <a:p>
+            <a:pPr marL="742950" lvl="1" indent="-285750">
+              <a:lnSpc>
+                <a:spcPct val="150000"/>
+              </a:lnSpc>
+              <a:buFont typeface="Wingdings" panose="05000000000000000000" pitchFamily="2" charset="2"/>
+              <a:buChar char="Ø"/>
+            </a:pPr>
+            <a:r>
+              <a:rPr lang="zh-CN" altLang="en-US" sz="1600" dirty="0">
+                <a:latin typeface="微软雅黑" panose="020B0503020204020204" pitchFamily="34" charset="-122"/>
+                <a:ea typeface="微软雅黑" panose="020B0503020204020204" pitchFamily="34" charset="-122"/>
+              </a:rPr>
+              <a:t>消息处理是微信客户端发送消息到公众号后，微信服务器会把消息转发到开发者服务器，开发者服务器对此做出相应回复。</a:t>
+            </a:r>
+            <a:endParaRPr lang="en-US" altLang="zh-CN" sz="1600" dirty="0">
+              <a:latin typeface="微软雅黑" panose="020B0503020204020204" pitchFamily="34" charset="-122"/>
+              <a:ea typeface="微软雅黑" panose="020B0503020204020204" pitchFamily="34" charset="-122"/>
+            </a:endParaRPr>
+          </a:p>
+          <a:p>
+            <a:pPr marL="742950" lvl="1" indent="-285750">
+              <a:lnSpc>
+                <a:spcPct val="150000"/>
+              </a:lnSpc>
+              <a:buFont typeface="Wingdings" panose="05000000000000000000" pitchFamily="2" charset="2"/>
+              <a:buChar char="Ø"/>
+            </a:pPr>
+            <a:r>
+              <a:rPr lang="zh-CN" altLang="en-US" sz="1600" dirty="0">
+                <a:latin typeface="微软雅黑" panose="020B0503020204020204" pitchFamily="34" charset="-122"/>
+                <a:ea typeface="微软雅黑" panose="020B0503020204020204" pitchFamily="34" charset="-122"/>
+              </a:rPr>
+              <a:t>接口调用是开发者主动发起请求到微信服务器，并根据返回的结果做处理。</a:t>
+            </a:r>
+            <a:r>
+              <a:rPr lang="en-US" altLang="zh-CN" sz="1600" dirty="0">
+                <a:latin typeface="微软雅黑" panose="020B0503020204020204" pitchFamily="34" charset="-122"/>
+                <a:ea typeface="微软雅黑" panose="020B0503020204020204" pitchFamily="34" charset="-122"/>
+              </a:rPr>
+              <a:t>PHP</a:t>
+            </a:r>
+            <a:r>
+              <a:rPr lang="zh-CN" altLang="en-US" sz="1600" dirty="0">
+                <a:latin typeface="微软雅黑" panose="020B0503020204020204" pitchFamily="34" charset="-122"/>
+                <a:ea typeface="微软雅黑" panose="020B0503020204020204" pitchFamily="34" charset="-122"/>
+              </a:rPr>
+              <a:t>使用</a:t>
+            </a:r>
+            <a:r>
+              <a:rPr lang="en-US" altLang="zh-CN" sz="1600" dirty="0">
+                <a:latin typeface="微软雅黑" panose="020B0503020204020204" pitchFamily="34" charset="-122"/>
+                <a:ea typeface="微软雅黑" panose="020B0503020204020204" pitchFamily="34" charset="-122"/>
+              </a:rPr>
+              <a:t>CURL</a:t>
+            </a:r>
+            <a:r>
+              <a:rPr lang="zh-CN" altLang="en-US" sz="1600" dirty="0">
+                <a:latin typeface="微软雅黑" panose="020B0503020204020204" pitchFamily="34" charset="-122"/>
+                <a:ea typeface="微软雅黑" panose="020B0503020204020204" pitchFamily="34" charset="-122"/>
+              </a:rPr>
+              <a:t>扩展或者是第三方扩展处理请求。</a:t>
+            </a:r>
+            <a:endParaRPr lang="en-US" altLang="zh-CN" sz="1600" dirty="0">
               <a:latin typeface="微软雅黑" panose="020B0503020204020204" pitchFamily="34" charset="-122"/>
               <a:ea typeface="微软雅黑" panose="020B0503020204020204" pitchFamily="34" charset="-122"/>
             </a:endParaRPr>
@@ -14763,13 +15508,41 @@
               <a:buChar char="•"/>
             </a:pPr>
             <a:r>
-              <a:rPr lang="zh-CN" altLang="en-US" dirty="0" smtClean="0">
+              <a:rPr lang="zh-CN" altLang="en-US" dirty="0">
                 <a:latin typeface="微软雅黑" panose="020B0503020204020204" pitchFamily="34" charset="-122"/>
                 <a:ea typeface="微软雅黑" panose="020B0503020204020204" pitchFamily="34" charset="-122"/>
               </a:rPr>
-              <a:t>微信接口的演示代码要组织成更完整的体系，完善后台的管理的功能，提供网页形式的快速操作工具。</a:t>
-            </a:r>
-            <a:endParaRPr lang="en-US" altLang="zh-CN" dirty="0" smtClean="0">
+              <a:t>在整个过程中讲解了</a:t>
+            </a:r>
+            <a:r>
+              <a:rPr lang="en-US" altLang="zh-CN" dirty="0" err="1">
+                <a:latin typeface="微软雅黑" panose="020B0503020204020204" pitchFamily="34" charset="-122"/>
+                <a:ea typeface="微软雅黑" panose="020B0503020204020204" pitchFamily="34" charset="-122"/>
+              </a:rPr>
+              <a:t>WeUI</a:t>
+            </a:r>
+            <a:r>
+              <a:rPr lang="zh-CN" altLang="en-US" dirty="0">
+                <a:latin typeface="微软雅黑" panose="020B0503020204020204" pitchFamily="34" charset="-122"/>
+                <a:ea typeface="微软雅黑" panose="020B0503020204020204" pitchFamily="34" charset="-122"/>
+              </a:rPr>
+              <a:t>与</a:t>
+            </a:r>
+            <a:r>
+              <a:rPr lang="en-US" altLang="zh-CN" dirty="0">
+                <a:latin typeface="微软雅黑" panose="020B0503020204020204" pitchFamily="34" charset="-122"/>
+                <a:ea typeface="微软雅黑" panose="020B0503020204020204" pitchFamily="34" charset="-122"/>
+              </a:rPr>
+              <a:t>JS-SDK</a:t>
+            </a:r>
+            <a:r>
+              <a:rPr lang="zh-CN" altLang="en-US" dirty="0">
+                <a:latin typeface="微软雅黑" panose="020B0503020204020204" pitchFamily="34" charset="-122"/>
+                <a:ea typeface="微软雅黑" panose="020B0503020204020204" pitchFamily="34" charset="-122"/>
+              </a:rPr>
+              <a:t>，这些都是微信为了方便开发者而提供的前端工具。</a:t>
+            </a:r>
+            <a:endParaRPr lang="en-US" altLang="zh-CN" dirty="0">
               <a:latin typeface="微软雅黑" panose="020B0503020204020204" pitchFamily="34" charset="-122"/>
               <a:ea typeface="微软雅黑" panose="020B0503020204020204" pitchFamily="34" charset="-122"/>
             </a:endParaRPr>
@@ -14787,26 +15560,35 @@
                 <a:latin typeface="微软雅黑" panose="020B0503020204020204" pitchFamily="34" charset="-122"/>
                 <a:ea typeface="微软雅黑" panose="020B0503020204020204" pitchFamily="34" charset="-122"/>
               </a:rPr>
-              <a:t>微</a:t>
-            </a:r>
-            <a:r>
-              <a:rPr lang="zh-CN" altLang="en-US" dirty="0" smtClean="0">
+              <a:t>实际上，微信支付并没有在微信开发者文档说明，而是独立的一个模块，在微信支付文档里有详细说明，但是和微信开发联系是很紧密的，实际的工作往往会涉及到微信支付的接口。</a:t>
+            </a:r>
+            <a:endParaRPr lang="en-US" altLang="zh-CN" dirty="0">
+              <a:latin typeface="微软雅黑" panose="020B0503020204020204" pitchFamily="34" charset="-122"/>
+              <a:ea typeface="微软雅黑" panose="020B0503020204020204" pitchFamily="34" charset="-122"/>
+            </a:endParaRPr>
+          </a:p>
+          <a:p>
+            <a:pPr marL="285750" indent="-285750">
+              <a:lnSpc>
+                <a:spcPct val="150000"/>
+              </a:lnSpc>
+              <a:buFont typeface="Arial" panose="020B0604020202020204" pitchFamily="34" charset="0"/>
+              <a:buChar char="•"/>
+            </a:pPr>
+            <a:r>
+              <a:rPr lang="zh-CN" altLang="en-US" dirty="0">
                 <a:latin typeface="微软雅黑" panose="020B0503020204020204" pitchFamily="34" charset="-122"/>
                 <a:ea typeface="微软雅黑" panose="020B0503020204020204" pitchFamily="34" charset="-122"/>
               </a:rPr>
-              <a:t>信服务器通知开发者服务器后，在必要的时候，可以调用微信接口，所以处理消息与调用接口可以完成非常复杂的功能。</a:t>
-            </a:r>
-            <a:endParaRPr lang="zh-CN" altLang="en-US" dirty="0">
-              <a:latin typeface="微软雅黑" panose="020B0503020204020204" pitchFamily="34" charset="-122"/>
-              <a:ea typeface="微软雅黑" panose="020B0503020204020204" pitchFamily="34" charset="-122"/>
-            </a:endParaRPr>
+              <a:t>网页授权可以用作第三方登录，需要在微信中使用，网站独立的第三方登录是另一个接口，在微信开放平台中接入。</a:t>
+            </a:r>
           </a:p>
         </p:txBody>
       </p:sp>
     </p:spTree>
     <p:extLst>
       <p:ext uri="{BB962C8B-B14F-4D97-AF65-F5344CB8AC3E}">
-        <p14:creationId xmlns:p14="http://schemas.microsoft.com/office/powerpoint/2010/main" val="2865911590"/>
+        <p14:creationId xmlns:p14="http://schemas.microsoft.com/office/powerpoint/2010/main" val="3493166946"/>
       </p:ext>
     </p:extLst>
   </p:cSld>
@@ -14843,14 +15625,98 @@
             <p:ph sz="quarter" idx="13"/>
           </p:nvPr>
         </p:nvSpPr>
-        <p:spPr/>
+        <p:spPr>
+          <a:xfrm>
+            <a:off x="1054100" y="543636"/>
+            <a:ext cx="5818188" cy="685800"/>
+          </a:xfrm>
+        </p:spPr>
         <p:txBody>
           <a:bodyPr/>
           <a:lstStyle/>
           <a:p>
             <a:r>
               <a:rPr lang="zh-CN" altLang="en-US" b="0" dirty="0"/>
-              <a:t>分工与合作</a:t>
+              <a:t>组织方式</a:t>
+            </a:r>
+          </a:p>
+        </p:txBody>
+      </p:sp>
+      <p:sp>
+        <p:nvSpPr>
+          <p:cNvPr id="3" name="文本框 2"/>
+          <p:cNvSpPr txBox="1"/>
+          <p:nvPr/>
+        </p:nvSpPr>
+        <p:spPr>
+          <a:xfrm>
+            <a:off x="853440" y="1874520"/>
+            <a:ext cx="10073640" cy="2536400"/>
+          </a:xfrm>
+          <a:prstGeom prst="rect">
+            <a:avLst/>
+          </a:prstGeom>
+          <a:noFill/>
+        </p:spPr>
+        <p:txBody>
+          <a:bodyPr wrap="square" rtlCol="0">
+            <a:spAutoFit/>
+          </a:bodyPr>
+          <a:lstStyle/>
+          <a:p>
+            <a:pPr marL="285750" indent="-285750">
+              <a:lnSpc>
+                <a:spcPct val="150000"/>
+              </a:lnSpc>
+              <a:buFont typeface="Arial" panose="020B0604020202020204" pitchFamily="34" charset="0"/>
+              <a:buChar char="•"/>
+            </a:pPr>
+            <a:r>
+              <a:rPr lang="zh-CN" altLang="en-US" dirty="0">
+                <a:latin typeface="微软雅黑" panose="020B0503020204020204" pitchFamily="34" charset="-122"/>
+                <a:ea typeface="微软雅黑" panose="020B0503020204020204" pitchFamily="34" charset="-122"/>
+              </a:rPr>
+              <a:t>微信服务器转发消息，事件消息通知，网页授权这些可以对接开发者服务器进行十分丰富的功能开发，完成更加完善的业务操作。</a:t>
+            </a:r>
+            <a:endParaRPr lang="en-US" altLang="zh-CN" dirty="0">
+              <a:latin typeface="微软雅黑" panose="020B0503020204020204" pitchFamily="34" charset="-122"/>
+              <a:ea typeface="微软雅黑" panose="020B0503020204020204" pitchFamily="34" charset="-122"/>
+            </a:endParaRPr>
+          </a:p>
+          <a:p>
+            <a:pPr marL="285750" indent="-285750">
+              <a:lnSpc>
+                <a:spcPct val="150000"/>
+              </a:lnSpc>
+              <a:buFont typeface="Arial" panose="020B0604020202020204" pitchFamily="34" charset="0"/>
+              <a:buChar char="•"/>
+            </a:pPr>
+            <a:r>
+              <a:rPr lang="zh-CN" altLang="en-US" dirty="0">
+                <a:latin typeface="微软雅黑" panose="020B0503020204020204" pitchFamily="34" charset="-122"/>
+                <a:ea typeface="微软雅黑" panose="020B0503020204020204" pitchFamily="34" charset="-122"/>
+              </a:rPr>
+              <a:t>微信接口的演示代码要组织成更完整的体系，完善后台的管理的功能，提供网页形式的快速操作工具。</a:t>
+            </a:r>
+            <a:endParaRPr lang="en-US" altLang="zh-CN" dirty="0">
+              <a:latin typeface="微软雅黑" panose="020B0503020204020204" pitchFamily="34" charset="-122"/>
+              <a:ea typeface="微软雅黑" panose="020B0503020204020204" pitchFamily="34" charset="-122"/>
+            </a:endParaRPr>
+          </a:p>
+          <a:p>
+            <a:pPr marL="285750" indent="-285750">
+              <a:lnSpc>
+                <a:spcPct val="150000"/>
+              </a:lnSpc>
+              <a:buFont typeface="Arial" panose="020B0604020202020204" pitchFamily="34" charset="0"/>
+              <a:buChar char="•"/>
+            </a:pPr>
+            <a:r>
+              <a:rPr lang="zh-CN" altLang="en-US" dirty="0">
+                <a:latin typeface="微软雅黑" panose="020B0503020204020204" pitchFamily="34" charset="-122"/>
+                <a:ea typeface="微软雅黑" panose="020B0503020204020204" pitchFamily="34" charset="-122"/>
+              </a:rPr>
+              <a:t>微信服务器通知开发者服务器后，在必要的时候，可以调用微信接口，所以处理消息与调用接口可以完成非常复杂的功能。</a:t>
             </a:r>
           </a:p>
         </p:txBody>
@@ -14858,7 +15724,7 @@
     </p:spTree>
     <p:extLst>
       <p:ext uri="{BB962C8B-B14F-4D97-AF65-F5344CB8AC3E}">
-        <p14:creationId xmlns:p14="http://schemas.microsoft.com/office/powerpoint/2010/main" val="1236112881"/>
+        <p14:creationId xmlns:p14="http://schemas.microsoft.com/office/powerpoint/2010/main" val="2865911590"/>
       </p:ext>
     </p:extLst>
   </p:cSld>
@@ -14902,138 +15768,15 @@
           <a:p>
             <a:r>
               <a:rPr lang="zh-CN" altLang="en-US" b="0" dirty="0"/>
-              <a:t>第二讲</a:t>
-            </a:r>
-          </a:p>
-        </p:txBody>
-      </p:sp>
-      <p:sp>
-        <p:nvSpPr>
-          <p:cNvPr id="5" name="文本框 4">
-            <a:extLst>
-              <a:ext uri="{FF2B5EF4-FFF2-40B4-BE49-F238E27FC236}">
-                <a16:creationId xmlns:a16="http://schemas.microsoft.com/office/drawing/2014/main" xmlns="" id="{DF540757-2DF2-4689-9860-0FF6F3C265D1}"/>
-              </a:ext>
-            </a:extLst>
-          </p:cNvPr>
-          <p:cNvSpPr txBox="1"/>
-          <p:nvPr/>
-        </p:nvSpPr>
-        <p:spPr>
-          <a:xfrm>
-            <a:off x="4058444" y="2343152"/>
-            <a:ext cx="5385594" cy="2062103"/>
-          </a:xfrm>
-          <a:prstGeom prst="rect">
-            <a:avLst/>
-          </a:prstGeom>
-          <a:noFill/>
-        </p:spPr>
-        <p:txBody>
-          <a:bodyPr wrap="square" rtlCol="0">
-            <a:spAutoFit/>
-          </a:bodyPr>
-          <a:lstStyle/>
-          <a:p>
-            <a:pPr marL="514350" indent="-514350">
-              <a:lnSpc>
-                <a:spcPct val="200000"/>
-              </a:lnSpc>
-              <a:buFont typeface="+mj-ea"/>
-              <a:buAutoNum type="ea1JpnChsDbPeriod"/>
-            </a:pPr>
-            <a:r>
-              <a:rPr lang="zh-CN" altLang="en-US" sz="2000" dirty="0">
-                <a:solidFill>
-                  <a:schemeClr val="tx1">
-                    <a:lumMod val="65000"/>
-                    <a:lumOff val="35000"/>
-                  </a:schemeClr>
-                </a:solidFill>
-                <a:latin typeface="微软雅黑" panose="020B0503020204020204" pitchFamily="34" charset="-122"/>
-                <a:ea typeface="微软雅黑" panose="020B0503020204020204" pitchFamily="34" charset="-122"/>
-              </a:rPr>
-              <a:t>整体脉络</a:t>
-            </a:r>
-            <a:endParaRPr lang="en-US" altLang="zh-CN" sz="2000" dirty="0">
-              <a:solidFill>
-                <a:schemeClr val="tx1">
-                  <a:lumMod val="65000"/>
-                  <a:lumOff val="35000"/>
-                </a:schemeClr>
-              </a:solidFill>
-              <a:latin typeface="微软雅黑" panose="020B0503020204020204" pitchFamily="34" charset="-122"/>
-              <a:ea typeface="微软雅黑" panose="020B0503020204020204" pitchFamily="34" charset="-122"/>
-            </a:endParaRPr>
-          </a:p>
-          <a:p>
-            <a:pPr marL="514350" indent="-514350">
-              <a:lnSpc>
-                <a:spcPct val="200000"/>
-              </a:lnSpc>
-              <a:buFont typeface="+mj-ea"/>
-              <a:buAutoNum type="ea1JpnChsDbPeriod"/>
-            </a:pPr>
-            <a:r>
-              <a:rPr lang="zh-CN" altLang="en-US" sz="2400" dirty="0">
-                <a:solidFill>
-                  <a:schemeClr val="accent6">
-                    <a:lumMod val="75000"/>
-                  </a:schemeClr>
-                </a:solidFill>
-                <a:latin typeface="微软雅黑" panose="020B0503020204020204" pitchFamily="34" charset="-122"/>
-                <a:ea typeface="微软雅黑" panose="020B0503020204020204" pitchFamily="34" charset="-122"/>
-              </a:rPr>
-              <a:t>重点回顾</a:t>
-            </a:r>
-            <a:endParaRPr lang="en-US" altLang="zh-CN" sz="2400" dirty="0">
-              <a:solidFill>
-                <a:schemeClr val="accent6">
-                  <a:lumMod val="75000"/>
-                </a:schemeClr>
-              </a:solidFill>
-              <a:latin typeface="微软雅黑" panose="020B0503020204020204" pitchFamily="34" charset="-122"/>
-              <a:ea typeface="微软雅黑" panose="020B0503020204020204" pitchFamily="34" charset="-122"/>
-            </a:endParaRPr>
-          </a:p>
-          <a:p>
-            <a:pPr marL="514350" indent="-514350">
-              <a:lnSpc>
-                <a:spcPct val="200000"/>
-              </a:lnSpc>
-              <a:buFont typeface="+mj-ea"/>
-              <a:buAutoNum type="ea1JpnChsDbPeriod"/>
-            </a:pPr>
-            <a:r>
-              <a:rPr lang="zh-CN" altLang="en-US" sz="2000" dirty="0">
-                <a:solidFill>
-                  <a:schemeClr val="tx1">
-                    <a:lumMod val="65000"/>
-                    <a:lumOff val="35000"/>
-                  </a:schemeClr>
-                </a:solidFill>
-                <a:latin typeface="微软雅黑" panose="020B0503020204020204" pitchFamily="34" charset="-122"/>
-                <a:ea typeface="微软雅黑" panose="020B0503020204020204" pitchFamily="34" charset="-122"/>
-              </a:rPr>
-              <a:t>思考总结</a:t>
-            </a:r>
-            <a:endParaRPr lang="en-US" altLang="zh-CN" sz="2000" dirty="0">
-              <a:solidFill>
-                <a:schemeClr val="tx1">
-                  <a:lumMod val="65000"/>
-                  <a:lumOff val="35000"/>
-                </a:schemeClr>
-              </a:solidFill>
-              <a:latin typeface="微软雅黑" panose="020B0503020204020204" pitchFamily="34" charset="-122"/>
-              <a:ea typeface="微软雅黑" panose="020B0503020204020204" pitchFamily="34" charset="-122"/>
-            </a:endParaRPr>
+              <a:t>分工与合作</a:t>
+            </a:r>
           </a:p>
         </p:txBody>
       </p:sp>
     </p:spTree>
     <p:extLst>
       <p:ext uri="{BB962C8B-B14F-4D97-AF65-F5344CB8AC3E}">
-        <p14:creationId xmlns:p14="http://schemas.microsoft.com/office/powerpoint/2010/main" val="2999457395"/>
+        <p14:creationId xmlns:p14="http://schemas.microsoft.com/office/powerpoint/2010/main" val="3794761174"/>
       </p:ext>
     </p:extLst>
   </p:cSld>
@@ -15070,41 +15813,34 @@
             <p:ph sz="quarter" idx="13"/>
           </p:nvPr>
         </p:nvSpPr>
+        <p:spPr/>
+        <p:txBody>
+          <a:bodyPr/>
+          <a:lstStyle/>
+          <a:p>
+            <a:r>
+              <a:rPr lang="zh-CN" altLang="en-US" b="0" dirty="0"/>
+              <a:t>第二讲</a:t>
+            </a:r>
+          </a:p>
+        </p:txBody>
+      </p:sp>
+      <p:sp>
+        <p:nvSpPr>
+          <p:cNvPr id="5" name="文本框 4">
+            <a:extLst>
+              <a:ext uri="{FF2B5EF4-FFF2-40B4-BE49-F238E27FC236}">
+                <a16:creationId xmlns:a16="http://schemas.microsoft.com/office/drawing/2014/main" id="{DF540757-2DF2-4689-9860-0FF6F3C265D1}"/>
+              </a:ext>
+            </a:extLst>
+          </p:cNvPr>
+          <p:cNvSpPr txBox="1"/>
+          <p:nvPr/>
+        </p:nvSpPr>
         <p:spPr>
           <a:xfrm>
-            <a:off x="1054099" y="543636"/>
-            <a:ext cx="7529461" cy="685800"/>
-          </a:xfrm>
-        </p:spPr>
-        <p:txBody>
-          <a:bodyPr/>
-          <a:lstStyle/>
-          <a:p>
-            <a:r>
-              <a:rPr lang="zh-CN" altLang="en-US" b="0" dirty="0" smtClean="0"/>
-              <a:t>开发过程</a:t>
-            </a:r>
-            <a:r>
-              <a:rPr lang="zh-CN" altLang="en-US" b="0" dirty="0" smtClean="0"/>
-              <a:t>要</a:t>
-            </a:r>
-            <a:r>
-              <a:rPr lang="zh-CN" altLang="en-US" b="0" dirty="0"/>
-              <a:t>注意的问题</a:t>
-            </a:r>
-          </a:p>
-        </p:txBody>
-      </p:sp>
-      <p:sp>
-        <p:nvSpPr>
-          <p:cNvPr id="3" name="文本框 2"/>
-          <p:cNvSpPr txBox="1"/>
-          <p:nvPr/>
-        </p:nvSpPr>
-        <p:spPr>
-          <a:xfrm>
-            <a:off x="1054099" y="1645920"/>
-            <a:ext cx="10485120" cy="3831818"/>
+            <a:off x="4058444" y="2343152"/>
+            <a:ext cx="5385594" cy="2062103"/>
           </a:xfrm>
           <a:prstGeom prst="rect">
             <a:avLst/>
@@ -15117,304 +15853,96 @@
           </a:bodyPr>
           <a:lstStyle/>
           <a:p>
-            <a:pPr marL="285750" indent="-285750">
+            <a:pPr marL="514350" indent="-514350">
               <a:lnSpc>
-                <a:spcPct val="150000"/>
+                <a:spcPct val="200000"/>
               </a:lnSpc>
-              <a:buFont typeface="Arial" panose="020B0604020202020204" pitchFamily="34" charset="0"/>
-              <a:buChar char="•"/>
+              <a:buFont typeface="+mj-ea"/>
+              <a:buAutoNum type="ea1JpnChsDbPeriod"/>
             </a:pPr>
             <a:r>
-              <a:rPr lang="zh-CN" altLang="en-US" dirty="0" smtClean="0">
-                <a:latin typeface="Calibri" panose="020F0502020204030204" pitchFamily="34" charset="0"/>
+              <a:rPr lang="zh-CN" altLang="en-US" sz="2000" dirty="0">
+                <a:solidFill>
+                  <a:schemeClr val="tx1">
+                    <a:lumMod val="65000"/>
+                    <a:lumOff val="35000"/>
+                  </a:schemeClr>
+                </a:solidFill>
+                <a:latin typeface="微软雅黑" panose="020B0503020204020204" pitchFamily="34" charset="-122"/>
                 <a:ea typeface="微软雅黑" panose="020B0503020204020204" pitchFamily="34" charset="-122"/>
               </a:rPr>
-              <a:t>开发者配置要按照要求配置好，启用加密注意密钥的位数要求。</a:t>
-            </a:r>
-            <a:endParaRPr lang="en-US" altLang="zh-CN" dirty="0" smtClean="0">
-              <a:latin typeface="Calibri" panose="020F0502020204030204" pitchFamily="34" charset="0"/>
+              <a:t>整体脉络</a:t>
+            </a:r>
+            <a:endParaRPr lang="en-US" altLang="zh-CN" sz="2000" dirty="0">
+              <a:solidFill>
+                <a:schemeClr val="tx1">
+                  <a:lumMod val="65000"/>
+                  <a:lumOff val="35000"/>
+                </a:schemeClr>
+              </a:solidFill>
+              <a:latin typeface="微软雅黑" panose="020B0503020204020204" pitchFamily="34" charset="-122"/>
               <a:ea typeface="微软雅黑" panose="020B0503020204020204" pitchFamily="34" charset="-122"/>
             </a:endParaRPr>
           </a:p>
           <a:p>
-            <a:pPr marL="285750" indent="-285750">
+            <a:pPr marL="514350" indent="-514350">
               <a:lnSpc>
-                <a:spcPct val="150000"/>
+                <a:spcPct val="200000"/>
               </a:lnSpc>
-              <a:buFont typeface="Arial" panose="020B0604020202020204" pitchFamily="34" charset="0"/>
-              <a:buChar char="•"/>
+              <a:buFont typeface="+mj-ea"/>
+              <a:buAutoNum type="ea1JpnChsDbPeriod"/>
             </a:pPr>
             <a:r>
-              <a:rPr lang="zh-CN" altLang="en-US" dirty="0">
-                <a:latin typeface="Calibri" panose="020F0502020204030204" pitchFamily="34" charset="0"/>
+              <a:rPr lang="zh-CN" altLang="en-US" sz="2400" dirty="0">
+                <a:solidFill>
+                  <a:schemeClr val="accent6">
+                    <a:lumMod val="75000"/>
+                  </a:schemeClr>
+                </a:solidFill>
+                <a:latin typeface="微软雅黑" panose="020B0503020204020204" pitchFamily="34" charset="-122"/>
                 <a:ea typeface="微软雅黑" panose="020B0503020204020204" pitchFamily="34" charset="-122"/>
               </a:rPr>
-              <a:t>开发</a:t>
-            </a:r>
-            <a:r>
-              <a:rPr lang="zh-CN" altLang="en-US" dirty="0" smtClean="0">
-                <a:latin typeface="Calibri" panose="020F0502020204030204" pitchFamily="34" charset="0"/>
+              <a:t>重点回顾</a:t>
+            </a:r>
+            <a:endParaRPr lang="en-US" altLang="zh-CN" sz="2400" dirty="0">
+              <a:solidFill>
+                <a:schemeClr val="accent6">
+                  <a:lumMod val="75000"/>
+                </a:schemeClr>
+              </a:solidFill>
+              <a:latin typeface="微软雅黑" panose="020B0503020204020204" pitchFamily="34" charset="-122"/>
+              <a:ea typeface="微软雅黑" panose="020B0503020204020204" pitchFamily="34" charset="-122"/>
+            </a:endParaRPr>
+          </a:p>
+          <a:p>
+            <a:pPr marL="514350" indent="-514350">
+              <a:lnSpc>
+                <a:spcPct val="200000"/>
+              </a:lnSpc>
+              <a:buFont typeface="+mj-ea"/>
+              <a:buAutoNum type="ea1JpnChsDbPeriod"/>
+            </a:pPr>
+            <a:r>
+              <a:rPr lang="zh-CN" altLang="en-US" sz="2000" dirty="0">
+                <a:solidFill>
+                  <a:schemeClr val="tx1">
+                    <a:lumMod val="65000"/>
+                    <a:lumOff val="35000"/>
+                  </a:schemeClr>
+                </a:solidFill>
+                <a:latin typeface="微软雅黑" panose="020B0503020204020204" pitchFamily="34" charset="-122"/>
                 <a:ea typeface="微软雅黑" panose="020B0503020204020204" pitchFamily="34" charset="-122"/>
               </a:rPr>
-              <a:t>者配置的</a:t>
-            </a:r>
-            <a:r>
-              <a:rPr lang="en-US" altLang="zh-CN" dirty="0" smtClean="0">
-                <a:latin typeface="Calibri" panose="020F0502020204030204" pitchFamily="34" charset="0"/>
-                <a:ea typeface="微软雅黑" panose="020B0503020204020204" pitchFamily="34" charset="-122"/>
-              </a:rPr>
-              <a:t>URL</a:t>
-            </a:r>
-            <a:r>
-              <a:rPr lang="zh-CN" altLang="en-US" dirty="0" smtClean="0">
-                <a:latin typeface="Calibri" panose="020F0502020204030204" pitchFamily="34" charset="0"/>
-                <a:ea typeface="微软雅黑" panose="020B0503020204020204" pitchFamily="34" charset="-122"/>
-              </a:rPr>
-              <a:t>验证与回复消息是互斥的，注意配置过程中修改代码。</a:t>
-            </a:r>
-            <a:endParaRPr lang="en-US" altLang="zh-CN" dirty="0" smtClean="0">
-              <a:latin typeface="Calibri" panose="020F0502020204030204" pitchFamily="34" charset="0"/>
-              <a:ea typeface="微软雅黑" panose="020B0503020204020204" pitchFamily="34" charset="-122"/>
-            </a:endParaRPr>
-          </a:p>
-          <a:p>
-            <a:pPr marL="285750" indent="-285750">
-              <a:lnSpc>
-                <a:spcPct val="150000"/>
-              </a:lnSpc>
-              <a:buFont typeface="Arial" panose="020B0604020202020204" pitchFamily="34" charset="0"/>
-              <a:buChar char="•"/>
-            </a:pPr>
-            <a:r>
-              <a:rPr lang="zh-CN" altLang="en-US" dirty="0" smtClean="0">
-                <a:latin typeface="Calibri" panose="020F0502020204030204" pitchFamily="34" charset="0"/>
-                <a:ea typeface="微软雅黑" panose="020B0503020204020204" pitchFamily="34" charset="-122"/>
-              </a:rPr>
-              <a:t>注意</a:t>
-            </a:r>
-            <a:r>
-              <a:rPr lang="en-US" altLang="zh-CN" dirty="0" smtClean="0">
-                <a:latin typeface="Calibri" panose="020F0502020204030204" pitchFamily="34" charset="0"/>
-                <a:ea typeface="微软雅黑" panose="020B0503020204020204" pitchFamily="34" charset="-122"/>
-              </a:rPr>
-              <a:t>PHP</a:t>
-            </a:r>
-            <a:r>
-              <a:rPr lang="zh-CN" altLang="en-US" dirty="0" smtClean="0">
-                <a:latin typeface="Calibri" panose="020F0502020204030204" pitchFamily="34" charset="0"/>
-                <a:ea typeface="微软雅黑" panose="020B0503020204020204" pitchFamily="34" charset="-122"/>
-              </a:rPr>
-              <a:t>版本导致的处理错误，微信提供的</a:t>
-            </a:r>
-            <a:r>
-              <a:rPr lang="en-US" altLang="zh-CN" dirty="0" smtClean="0">
-                <a:latin typeface="Calibri" panose="020F0502020204030204" pitchFamily="34" charset="0"/>
-                <a:ea typeface="微软雅黑" panose="020B0503020204020204" pitchFamily="34" charset="-122"/>
-              </a:rPr>
-              <a:t>SDK</a:t>
-            </a:r>
-            <a:r>
-              <a:rPr lang="zh-CN" altLang="en-US" dirty="0" smtClean="0">
-                <a:latin typeface="Calibri" panose="020F0502020204030204" pitchFamily="34" charset="0"/>
-                <a:ea typeface="微软雅黑" panose="020B0503020204020204" pitchFamily="34" charset="-122"/>
-              </a:rPr>
-              <a:t>以及示例代码都是使用旧版本的</a:t>
-            </a:r>
-            <a:r>
-              <a:rPr lang="en-US" altLang="zh-CN" dirty="0" smtClean="0">
-                <a:latin typeface="Calibri" panose="020F0502020204030204" pitchFamily="34" charset="0"/>
-                <a:ea typeface="微软雅黑" panose="020B0503020204020204" pitchFamily="34" charset="-122"/>
-              </a:rPr>
-              <a:t>PHP</a:t>
-            </a:r>
-            <a:r>
-              <a:rPr lang="zh-CN" altLang="en-US" dirty="0" smtClean="0">
-                <a:latin typeface="Calibri" panose="020F0502020204030204" pitchFamily="34" charset="0"/>
-                <a:ea typeface="微软雅黑" panose="020B0503020204020204" pitchFamily="34" charset="-122"/>
-              </a:rPr>
-              <a:t>完成的，如果使用的话，注意修改相应的语法。</a:t>
-            </a:r>
-            <a:endParaRPr lang="en-US" altLang="zh-CN" dirty="0" smtClean="0">
-              <a:latin typeface="Calibri" panose="020F0502020204030204" pitchFamily="34" charset="0"/>
-              <a:ea typeface="微软雅黑" panose="020B0503020204020204" pitchFamily="34" charset="-122"/>
-            </a:endParaRPr>
-          </a:p>
-          <a:p>
-            <a:pPr marL="285750" indent="-285750">
-              <a:lnSpc>
-                <a:spcPct val="150000"/>
-              </a:lnSpc>
-              <a:buFont typeface="Arial" panose="020B0604020202020204" pitchFamily="34" charset="0"/>
-              <a:buChar char="•"/>
-            </a:pPr>
-            <a:r>
-              <a:rPr lang="zh-CN" altLang="en-US" dirty="0" smtClean="0">
-                <a:latin typeface="Calibri" panose="020F0502020204030204" pitchFamily="34" charset="0"/>
-                <a:ea typeface="微软雅黑" panose="020B0503020204020204" pitchFamily="34" charset="-122"/>
-              </a:rPr>
-              <a:t>注意接口调用的频次限制，对于需要缓存的数据要有缓存处理，避免频繁地发起请求。</a:t>
-            </a:r>
-            <a:endParaRPr lang="en-US" altLang="zh-CN" dirty="0" smtClean="0">
-              <a:latin typeface="Calibri" panose="020F0502020204030204" pitchFamily="34" charset="0"/>
-              <a:ea typeface="微软雅黑" panose="020B0503020204020204" pitchFamily="34" charset="-122"/>
-            </a:endParaRPr>
-          </a:p>
-          <a:p>
-            <a:pPr marL="285750" indent="-285750">
-              <a:lnSpc>
-                <a:spcPct val="150000"/>
-              </a:lnSpc>
-              <a:buFont typeface="Arial" panose="020B0604020202020204" pitchFamily="34" charset="0"/>
-              <a:buChar char="•"/>
-            </a:pPr>
-            <a:r>
-              <a:rPr lang="zh-CN" altLang="en-US" dirty="0" smtClean="0">
-                <a:latin typeface="Calibri" panose="020F0502020204030204" pitchFamily="34" charset="0"/>
-                <a:ea typeface="微软雅黑" panose="020B0503020204020204" pitchFamily="34" charset="-122"/>
-              </a:rPr>
-              <a:t>配置</a:t>
-            </a:r>
-            <a:r>
-              <a:rPr lang="en-US" altLang="zh-CN" dirty="0" smtClean="0">
-                <a:latin typeface="Calibri" panose="020F0502020204030204" pitchFamily="34" charset="0"/>
-                <a:ea typeface="微软雅黑" panose="020B0503020204020204" pitchFamily="34" charset="-122"/>
-              </a:rPr>
-              <a:t>JS-SDK</a:t>
-            </a:r>
-            <a:r>
-              <a:rPr lang="zh-CN" altLang="en-US" dirty="0" smtClean="0">
-                <a:latin typeface="Calibri" panose="020F0502020204030204" pitchFamily="34" charset="0"/>
-                <a:ea typeface="微软雅黑" panose="020B0503020204020204" pitchFamily="34" charset="-122"/>
-              </a:rPr>
-              <a:t>以及支付授权目录注意要求，填写域名要与格式对应，</a:t>
-            </a:r>
-            <a:r>
-              <a:rPr lang="en-US" altLang="zh-CN" dirty="0" smtClean="0">
-                <a:latin typeface="Calibri" panose="020F0502020204030204" pitchFamily="34" charset="0"/>
-                <a:ea typeface="微软雅黑" panose="020B0503020204020204" pitchFamily="34" charset="-122"/>
-              </a:rPr>
-              <a:t>JS-SDK</a:t>
-            </a:r>
-            <a:r>
-              <a:rPr lang="zh-CN" altLang="en-US" dirty="0" smtClean="0">
-                <a:latin typeface="Calibri" panose="020F0502020204030204" pitchFamily="34" charset="0"/>
-                <a:ea typeface="微软雅黑" panose="020B0503020204020204" pitchFamily="34" charset="-122"/>
-              </a:rPr>
-              <a:t>配置安全域名使用以及域名即可，后面无需加具体路径。</a:t>
-            </a:r>
-            <a:endParaRPr lang="en-US" altLang="zh-CN" dirty="0" smtClean="0">
-              <a:latin typeface="Calibri" panose="020F0502020204030204" pitchFamily="34" charset="0"/>
-              <a:ea typeface="微软雅黑" panose="020B0503020204020204" pitchFamily="34" charset="-122"/>
-            </a:endParaRPr>
-          </a:p>
-          <a:p>
-            <a:pPr marL="285750" indent="-285750">
-              <a:lnSpc>
-                <a:spcPct val="150000"/>
-              </a:lnSpc>
-              <a:buFont typeface="Arial" panose="020B0604020202020204" pitchFamily="34" charset="0"/>
-              <a:buChar char="•"/>
-            </a:pPr>
-            <a:r>
-              <a:rPr lang="zh-CN" altLang="en-US" dirty="0" smtClean="0">
-                <a:latin typeface="Calibri" panose="020F0502020204030204" pitchFamily="34" charset="0"/>
-                <a:ea typeface="微软雅黑" panose="020B0503020204020204" pitchFamily="34" charset="-122"/>
-              </a:rPr>
-              <a:t>调用接口提交</a:t>
-            </a:r>
-            <a:r>
-              <a:rPr lang="en-US" altLang="zh-CN" dirty="0" smtClean="0">
-                <a:latin typeface="Calibri" panose="020F0502020204030204" pitchFamily="34" charset="0"/>
-                <a:ea typeface="微软雅黑" panose="020B0503020204020204" pitchFamily="34" charset="-122"/>
-              </a:rPr>
-              <a:t>POST</a:t>
-            </a:r>
-            <a:r>
-              <a:rPr lang="zh-CN" altLang="en-US" dirty="0" smtClean="0">
-                <a:latin typeface="Calibri" panose="020F0502020204030204" pitchFamily="34" charset="0"/>
-                <a:ea typeface="微软雅黑" panose="020B0503020204020204" pitchFamily="34" charset="-122"/>
-              </a:rPr>
-              <a:t>数据，如果使用</a:t>
-            </a:r>
-            <a:r>
-              <a:rPr lang="en-US" altLang="zh-CN" dirty="0" err="1" smtClean="0">
-                <a:latin typeface="Calibri" panose="020F0502020204030204" pitchFamily="34" charset="0"/>
-                <a:ea typeface="微软雅黑" panose="020B0503020204020204" pitchFamily="34" charset="-122"/>
-              </a:rPr>
-              <a:t>json_encode</a:t>
-            </a:r>
-            <a:r>
-              <a:rPr lang="zh-CN" altLang="en-US" dirty="0" smtClean="0">
-                <a:latin typeface="Calibri" panose="020F0502020204030204" pitchFamily="34" charset="0"/>
-                <a:ea typeface="微软雅黑" panose="020B0503020204020204" pitchFamily="34" charset="-122"/>
-              </a:rPr>
-              <a:t>函数转换成</a:t>
-            </a:r>
-            <a:r>
-              <a:rPr lang="en-US" altLang="zh-CN" dirty="0" smtClean="0">
-                <a:latin typeface="Calibri" panose="020F0502020204030204" pitchFamily="34" charset="0"/>
-                <a:ea typeface="微软雅黑" panose="020B0503020204020204" pitchFamily="34" charset="-122"/>
-              </a:rPr>
-              <a:t>JSON</a:t>
-            </a:r>
-            <a:r>
-              <a:rPr lang="zh-CN" altLang="en-US" dirty="0" smtClean="0">
-                <a:latin typeface="Calibri" panose="020F0502020204030204" pitchFamily="34" charset="0"/>
-                <a:ea typeface="微软雅黑" panose="020B0503020204020204" pitchFamily="34" charset="-122"/>
-              </a:rPr>
-              <a:t>格式，则注意要加选项</a:t>
-            </a:r>
-            <a:r>
-              <a:rPr lang="en-US" altLang="zh-CN" dirty="0" smtClean="0">
-                <a:latin typeface="Calibri" panose="020F0502020204030204" pitchFamily="34" charset="0"/>
-                <a:ea typeface="微软雅黑" panose="020B0503020204020204" pitchFamily="34" charset="-122"/>
-              </a:rPr>
-              <a:t>JSON_UNESCAPED_UNICODE</a:t>
-            </a:r>
-            <a:r>
-              <a:rPr lang="zh-CN" altLang="en-US" dirty="0" smtClean="0">
-                <a:latin typeface="Calibri" panose="020F0502020204030204" pitchFamily="34" charset="0"/>
-                <a:ea typeface="微软雅黑" panose="020B0503020204020204" pitchFamily="34" charset="-122"/>
-              </a:rPr>
-              <a:t>选项，否则中文会被转化成</a:t>
-            </a:r>
-            <a:r>
-              <a:rPr lang="en-US" altLang="zh-CN" dirty="0" smtClean="0">
-                <a:latin typeface="Calibri" panose="020F0502020204030204" pitchFamily="34" charset="0"/>
-                <a:ea typeface="微软雅黑" panose="020B0503020204020204" pitchFamily="34" charset="-122"/>
-              </a:rPr>
-              <a:t>\u</a:t>
-            </a:r>
-            <a:r>
-              <a:rPr lang="zh-CN" altLang="en-US" dirty="0">
-                <a:latin typeface="Calibri" panose="020F0502020204030204" pitchFamily="34" charset="0"/>
-                <a:ea typeface="微软雅黑" panose="020B0503020204020204" pitchFamily="34" charset="-122"/>
-              </a:rPr>
-              <a:t>开头</a:t>
-            </a:r>
-            <a:r>
-              <a:rPr lang="zh-CN" altLang="en-US" dirty="0" smtClean="0">
-                <a:latin typeface="Calibri" panose="020F0502020204030204" pitchFamily="34" charset="0"/>
-                <a:ea typeface="微软雅黑" panose="020B0503020204020204" pitchFamily="34" charset="-122"/>
-              </a:rPr>
-              <a:t>的</a:t>
-            </a:r>
-            <a:r>
-              <a:rPr lang="en-US" altLang="zh-CN" dirty="0" smtClean="0">
-                <a:latin typeface="Calibri" panose="020F0502020204030204" pitchFamily="34" charset="0"/>
-                <a:ea typeface="微软雅黑" panose="020B0503020204020204" pitchFamily="34" charset="-122"/>
-              </a:rPr>
-              <a:t>utf-8</a:t>
-            </a:r>
-            <a:r>
-              <a:rPr lang="zh-CN" altLang="en-US" dirty="0" smtClean="0">
-                <a:latin typeface="Calibri" panose="020F0502020204030204" pitchFamily="34" charset="0"/>
-                <a:ea typeface="微软雅黑" panose="020B0503020204020204" pitchFamily="34" charset="-122"/>
-              </a:rPr>
-              <a:t>编码值，微信会提示错误。</a:t>
-            </a:r>
-            <a:endParaRPr lang="zh-CN" altLang="en-US" dirty="0">
-              <a:latin typeface="Calibri" panose="020F0502020204030204" pitchFamily="34" charset="0"/>
+              <a:t>总结</a:t>
+            </a:r>
+            <a:endParaRPr lang="en-US" altLang="zh-CN" sz="2000" dirty="0">
+              <a:solidFill>
+                <a:schemeClr val="tx1">
+                  <a:lumMod val="65000"/>
+                  <a:lumOff val="35000"/>
+                </a:schemeClr>
+              </a:solidFill>
+              <a:latin typeface="微软雅黑" panose="020B0503020204020204" pitchFamily="34" charset="-122"/>
               <a:ea typeface="微软雅黑" panose="020B0503020204020204" pitchFamily="34" charset="-122"/>
             </a:endParaRPr>
           </a:p>
@@ -15423,7 +15951,7 @@
     </p:spTree>
     <p:extLst>
       <p:ext uri="{BB962C8B-B14F-4D97-AF65-F5344CB8AC3E}">
-        <p14:creationId xmlns:p14="http://schemas.microsoft.com/office/powerpoint/2010/main" val="2902273865"/>
+        <p14:creationId xmlns:p14="http://schemas.microsoft.com/office/powerpoint/2010/main" val="2999457395"/>
       </p:ext>
     </p:extLst>
   </p:cSld>
@@ -15460,18 +15988,326 @@
             <p:ph sz="quarter" idx="13"/>
           </p:nvPr>
         </p:nvSpPr>
-        <p:spPr/>
+        <p:spPr>
+          <a:xfrm>
+            <a:off x="1054099" y="543636"/>
+            <a:ext cx="7529461" cy="685800"/>
+          </a:xfrm>
+        </p:spPr>
         <p:txBody>
           <a:bodyPr/>
           <a:lstStyle/>
           <a:p>
             <a:r>
-              <a:rPr lang="en-US" altLang="zh-CN" b="0" dirty="0"/>
-              <a:t>CURL</a:t>
-            </a:r>
-            <a:r>
               <a:rPr lang="zh-CN" altLang="en-US" b="0" dirty="0"/>
-              <a:t>重点</a:t>
+              <a:t>开发过程要注意的问题</a:t>
+            </a:r>
+          </a:p>
+        </p:txBody>
+      </p:sp>
+      <p:sp>
+        <p:nvSpPr>
+          <p:cNvPr id="3" name="文本框 2"/>
+          <p:cNvSpPr txBox="1"/>
+          <p:nvPr/>
+        </p:nvSpPr>
+        <p:spPr>
+          <a:xfrm>
+            <a:off x="1054099" y="1645920"/>
+            <a:ext cx="10485120" cy="3831818"/>
+          </a:xfrm>
+          <a:prstGeom prst="rect">
+            <a:avLst/>
+          </a:prstGeom>
+          <a:noFill/>
+        </p:spPr>
+        <p:txBody>
+          <a:bodyPr wrap="square" rtlCol="0">
+            <a:spAutoFit/>
+          </a:bodyPr>
+          <a:lstStyle/>
+          <a:p>
+            <a:pPr marL="285750" indent="-285750">
+              <a:lnSpc>
+                <a:spcPct val="150000"/>
+              </a:lnSpc>
+              <a:buFont typeface="Arial" panose="020B0604020202020204" pitchFamily="34" charset="0"/>
+              <a:buChar char="•"/>
+            </a:pPr>
+            <a:r>
+              <a:rPr lang="zh-CN" altLang="en-US" dirty="0">
+                <a:latin typeface="Calibri" panose="020F0502020204030204" pitchFamily="34" charset="0"/>
+                <a:ea typeface="微软雅黑" panose="020B0503020204020204" pitchFamily="34" charset="-122"/>
+              </a:rPr>
+              <a:t>开发者配置要按照要求配置好，启用加密注意密钥的位数要求。</a:t>
+            </a:r>
+            <a:endParaRPr lang="en-US" altLang="zh-CN" dirty="0">
+              <a:latin typeface="Calibri" panose="020F0502020204030204" pitchFamily="34" charset="0"/>
+              <a:ea typeface="微软雅黑" panose="020B0503020204020204" pitchFamily="34" charset="-122"/>
+            </a:endParaRPr>
+          </a:p>
+          <a:p>
+            <a:pPr marL="285750" indent="-285750">
+              <a:lnSpc>
+                <a:spcPct val="150000"/>
+              </a:lnSpc>
+              <a:buFont typeface="Arial" panose="020B0604020202020204" pitchFamily="34" charset="0"/>
+              <a:buChar char="•"/>
+            </a:pPr>
+            <a:r>
+              <a:rPr lang="zh-CN" altLang="en-US" dirty="0">
+                <a:latin typeface="Calibri" panose="020F0502020204030204" pitchFamily="34" charset="0"/>
+                <a:ea typeface="微软雅黑" panose="020B0503020204020204" pitchFamily="34" charset="-122"/>
+              </a:rPr>
+              <a:t>开发者配置的</a:t>
+            </a:r>
+            <a:r>
+              <a:rPr lang="en-US" altLang="zh-CN" dirty="0">
+                <a:latin typeface="Calibri" panose="020F0502020204030204" pitchFamily="34" charset="0"/>
+                <a:ea typeface="微软雅黑" panose="020B0503020204020204" pitchFamily="34" charset="-122"/>
+              </a:rPr>
+              <a:t>URL</a:t>
+            </a:r>
+            <a:r>
+              <a:rPr lang="zh-CN" altLang="en-US" dirty="0">
+                <a:latin typeface="Calibri" panose="020F0502020204030204" pitchFamily="34" charset="0"/>
+                <a:ea typeface="微软雅黑" panose="020B0503020204020204" pitchFamily="34" charset="-122"/>
+              </a:rPr>
+              <a:t>验证与回复消息是互斥的，注意配置过程中修改代码。</a:t>
+            </a:r>
+            <a:endParaRPr lang="en-US" altLang="zh-CN" dirty="0">
+              <a:latin typeface="Calibri" panose="020F0502020204030204" pitchFamily="34" charset="0"/>
+              <a:ea typeface="微软雅黑" panose="020B0503020204020204" pitchFamily="34" charset="-122"/>
+            </a:endParaRPr>
+          </a:p>
+          <a:p>
+            <a:pPr marL="285750" indent="-285750">
+              <a:lnSpc>
+                <a:spcPct val="150000"/>
+              </a:lnSpc>
+              <a:buFont typeface="Arial" panose="020B0604020202020204" pitchFamily="34" charset="0"/>
+              <a:buChar char="•"/>
+            </a:pPr>
+            <a:r>
+              <a:rPr lang="zh-CN" altLang="en-US" dirty="0">
+                <a:latin typeface="Calibri" panose="020F0502020204030204" pitchFamily="34" charset="0"/>
+                <a:ea typeface="微软雅黑" panose="020B0503020204020204" pitchFamily="34" charset="-122"/>
+              </a:rPr>
+              <a:t>注意</a:t>
+            </a:r>
+            <a:r>
+              <a:rPr lang="en-US" altLang="zh-CN" dirty="0">
+                <a:latin typeface="Calibri" panose="020F0502020204030204" pitchFamily="34" charset="0"/>
+                <a:ea typeface="微软雅黑" panose="020B0503020204020204" pitchFamily="34" charset="-122"/>
+              </a:rPr>
+              <a:t>PHP</a:t>
+            </a:r>
+            <a:r>
+              <a:rPr lang="zh-CN" altLang="en-US" dirty="0">
+                <a:latin typeface="Calibri" panose="020F0502020204030204" pitchFamily="34" charset="0"/>
+                <a:ea typeface="微软雅黑" panose="020B0503020204020204" pitchFamily="34" charset="-122"/>
+              </a:rPr>
+              <a:t>版本导致的处理错误，微信提供的</a:t>
+            </a:r>
+            <a:r>
+              <a:rPr lang="en-US" altLang="zh-CN" dirty="0">
+                <a:latin typeface="Calibri" panose="020F0502020204030204" pitchFamily="34" charset="0"/>
+                <a:ea typeface="微软雅黑" panose="020B0503020204020204" pitchFamily="34" charset="-122"/>
+              </a:rPr>
+              <a:t>SDK</a:t>
+            </a:r>
+            <a:r>
+              <a:rPr lang="zh-CN" altLang="en-US" dirty="0">
+                <a:latin typeface="Calibri" panose="020F0502020204030204" pitchFamily="34" charset="0"/>
+                <a:ea typeface="微软雅黑" panose="020B0503020204020204" pitchFamily="34" charset="-122"/>
+              </a:rPr>
+              <a:t>以及示例代码都是使用旧版本的</a:t>
+            </a:r>
+            <a:r>
+              <a:rPr lang="en-US" altLang="zh-CN" dirty="0">
+                <a:latin typeface="Calibri" panose="020F0502020204030204" pitchFamily="34" charset="0"/>
+                <a:ea typeface="微软雅黑" panose="020B0503020204020204" pitchFamily="34" charset="-122"/>
+              </a:rPr>
+              <a:t>PHP</a:t>
+            </a:r>
+            <a:r>
+              <a:rPr lang="zh-CN" altLang="en-US" dirty="0">
+                <a:latin typeface="Calibri" panose="020F0502020204030204" pitchFamily="34" charset="0"/>
+                <a:ea typeface="微软雅黑" panose="020B0503020204020204" pitchFamily="34" charset="-122"/>
+              </a:rPr>
+              <a:t>完成的，如果使用的话，注意修改相应的语法。</a:t>
+            </a:r>
+            <a:endParaRPr lang="en-US" altLang="zh-CN" dirty="0">
+              <a:latin typeface="Calibri" panose="020F0502020204030204" pitchFamily="34" charset="0"/>
+              <a:ea typeface="微软雅黑" panose="020B0503020204020204" pitchFamily="34" charset="-122"/>
+            </a:endParaRPr>
+          </a:p>
+          <a:p>
+            <a:pPr marL="285750" indent="-285750">
+              <a:lnSpc>
+                <a:spcPct val="150000"/>
+              </a:lnSpc>
+              <a:buFont typeface="Arial" panose="020B0604020202020204" pitchFamily="34" charset="0"/>
+              <a:buChar char="•"/>
+            </a:pPr>
+            <a:r>
+              <a:rPr lang="zh-CN" altLang="en-US" dirty="0">
+                <a:latin typeface="Calibri" panose="020F0502020204030204" pitchFamily="34" charset="0"/>
+                <a:ea typeface="微软雅黑" panose="020B0503020204020204" pitchFamily="34" charset="-122"/>
+              </a:rPr>
+              <a:t>注意接口调用的频次限制，对于需要缓存的数据要有缓存处理，避免频繁地发起请求。</a:t>
+            </a:r>
+            <a:endParaRPr lang="en-US" altLang="zh-CN" dirty="0">
+              <a:latin typeface="Calibri" panose="020F0502020204030204" pitchFamily="34" charset="0"/>
+              <a:ea typeface="微软雅黑" panose="020B0503020204020204" pitchFamily="34" charset="-122"/>
+            </a:endParaRPr>
+          </a:p>
+          <a:p>
+            <a:pPr marL="285750" indent="-285750">
+              <a:lnSpc>
+                <a:spcPct val="150000"/>
+              </a:lnSpc>
+              <a:buFont typeface="Arial" panose="020B0604020202020204" pitchFamily="34" charset="0"/>
+              <a:buChar char="•"/>
+            </a:pPr>
+            <a:r>
+              <a:rPr lang="zh-CN" altLang="en-US" dirty="0">
+                <a:latin typeface="Calibri" panose="020F0502020204030204" pitchFamily="34" charset="0"/>
+                <a:ea typeface="微软雅黑" panose="020B0503020204020204" pitchFamily="34" charset="-122"/>
+              </a:rPr>
+              <a:t>配置</a:t>
+            </a:r>
+            <a:r>
+              <a:rPr lang="en-US" altLang="zh-CN" dirty="0">
+                <a:latin typeface="Calibri" panose="020F0502020204030204" pitchFamily="34" charset="0"/>
+                <a:ea typeface="微软雅黑" panose="020B0503020204020204" pitchFamily="34" charset="-122"/>
+              </a:rPr>
+              <a:t>JS-SDK</a:t>
+            </a:r>
+            <a:r>
+              <a:rPr lang="zh-CN" altLang="en-US" dirty="0">
+                <a:latin typeface="Calibri" panose="020F0502020204030204" pitchFamily="34" charset="0"/>
+                <a:ea typeface="微软雅黑" panose="020B0503020204020204" pitchFamily="34" charset="-122"/>
+              </a:rPr>
+              <a:t>以及支付授权目录注意要求，填写域名要与格式对应，</a:t>
+            </a:r>
+            <a:r>
+              <a:rPr lang="en-US" altLang="zh-CN" dirty="0">
+                <a:latin typeface="Calibri" panose="020F0502020204030204" pitchFamily="34" charset="0"/>
+                <a:ea typeface="微软雅黑" panose="020B0503020204020204" pitchFamily="34" charset="-122"/>
+              </a:rPr>
+              <a:t>JS-SDK</a:t>
+            </a:r>
+            <a:r>
+              <a:rPr lang="zh-CN" altLang="en-US" dirty="0">
+                <a:latin typeface="Calibri" panose="020F0502020204030204" pitchFamily="34" charset="0"/>
+                <a:ea typeface="微软雅黑" panose="020B0503020204020204" pitchFamily="34" charset="-122"/>
+              </a:rPr>
+              <a:t>配置安全域名使用以及域名即可，后面无需加具体路径。</a:t>
+            </a:r>
+            <a:endParaRPr lang="en-US" altLang="zh-CN" dirty="0">
+              <a:latin typeface="Calibri" panose="020F0502020204030204" pitchFamily="34" charset="0"/>
+              <a:ea typeface="微软雅黑" panose="020B0503020204020204" pitchFamily="34" charset="-122"/>
+            </a:endParaRPr>
+          </a:p>
+          <a:p>
+            <a:pPr marL="285750" indent="-285750">
+              <a:lnSpc>
+                <a:spcPct val="150000"/>
+              </a:lnSpc>
+              <a:buFont typeface="Arial" panose="020B0604020202020204" pitchFamily="34" charset="0"/>
+              <a:buChar char="•"/>
+            </a:pPr>
+            <a:r>
+              <a:rPr lang="zh-CN" altLang="en-US" dirty="0">
+                <a:latin typeface="Calibri" panose="020F0502020204030204" pitchFamily="34" charset="0"/>
+                <a:ea typeface="微软雅黑" panose="020B0503020204020204" pitchFamily="34" charset="-122"/>
+              </a:rPr>
+              <a:t>调用接口提交</a:t>
+            </a:r>
+            <a:r>
+              <a:rPr lang="en-US" altLang="zh-CN" dirty="0">
+                <a:latin typeface="Calibri" panose="020F0502020204030204" pitchFamily="34" charset="0"/>
+                <a:ea typeface="微软雅黑" panose="020B0503020204020204" pitchFamily="34" charset="-122"/>
+              </a:rPr>
+              <a:t>POST</a:t>
+            </a:r>
+            <a:r>
+              <a:rPr lang="zh-CN" altLang="en-US" dirty="0">
+                <a:latin typeface="Calibri" panose="020F0502020204030204" pitchFamily="34" charset="0"/>
+                <a:ea typeface="微软雅黑" panose="020B0503020204020204" pitchFamily="34" charset="-122"/>
+              </a:rPr>
+              <a:t>数据，如果使用</a:t>
+            </a:r>
+            <a:r>
+              <a:rPr lang="en-US" altLang="zh-CN" dirty="0" err="1">
+                <a:latin typeface="Calibri" panose="020F0502020204030204" pitchFamily="34" charset="0"/>
+                <a:ea typeface="微软雅黑" panose="020B0503020204020204" pitchFamily="34" charset="-122"/>
+              </a:rPr>
+              <a:t>json_encode</a:t>
+            </a:r>
+            <a:r>
+              <a:rPr lang="zh-CN" altLang="en-US" dirty="0">
+                <a:latin typeface="Calibri" panose="020F0502020204030204" pitchFamily="34" charset="0"/>
+                <a:ea typeface="微软雅黑" panose="020B0503020204020204" pitchFamily="34" charset="-122"/>
+              </a:rPr>
+              <a:t>函数转换成</a:t>
+            </a:r>
+            <a:r>
+              <a:rPr lang="en-US" altLang="zh-CN" dirty="0">
+                <a:latin typeface="Calibri" panose="020F0502020204030204" pitchFamily="34" charset="0"/>
+                <a:ea typeface="微软雅黑" panose="020B0503020204020204" pitchFamily="34" charset="-122"/>
+              </a:rPr>
+              <a:t>JSON</a:t>
+            </a:r>
+            <a:r>
+              <a:rPr lang="zh-CN" altLang="en-US" dirty="0">
+                <a:latin typeface="Calibri" panose="020F0502020204030204" pitchFamily="34" charset="0"/>
+                <a:ea typeface="微软雅黑" panose="020B0503020204020204" pitchFamily="34" charset="-122"/>
+              </a:rPr>
+              <a:t>格式，则注意要加选项</a:t>
+            </a:r>
+            <a:r>
+              <a:rPr lang="en-US" altLang="zh-CN" dirty="0">
+                <a:latin typeface="Calibri" panose="020F0502020204030204" pitchFamily="34" charset="0"/>
+                <a:ea typeface="微软雅黑" panose="020B0503020204020204" pitchFamily="34" charset="-122"/>
+              </a:rPr>
+              <a:t>JSON_UNESCAPED_UNICODE</a:t>
+            </a:r>
+            <a:r>
+              <a:rPr lang="zh-CN" altLang="en-US" dirty="0">
+                <a:latin typeface="Calibri" panose="020F0502020204030204" pitchFamily="34" charset="0"/>
+                <a:ea typeface="微软雅黑" panose="020B0503020204020204" pitchFamily="34" charset="-122"/>
+              </a:rPr>
+              <a:t>选项，否则中文会被转化成</a:t>
+            </a:r>
+            <a:r>
+              <a:rPr lang="en-US" altLang="zh-CN" dirty="0">
+                <a:latin typeface="Calibri" panose="020F0502020204030204" pitchFamily="34" charset="0"/>
+                <a:ea typeface="微软雅黑" panose="020B0503020204020204" pitchFamily="34" charset="-122"/>
+              </a:rPr>
+              <a:t>\u</a:t>
+            </a:r>
+            <a:r>
+              <a:rPr lang="zh-CN" altLang="en-US" dirty="0">
+                <a:latin typeface="Calibri" panose="020F0502020204030204" pitchFamily="34" charset="0"/>
+                <a:ea typeface="微软雅黑" panose="020B0503020204020204" pitchFamily="34" charset="-122"/>
+              </a:rPr>
+              <a:t>开头的</a:t>
+            </a:r>
+            <a:r>
+              <a:rPr lang="en-US" altLang="zh-CN" dirty="0">
+                <a:latin typeface="Calibri" panose="020F0502020204030204" pitchFamily="34" charset="0"/>
+                <a:ea typeface="微软雅黑" panose="020B0503020204020204" pitchFamily="34" charset="-122"/>
+              </a:rPr>
+              <a:t>utf-8</a:t>
+            </a:r>
+            <a:r>
+              <a:rPr lang="zh-CN" altLang="en-US" dirty="0">
+                <a:latin typeface="Calibri" panose="020F0502020204030204" pitchFamily="34" charset="0"/>
+                <a:ea typeface="微软雅黑" panose="020B0503020204020204" pitchFamily="34" charset="-122"/>
+              </a:rPr>
+              <a:t>编码值，微信会提示错误。</a:t>
             </a:r>
           </a:p>
         </p:txBody>
@@ -15479,7 +16315,7 @@
     </p:spTree>
     <p:extLst>
       <p:ext uri="{BB962C8B-B14F-4D97-AF65-F5344CB8AC3E}">
-        <p14:creationId xmlns:p14="http://schemas.microsoft.com/office/powerpoint/2010/main" val="2699412093"/>
+        <p14:creationId xmlns:p14="http://schemas.microsoft.com/office/powerpoint/2010/main" val="2902273865"/>
       </p:ext>
     </p:extLst>
   </p:cSld>
